--- a/presentation/api.pptx
+++ b/presentation/api.pptx
@@ -1,41 +1,41 @@
 
 <file path=ppt/presentation.xml><?xml version="1.0" encoding="utf-8"?>
-<p:presentation xmlns:a="http://schemas.openxmlformats.org/drawingml/2006/main" xmlns:r="http://schemas.openxmlformats.org/officeDocument/2006/relationships" xmlns:mc="http://schemas.openxmlformats.org/markup-compatibility/2006" xmlns:mv="urn:schemas-microsoft-com:mac:vml" xmlns:p="http://schemas.openxmlformats.org/presentationml/2006/main" xmlns:c="http://schemas.openxmlformats.org/drawingml/2006/chart" xmlns:dgm="http://schemas.openxmlformats.org/drawingml/2006/diagram" xmlns:o="urn:schemas-microsoft-com:office:office" xmlns:v="urn:schemas-microsoft-com:vml" xmlns:pvml="urn:schemas-microsoft-com:office:powerpoint" xmlns:com="http://schemas.openxmlformats.org/drawingml/2006/compatibility" xmlns:p14="http://schemas.microsoft.com/office/powerpoint/2010/main" xmlns:p15="http://schemas.microsoft.com/office/powerpoint/2012/main" xmlns:ahyp="http://schemas.microsoft.com/office/drawing/2018/hyperlinkcolor" autoCompressPictures="0" strictFirstAndLastChars="0" saveSubsetFonts="1">
+<p:presentation xmlns:a="http://schemas.openxmlformats.org/drawingml/2006/main" xmlns:r="http://schemas.openxmlformats.org/officeDocument/2006/relationships" xmlns:p="http://schemas.openxmlformats.org/presentationml/2006/main" strictFirstAndLastChars="0" saveSubsetFonts="1" autoCompressPictures="0">
   <p:sldMasterIdLst>
-    <p:sldMasterId id="2147483659" r:id="rId4"/>
+    <p:sldMasterId id="2147483659" r:id="rId1"/>
   </p:sldMasterIdLst>
   <p:notesMasterIdLst>
-    <p:notesMasterId r:id="rId5"/>
+    <p:notesMasterId r:id="rId25"/>
   </p:notesMasterIdLst>
   <p:sldIdLst>
-    <p:sldId id="256" r:id="rId6"/>
-    <p:sldId id="257" r:id="rId7"/>
-    <p:sldId id="258" r:id="rId8"/>
-    <p:sldId id="259" r:id="rId9"/>
-    <p:sldId id="260" r:id="rId10"/>
-    <p:sldId id="261" r:id="rId11"/>
-    <p:sldId id="262" r:id="rId12"/>
-    <p:sldId id="263" r:id="rId13"/>
-    <p:sldId id="264" r:id="rId14"/>
-    <p:sldId id="265" r:id="rId15"/>
-    <p:sldId id="266" r:id="rId16"/>
-    <p:sldId id="267" r:id="rId17"/>
-    <p:sldId id="268" r:id="rId18"/>
-    <p:sldId id="269" r:id="rId19"/>
-    <p:sldId id="270" r:id="rId20"/>
-    <p:sldId id="271" r:id="rId21"/>
-    <p:sldId id="272" r:id="rId22"/>
-    <p:sldId id="273" r:id="rId23"/>
-    <p:sldId id="274" r:id="rId24"/>
-    <p:sldId id="275" r:id="rId25"/>
-    <p:sldId id="276" r:id="rId26"/>
-    <p:sldId id="277" r:id="rId27"/>
-    <p:sldId id="278" r:id="rId28"/>
+    <p:sldId id="256" r:id="rId2"/>
+    <p:sldId id="257" r:id="rId3"/>
+    <p:sldId id="258" r:id="rId4"/>
+    <p:sldId id="259" r:id="rId5"/>
+    <p:sldId id="260" r:id="rId6"/>
+    <p:sldId id="261" r:id="rId7"/>
+    <p:sldId id="262" r:id="rId8"/>
+    <p:sldId id="263" r:id="rId9"/>
+    <p:sldId id="264" r:id="rId10"/>
+    <p:sldId id="265" r:id="rId11"/>
+    <p:sldId id="266" r:id="rId12"/>
+    <p:sldId id="267" r:id="rId13"/>
+    <p:sldId id="268" r:id="rId14"/>
+    <p:sldId id="269" r:id="rId15"/>
+    <p:sldId id="270" r:id="rId16"/>
+    <p:sldId id="271" r:id="rId17"/>
+    <p:sldId id="272" r:id="rId18"/>
+    <p:sldId id="273" r:id="rId19"/>
+    <p:sldId id="274" r:id="rId20"/>
+    <p:sldId id="275" r:id="rId21"/>
+    <p:sldId id="276" r:id="rId22"/>
+    <p:sldId id="277" r:id="rId23"/>
+    <p:sldId id="278" r:id="rId24"/>
   </p:sldIdLst>
-  <p:sldSz cy="5143500" cx="9144000"/>
+  <p:sldSz cx="9144000" cy="5143500" type="screen16x9"/>
   <p:notesSz cx="6858000" cy="9144000"/>
   <p:defaultTextStyle>
-    <a:defPPr lvl="0" marR="0" rtl="0" algn="l">
+    <a:defPPr marR="0" lvl="0" algn="l" rtl="0">
       <a:lnSpc>
         <a:spcPct val="100000"/>
       </a:lnSpc>
@@ -46,7 +46,7 @@
         <a:spcPts val="0"/>
       </a:spcAft>
     </a:defPPr>
-    <a:lvl1pPr lvl="0" marR="0" rtl="0" algn="l">
+    <a:lvl1pPr marR="0" lvl="0" algn="l" rtl="0">
       <a:lnSpc>
         <a:spcPct val="100000"/>
       </a:lnSpc>
@@ -60,7 +60,7 @@
         <a:srgbClr val="000000"/>
       </a:buClr>
       <a:buFont typeface="Arial"/>
-      <a:defRPr b="0" i="0" sz="1400" u="none" cap="none" strike="noStrike">
+      <a:defRPr sz="1400" b="0" i="0" u="none" strike="noStrike" cap="none">
         <a:solidFill>
           <a:srgbClr val="000000"/>
         </a:solidFill>
@@ -70,7 +70,7 @@
         <a:sym typeface="Arial"/>
       </a:defRPr>
     </a:lvl1pPr>
-    <a:lvl2pPr lvl="1" marR="0" rtl="0" algn="l">
+    <a:lvl2pPr marR="0" lvl="1" algn="l" rtl="0">
       <a:lnSpc>
         <a:spcPct val="100000"/>
       </a:lnSpc>
@@ -84,7 +84,7 @@
         <a:srgbClr val="000000"/>
       </a:buClr>
       <a:buFont typeface="Arial"/>
-      <a:defRPr b="0" i="0" sz="1400" u="none" cap="none" strike="noStrike">
+      <a:defRPr sz="1400" b="0" i="0" u="none" strike="noStrike" cap="none">
         <a:solidFill>
           <a:srgbClr val="000000"/>
         </a:solidFill>
@@ -94,7 +94,7 @@
         <a:sym typeface="Arial"/>
       </a:defRPr>
     </a:lvl2pPr>
-    <a:lvl3pPr lvl="2" marR="0" rtl="0" algn="l">
+    <a:lvl3pPr marR="0" lvl="2" algn="l" rtl="0">
       <a:lnSpc>
         <a:spcPct val="100000"/>
       </a:lnSpc>
@@ -108,7 +108,7 @@
         <a:srgbClr val="000000"/>
       </a:buClr>
       <a:buFont typeface="Arial"/>
-      <a:defRPr b="0" i="0" sz="1400" u="none" cap="none" strike="noStrike">
+      <a:defRPr sz="1400" b="0" i="0" u="none" strike="noStrike" cap="none">
         <a:solidFill>
           <a:srgbClr val="000000"/>
         </a:solidFill>
@@ -118,7 +118,7 @@
         <a:sym typeface="Arial"/>
       </a:defRPr>
     </a:lvl3pPr>
-    <a:lvl4pPr lvl="3" marR="0" rtl="0" algn="l">
+    <a:lvl4pPr marR="0" lvl="3" algn="l" rtl="0">
       <a:lnSpc>
         <a:spcPct val="100000"/>
       </a:lnSpc>
@@ -132,7 +132,7 @@
         <a:srgbClr val="000000"/>
       </a:buClr>
       <a:buFont typeface="Arial"/>
-      <a:defRPr b="0" i="0" sz="1400" u="none" cap="none" strike="noStrike">
+      <a:defRPr sz="1400" b="0" i="0" u="none" strike="noStrike" cap="none">
         <a:solidFill>
           <a:srgbClr val="000000"/>
         </a:solidFill>
@@ -142,7 +142,7 @@
         <a:sym typeface="Arial"/>
       </a:defRPr>
     </a:lvl4pPr>
-    <a:lvl5pPr lvl="4" marR="0" rtl="0" algn="l">
+    <a:lvl5pPr marR="0" lvl="4" algn="l" rtl="0">
       <a:lnSpc>
         <a:spcPct val="100000"/>
       </a:lnSpc>
@@ -156,7 +156,7 @@
         <a:srgbClr val="000000"/>
       </a:buClr>
       <a:buFont typeface="Arial"/>
-      <a:defRPr b="0" i="0" sz="1400" u="none" cap="none" strike="noStrike">
+      <a:defRPr sz="1400" b="0" i="0" u="none" strike="noStrike" cap="none">
         <a:solidFill>
           <a:srgbClr val="000000"/>
         </a:solidFill>
@@ -166,7 +166,7 @@
         <a:sym typeface="Arial"/>
       </a:defRPr>
     </a:lvl5pPr>
-    <a:lvl6pPr lvl="5" marR="0" rtl="0" algn="l">
+    <a:lvl6pPr marR="0" lvl="5" algn="l" rtl="0">
       <a:lnSpc>
         <a:spcPct val="100000"/>
       </a:lnSpc>
@@ -180,7 +180,7 @@
         <a:srgbClr val="000000"/>
       </a:buClr>
       <a:buFont typeface="Arial"/>
-      <a:defRPr b="0" i="0" sz="1400" u="none" cap="none" strike="noStrike">
+      <a:defRPr sz="1400" b="0" i="0" u="none" strike="noStrike" cap="none">
         <a:solidFill>
           <a:srgbClr val="000000"/>
         </a:solidFill>
@@ -190,7 +190,7 @@
         <a:sym typeface="Arial"/>
       </a:defRPr>
     </a:lvl6pPr>
-    <a:lvl7pPr lvl="6" marR="0" rtl="0" algn="l">
+    <a:lvl7pPr marR="0" lvl="6" algn="l" rtl="0">
       <a:lnSpc>
         <a:spcPct val="100000"/>
       </a:lnSpc>
@@ -204,7 +204,7 @@
         <a:srgbClr val="000000"/>
       </a:buClr>
       <a:buFont typeface="Arial"/>
-      <a:defRPr b="0" i="0" sz="1400" u="none" cap="none" strike="noStrike">
+      <a:defRPr sz="1400" b="0" i="0" u="none" strike="noStrike" cap="none">
         <a:solidFill>
           <a:srgbClr val="000000"/>
         </a:solidFill>
@@ -214,7 +214,7 @@
         <a:sym typeface="Arial"/>
       </a:defRPr>
     </a:lvl7pPr>
-    <a:lvl8pPr lvl="7" marR="0" rtl="0" algn="l">
+    <a:lvl8pPr marR="0" lvl="7" algn="l" rtl="0">
       <a:lnSpc>
         <a:spcPct val="100000"/>
       </a:lnSpc>
@@ -228,7 +228,7 @@
         <a:srgbClr val="000000"/>
       </a:buClr>
       <a:buFont typeface="Arial"/>
-      <a:defRPr b="0" i="0" sz="1400" u="none" cap="none" strike="noStrike">
+      <a:defRPr sz="1400" b="0" i="0" u="none" strike="noStrike" cap="none">
         <a:solidFill>
           <a:srgbClr val="000000"/>
         </a:solidFill>
@@ -238,7 +238,7 @@
         <a:sym typeface="Arial"/>
       </a:defRPr>
     </a:lvl8pPr>
-    <a:lvl9pPr lvl="8" marR="0" rtl="0" algn="l">
+    <a:lvl9pPr marR="0" lvl="8" algn="l" rtl="0">
       <a:lnSpc>
         <a:spcPct val="100000"/>
       </a:lnSpc>
@@ -252,7 +252,7 @@
         <a:srgbClr val="000000"/>
       </a:buClr>
       <a:buFont typeface="Arial"/>
-      <a:defRPr b="0" i="0" sz="1400" u="none" cap="none" strike="noStrike">
+      <a:defRPr sz="1400" b="0" i="0" u="none" strike="noStrike" cap="none">
         <a:solidFill>
           <a:srgbClr val="000000"/>
         </a:solidFill>
@@ -265,7 +265,7 @@
   </p:defaultTextStyle>
   <p:extLst>
     <p:ext uri="{EFAFB233-063F-42B5-8137-9DF3F51BA10A}">
-      <p15:sldGuideLst>
+      <p15:sldGuideLst xmlns:p15="http://schemas.microsoft.com/office/powerpoint/2012/main">
         <p15:guide id="1" orient="horz" pos="1620">
           <p15:clr>
             <a:srgbClr val="A4A3A4"/>
@@ -282,12 +282,46 @@
 </p:presentation>
 </file>
 
+<file path=ppt/changesInfos/changesInfo1.xml><?xml version="1.0" encoding="utf-8"?>
+<pc:chgInfo xmlns:a="http://schemas.openxmlformats.org/drawingml/2006/main" xmlns:r="http://schemas.openxmlformats.org/officeDocument/2006/relationships" xmlns:ac="http://schemas.microsoft.com/office/drawing/2013/main/command" xmlns:pc="http://schemas.microsoft.com/office/powerpoint/2013/main/command">
+  <pc:docChgLst>
+    <pc:chgData name="Hari Shanker Gupta" userId="470fbbaf7ba852b5" providerId="LiveId" clId="{A1CF0DE0-22B0-4898-A119-B6979548E657}"/>
+    <pc:docChg chg="modSld">
+      <pc:chgData name="Hari Shanker Gupta" userId="470fbbaf7ba852b5" providerId="LiveId" clId="{A1CF0DE0-22B0-4898-A119-B6979548E657}" dt="2024-03-01T14:17:58.768" v="1" actId="20577"/>
+      <pc:docMkLst>
+        <pc:docMk/>
+      </pc:docMkLst>
+      <pc:sldChg chg="modSp mod">
+        <pc:chgData name="Hari Shanker Gupta" userId="470fbbaf7ba852b5" providerId="LiveId" clId="{A1CF0DE0-22B0-4898-A119-B6979548E657}" dt="2024-03-01T14:17:58.768" v="1" actId="20577"/>
+        <pc:sldMkLst>
+          <pc:docMk/>
+          <pc:sldMk cId="0" sldId="256"/>
+        </pc:sldMkLst>
+        <pc:spChg chg="mod">
+          <ac:chgData name="Hari Shanker Gupta" userId="470fbbaf7ba852b5" providerId="LiveId" clId="{A1CF0DE0-22B0-4898-A119-B6979548E657}" dt="2024-03-01T14:17:58.768" v="1" actId="20577"/>
+          <ac:spMkLst>
+            <pc:docMk/>
+            <pc:sldMk cId="0" sldId="256"/>
+            <ac:spMk id="55" creationId="{00000000-0000-0000-0000-000000000000}"/>
+          </ac:spMkLst>
+        </pc:spChg>
+      </pc:sldChg>
+    </pc:docChg>
+  </pc:docChgLst>
+</pc:chgInfo>
+</file>
+
 <file path=ppt/notesMasters/notesMaster1.xml><?xml version="1.0" encoding="utf-8"?>
-<p:notesMaster xmlns:a="http://schemas.openxmlformats.org/drawingml/2006/main" xmlns:r="http://schemas.openxmlformats.org/officeDocument/2006/relationships" xmlns:mc="http://schemas.openxmlformats.org/markup-compatibility/2006" xmlns:mv="urn:schemas-microsoft-com:mac:vml" xmlns:p="http://schemas.openxmlformats.org/presentationml/2006/main" xmlns:c="http://schemas.openxmlformats.org/drawingml/2006/chart" xmlns:dgm="http://schemas.openxmlformats.org/drawingml/2006/diagram" xmlns:o="urn:schemas-microsoft-com:office:office" xmlns:v="urn:schemas-microsoft-com:vml" xmlns:pvml="urn:schemas-microsoft-com:office:powerpoint" xmlns:com="http://schemas.openxmlformats.org/drawingml/2006/compatibility" xmlns:p14="http://schemas.microsoft.com/office/powerpoint/2010/main" xmlns:p15="http://schemas.microsoft.com/office/powerpoint/2012/main" xmlns:ahyp="http://schemas.microsoft.com/office/drawing/2018/hyperlinkcolor">
+<p:notesMaster xmlns:a="http://schemas.openxmlformats.org/drawingml/2006/main" xmlns:r="http://schemas.openxmlformats.org/officeDocument/2006/relationships" xmlns:p="http://schemas.openxmlformats.org/presentationml/2006/main">
   <p:cSld>
+    <p:bg>
+      <p:bgRef idx="1001">
+        <a:schemeClr val="bg1"/>
+      </p:bgRef>
+    </p:bg>
     <p:spTree>
       <p:nvGrpSpPr>
-        <p:cNvPr id="2" name="Shape 2"/>
+        <p:cNvPr id="1" name="Shape 2"/>
         <p:cNvGrpSpPr/>
         <p:nvPr/>
       </p:nvGrpSpPr>
@@ -302,9 +336,11 @@
       <p:sp>
         <p:nvSpPr>
           <p:cNvPr id="3" name="Google Shape;3;n"/>
-          <p:cNvSpPr/>
-          <p:nvPr>
-            <p:ph idx="2" type="sldImg"/>
+          <p:cNvSpPr>
+            <a:spLocks noGrp="1" noRot="1" noChangeAspect="1"/>
+          </p:cNvSpPr>
+          <p:nvPr>
+            <p:ph type="sldImg" idx="2"/>
           </p:nvPr>
         </p:nvSpPr>
         <p:spPr>
@@ -313,9 +349,13 @@
             <a:ext cx="6096075" cy="3429000"/>
           </a:xfrm>
           <a:custGeom>
-            <a:rect b="b" l="l" r="r" t="t"/>
+            <a:avLst/>
+            <a:gdLst/>
+            <a:ahLst/>
+            <a:cxnLst/>
+            <a:rect l="l" t="t" r="r" b="b"/>
             <a:pathLst>
-              <a:path extrusionOk="0" h="120000" w="120000">
+              <a:path w="120000" h="120000" extrusionOk="0">
                 <a:moveTo>
                   <a:pt x="0" y="0"/>
                 </a:moveTo>
@@ -333,23 +373,25 @@
             </a:pathLst>
           </a:custGeom>
           <a:noFill/>
-          <a:ln cap="flat" cmpd="sng" w="9525">
+          <a:ln w="9525" cap="flat" cmpd="sng">
             <a:solidFill>
               <a:srgbClr val="000000"/>
             </a:solidFill>
             <a:prstDash val="solid"/>
             <a:round/>
-            <a:headEnd len="sm" w="sm" type="none"/>
-            <a:tailEnd len="sm" w="sm" type="none"/>
+            <a:headEnd type="none" w="sm" len="sm"/>
+            <a:tailEnd type="none" w="sm" len="sm"/>
           </a:ln>
         </p:spPr>
       </p:sp>
       <p:sp>
         <p:nvSpPr>
           <p:cNvPr id="4" name="Google Shape;4;n"/>
-          <p:cNvSpPr txBox="1"/>
-          <p:nvPr>
-            <p:ph idx="1" type="body"/>
+          <p:cNvSpPr txBox="1">
+            <a:spLocks noGrp="1"/>
+          </p:cNvSpPr>
+          <p:nvPr>
+            <p:ph type="body" idx="1"/>
           </p:nvPr>
         </p:nvSpPr>
         <p:spPr>
@@ -366,11 +408,11 @@
           </a:ln>
         </p:spPr>
         <p:txBody>
-          <a:bodyPr anchorCtr="0" anchor="t" bIns="91425" lIns="91425" spcFirstLastPara="1" rIns="91425" wrap="square" tIns="91425">
+          <a:bodyPr spcFirstLastPara="1" wrap="square" lIns="91425" tIns="91425" rIns="91425" bIns="91425" anchor="t" anchorCtr="0">
             <a:noAutofit/>
           </a:bodyPr>
           <a:lstStyle>
-            <a:lvl1pPr indent="-298450" lvl="0" marL="457200">
+            <a:lvl1pPr marL="457200" lvl="0" indent="-298450">
               <a:spcBef>
                 <a:spcPts val="0"/>
               </a:spcBef>
@@ -381,7 +423,7 @@
               <a:buChar char="●"/>
               <a:defRPr sz="1100"/>
             </a:lvl1pPr>
-            <a:lvl2pPr indent="-298450" lvl="1" marL="914400">
+            <a:lvl2pPr marL="914400" lvl="1" indent="-298450">
               <a:spcBef>
                 <a:spcPts val="0"/>
               </a:spcBef>
@@ -392,7 +434,7 @@
               <a:buChar char="○"/>
               <a:defRPr sz="1100"/>
             </a:lvl2pPr>
-            <a:lvl3pPr indent="-298450" lvl="2" marL="1371600">
+            <a:lvl3pPr marL="1371600" lvl="2" indent="-298450">
               <a:spcBef>
                 <a:spcPts val="0"/>
               </a:spcBef>
@@ -403,7 +445,7 @@
               <a:buChar char="■"/>
               <a:defRPr sz="1100"/>
             </a:lvl3pPr>
-            <a:lvl4pPr indent="-298450" lvl="3" marL="1828800">
+            <a:lvl4pPr marL="1828800" lvl="3" indent="-298450">
               <a:spcBef>
                 <a:spcPts val="0"/>
               </a:spcBef>
@@ -414,7 +456,7 @@
               <a:buChar char="●"/>
               <a:defRPr sz="1100"/>
             </a:lvl4pPr>
-            <a:lvl5pPr indent="-298450" lvl="4" marL="2286000">
+            <a:lvl5pPr marL="2286000" lvl="4" indent="-298450">
               <a:spcBef>
                 <a:spcPts val="0"/>
               </a:spcBef>
@@ -425,7 +467,7 @@
               <a:buChar char="○"/>
               <a:defRPr sz="1100"/>
             </a:lvl5pPr>
-            <a:lvl6pPr indent="-298450" lvl="5" marL="2743200">
+            <a:lvl6pPr marL="2743200" lvl="5" indent="-298450">
               <a:spcBef>
                 <a:spcPts val="0"/>
               </a:spcBef>
@@ -436,7 +478,7 @@
               <a:buChar char="■"/>
               <a:defRPr sz="1100"/>
             </a:lvl6pPr>
-            <a:lvl7pPr indent="-298450" lvl="6" marL="3200400">
+            <a:lvl7pPr marL="3200400" lvl="6" indent="-298450">
               <a:spcBef>
                 <a:spcPts val="0"/>
               </a:spcBef>
@@ -447,7 +489,7 @@
               <a:buChar char="●"/>
               <a:defRPr sz="1100"/>
             </a:lvl7pPr>
-            <a:lvl8pPr indent="-298450" lvl="7" marL="3657600">
+            <a:lvl8pPr marL="3657600" lvl="7" indent="-298450">
               <a:spcBef>
                 <a:spcPts val="0"/>
               </a:spcBef>
@@ -458,7 +500,7 @@
               <a:buChar char="○"/>
               <a:defRPr sz="1100"/>
             </a:lvl8pPr>
-            <a:lvl9pPr indent="-298450" lvl="8" marL="4114800">
+            <a:lvl9pPr marL="4114800" lvl="8" indent="-298450">
               <a:spcBef>
                 <a:spcPts val="0"/>
               </a:spcBef>
@@ -470,14 +512,16 @@
               <a:defRPr sz="1100"/>
             </a:lvl9pPr>
           </a:lstStyle>
-          <a:p/>
+          <a:p>
+            <a:endParaRPr/>
+          </a:p>
         </p:txBody>
       </p:sp>
     </p:spTree>
   </p:cSld>
-  <p:clrMap accent1="accent1" accent2="accent2" accent3="accent3" accent4="accent4" accent5="accent5" accent6="accent6" bg1="lt1" bg2="dk2" tx1="dk1" tx2="lt2" folHlink="folHlink" hlink="hlink"/>
+  <p:clrMap bg1="lt1" tx1="dk1" bg2="dk2" tx2="lt2" accent1="accent1" accent2="accent2" accent3="accent3" accent4="accent4" accent5="accent5" accent6="accent6" hlink="hlink" folHlink="folHlink"/>
   <p:notesStyle>
-    <a:defPPr lvl="0" marR="0" rtl="0" algn="l">
+    <a:defPPr marR="0" lvl="0" algn="l" rtl="0">
       <a:lnSpc>
         <a:spcPct val="100000"/>
       </a:lnSpc>
@@ -488,7 +532,7 @@
         <a:spcPts val="0"/>
       </a:spcAft>
     </a:defPPr>
-    <a:lvl1pPr lvl="0" marR="0" rtl="0" algn="l">
+    <a:lvl1pPr marR="0" lvl="0" algn="l" rtl="0">
       <a:lnSpc>
         <a:spcPct val="100000"/>
       </a:lnSpc>
@@ -502,7 +546,7 @@
         <a:srgbClr val="000000"/>
       </a:buClr>
       <a:buFont typeface="Arial"/>
-      <a:defRPr b="0" i="0" sz="1400" u="none" cap="none" strike="noStrike">
+      <a:defRPr sz="1400" b="0" i="0" u="none" strike="noStrike" cap="none">
         <a:solidFill>
           <a:srgbClr val="000000"/>
         </a:solidFill>
@@ -512,7 +556,7 @@
         <a:sym typeface="Arial"/>
       </a:defRPr>
     </a:lvl1pPr>
-    <a:lvl2pPr lvl="1" marR="0" rtl="0" algn="l">
+    <a:lvl2pPr marR="0" lvl="1" algn="l" rtl="0">
       <a:lnSpc>
         <a:spcPct val="100000"/>
       </a:lnSpc>
@@ -526,7 +570,7 @@
         <a:srgbClr val="000000"/>
       </a:buClr>
       <a:buFont typeface="Arial"/>
-      <a:defRPr b="0" i="0" sz="1400" u="none" cap="none" strike="noStrike">
+      <a:defRPr sz="1400" b="0" i="0" u="none" strike="noStrike" cap="none">
         <a:solidFill>
           <a:srgbClr val="000000"/>
         </a:solidFill>
@@ -536,7 +580,7 @@
         <a:sym typeface="Arial"/>
       </a:defRPr>
     </a:lvl2pPr>
-    <a:lvl3pPr lvl="2" marR="0" rtl="0" algn="l">
+    <a:lvl3pPr marR="0" lvl="2" algn="l" rtl="0">
       <a:lnSpc>
         <a:spcPct val="100000"/>
       </a:lnSpc>
@@ -550,7 +594,7 @@
         <a:srgbClr val="000000"/>
       </a:buClr>
       <a:buFont typeface="Arial"/>
-      <a:defRPr b="0" i="0" sz="1400" u="none" cap="none" strike="noStrike">
+      <a:defRPr sz="1400" b="0" i="0" u="none" strike="noStrike" cap="none">
         <a:solidFill>
           <a:srgbClr val="000000"/>
         </a:solidFill>
@@ -560,7 +604,7 @@
         <a:sym typeface="Arial"/>
       </a:defRPr>
     </a:lvl3pPr>
-    <a:lvl4pPr lvl="3" marR="0" rtl="0" algn="l">
+    <a:lvl4pPr marR="0" lvl="3" algn="l" rtl="0">
       <a:lnSpc>
         <a:spcPct val="100000"/>
       </a:lnSpc>
@@ -574,7 +618,7 @@
         <a:srgbClr val="000000"/>
       </a:buClr>
       <a:buFont typeface="Arial"/>
-      <a:defRPr b="0" i="0" sz="1400" u="none" cap="none" strike="noStrike">
+      <a:defRPr sz="1400" b="0" i="0" u="none" strike="noStrike" cap="none">
         <a:solidFill>
           <a:srgbClr val="000000"/>
         </a:solidFill>
@@ -584,7 +628,7 @@
         <a:sym typeface="Arial"/>
       </a:defRPr>
     </a:lvl4pPr>
-    <a:lvl5pPr lvl="4" marR="0" rtl="0" algn="l">
+    <a:lvl5pPr marR="0" lvl="4" algn="l" rtl="0">
       <a:lnSpc>
         <a:spcPct val="100000"/>
       </a:lnSpc>
@@ -598,7 +642,7 @@
         <a:srgbClr val="000000"/>
       </a:buClr>
       <a:buFont typeface="Arial"/>
-      <a:defRPr b="0" i="0" sz="1400" u="none" cap="none" strike="noStrike">
+      <a:defRPr sz="1400" b="0" i="0" u="none" strike="noStrike" cap="none">
         <a:solidFill>
           <a:srgbClr val="000000"/>
         </a:solidFill>
@@ -608,7 +652,7 @@
         <a:sym typeface="Arial"/>
       </a:defRPr>
     </a:lvl5pPr>
-    <a:lvl6pPr lvl="5" marR="0" rtl="0" algn="l">
+    <a:lvl6pPr marR="0" lvl="5" algn="l" rtl="0">
       <a:lnSpc>
         <a:spcPct val="100000"/>
       </a:lnSpc>
@@ -622,7 +666,7 @@
         <a:srgbClr val="000000"/>
       </a:buClr>
       <a:buFont typeface="Arial"/>
-      <a:defRPr b="0" i="0" sz="1400" u="none" cap="none" strike="noStrike">
+      <a:defRPr sz="1400" b="0" i="0" u="none" strike="noStrike" cap="none">
         <a:solidFill>
           <a:srgbClr val="000000"/>
         </a:solidFill>
@@ -632,7 +676,7 @@
         <a:sym typeface="Arial"/>
       </a:defRPr>
     </a:lvl6pPr>
-    <a:lvl7pPr lvl="6" marR="0" rtl="0" algn="l">
+    <a:lvl7pPr marR="0" lvl="6" algn="l" rtl="0">
       <a:lnSpc>
         <a:spcPct val="100000"/>
       </a:lnSpc>
@@ -646,7 +690,7 @@
         <a:srgbClr val="000000"/>
       </a:buClr>
       <a:buFont typeface="Arial"/>
-      <a:defRPr b="0" i="0" sz="1400" u="none" cap="none" strike="noStrike">
+      <a:defRPr sz="1400" b="0" i="0" u="none" strike="noStrike" cap="none">
         <a:solidFill>
           <a:srgbClr val="000000"/>
         </a:solidFill>
@@ -656,7 +700,7 @@
         <a:sym typeface="Arial"/>
       </a:defRPr>
     </a:lvl7pPr>
-    <a:lvl8pPr lvl="7" marR="0" rtl="0" algn="l">
+    <a:lvl8pPr marR="0" lvl="7" algn="l" rtl="0">
       <a:lnSpc>
         <a:spcPct val="100000"/>
       </a:lnSpc>
@@ -670,7 +714,7 @@
         <a:srgbClr val="000000"/>
       </a:buClr>
       <a:buFont typeface="Arial"/>
-      <a:defRPr b="0" i="0" sz="1400" u="none" cap="none" strike="noStrike">
+      <a:defRPr sz="1400" b="0" i="0" u="none" strike="noStrike" cap="none">
         <a:solidFill>
           <a:srgbClr val="000000"/>
         </a:solidFill>
@@ -680,7 +724,7 @@
         <a:sym typeface="Arial"/>
       </a:defRPr>
     </a:lvl8pPr>
-    <a:lvl9pPr lvl="8" marR="0" rtl="0" algn="l">
+    <a:lvl9pPr marR="0" lvl="8" algn="l" rtl="0">
       <a:lnSpc>
         <a:spcPct val="100000"/>
       </a:lnSpc>
@@ -694,7 +738,7 @@
         <a:srgbClr val="000000"/>
       </a:buClr>
       <a:buFont typeface="Arial"/>
-      <a:defRPr b="0" i="0" sz="1400" u="none" cap="none" strike="noStrike">
+      <a:defRPr sz="1400" b="0" i="0" u="none" strike="noStrike" cap="none">
         <a:solidFill>
           <a:srgbClr val="000000"/>
         </a:solidFill>
@@ -709,11 +753,11 @@
 </file>
 
 <file path=ppt/notesSlides/notesSlide1.xml><?xml version="1.0" encoding="utf-8"?>
-<p:notes xmlns:a="http://schemas.openxmlformats.org/drawingml/2006/main" xmlns:r="http://schemas.openxmlformats.org/officeDocument/2006/relationships" xmlns:mc="http://schemas.openxmlformats.org/markup-compatibility/2006" xmlns:mv="urn:schemas-microsoft-com:mac:vml" xmlns:p="http://schemas.openxmlformats.org/presentationml/2006/main" xmlns:c="http://schemas.openxmlformats.org/drawingml/2006/chart" xmlns:dgm="http://schemas.openxmlformats.org/drawingml/2006/diagram" xmlns:o="urn:schemas-microsoft-com:office:office" xmlns:v="urn:schemas-microsoft-com:vml" xmlns:pvml="urn:schemas-microsoft-com:office:powerpoint" xmlns:com="http://schemas.openxmlformats.org/drawingml/2006/compatibility" xmlns:p14="http://schemas.microsoft.com/office/powerpoint/2010/main" xmlns:p15="http://schemas.microsoft.com/office/powerpoint/2012/main" xmlns:ahyp="http://schemas.microsoft.com/office/drawing/2018/hyperlinkcolor" showMasterPhAnim="0" showMasterSp="0">
+<p:notes xmlns:a="http://schemas.openxmlformats.org/drawingml/2006/main" xmlns:r="http://schemas.openxmlformats.org/officeDocument/2006/relationships" xmlns:p="http://schemas.openxmlformats.org/presentationml/2006/main" showMasterSp="0" showMasterPhAnim="0">
   <p:cSld>
     <p:spTree>
       <p:nvGrpSpPr>
-        <p:cNvPr id="50" name="Shape 50"/>
+        <p:cNvPr id="1" name="Shape 50"/>
         <p:cNvGrpSpPr/>
         <p:nvPr/>
       </p:nvGrpSpPr>
@@ -728,20 +772,26 @@
       <p:sp>
         <p:nvSpPr>
           <p:cNvPr id="51" name="Google Shape;51;p:notes"/>
-          <p:cNvSpPr/>
-          <p:nvPr>
-            <p:ph idx="2" type="sldImg"/>
-          </p:nvPr>
-        </p:nvSpPr>
-        <p:spPr>
-          <a:xfrm>
-            <a:off x="381300" y="685800"/>
-            <a:ext cx="6096075" cy="3429000"/>
+          <p:cNvSpPr>
+            <a:spLocks noGrp="1" noRot="1" noChangeAspect="1"/>
+          </p:cNvSpPr>
+          <p:nvPr>
+            <p:ph type="sldImg" idx="2"/>
+          </p:nvPr>
+        </p:nvSpPr>
+        <p:spPr>
+          <a:xfrm>
+            <a:off x="381000" y="685800"/>
+            <a:ext cx="6096000" cy="3429000"/>
           </a:xfrm>
           <a:custGeom>
-            <a:rect b="b" l="l" r="r" t="t"/>
+            <a:avLst/>
+            <a:gdLst/>
+            <a:ahLst/>
+            <a:cxnLst/>
+            <a:rect l="l" t="t" r="r" b="b"/>
             <a:pathLst>
-              <a:path extrusionOk="0" h="120000" w="120000">
+              <a:path w="120000" h="120000" extrusionOk="0">
                 <a:moveTo>
                   <a:pt x="0" y="0"/>
                 </a:moveTo>
@@ -763,9 +813,11 @@
       <p:sp>
         <p:nvSpPr>
           <p:cNvPr id="52" name="Google Shape;52;p:notes"/>
-          <p:cNvSpPr txBox="1"/>
-          <p:nvPr>
-            <p:ph idx="1" type="body"/>
+          <p:cNvSpPr txBox="1">
+            <a:spLocks noGrp="1"/>
+          </p:cNvSpPr>
+          <p:nvPr>
+            <p:ph type="body" idx="1"/>
           </p:nvPr>
         </p:nvSpPr>
         <p:spPr>
@@ -778,23 +830,20 @@
           </a:prstGeom>
         </p:spPr>
         <p:txBody>
-          <a:bodyPr anchorCtr="0" anchor="t" bIns="91425" lIns="91425" spcFirstLastPara="1" rIns="91425" wrap="square" tIns="91425">
+          <a:bodyPr spcFirstLastPara="1" wrap="square" lIns="91425" tIns="91425" rIns="91425" bIns="91425" anchor="t" anchorCtr="0">
             <a:noAutofit/>
           </a:bodyPr>
           <a:lstStyle/>
           <a:p>
-            <a:pPr indent="0" lvl="0" marL="0" rtl="0" algn="l">
-              <a:spcBef>
-                <a:spcPts val="0"/>
-              </a:spcBef>
-              <a:spcAft>
-                <a:spcPts val="0"/>
-              </a:spcAft>
-              <a:buNone/>
-            </a:pPr>
-            <a:r>
-              <a:t/>
-            </a:r>
+            <a:pPr marL="0" lvl="0" indent="0" algn="l" rtl="0">
+              <a:spcBef>
+                <a:spcPts val="0"/>
+              </a:spcBef>
+              <a:spcAft>
+                <a:spcPts val="0"/>
+              </a:spcAft>
+              <a:buNone/>
+            </a:pPr>
             <a:endParaRPr/>
           </a:p>
         </p:txBody>
@@ -808,11 +857,11 @@
 </file>
 
 <file path=ppt/notesSlides/notesSlide10.xml><?xml version="1.0" encoding="utf-8"?>
-<p:notes xmlns:a="http://schemas.openxmlformats.org/drawingml/2006/main" xmlns:r="http://schemas.openxmlformats.org/officeDocument/2006/relationships" xmlns:mc="http://schemas.openxmlformats.org/markup-compatibility/2006" xmlns:mv="urn:schemas-microsoft-com:mac:vml" xmlns:p="http://schemas.openxmlformats.org/presentationml/2006/main" xmlns:c="http://schemas.openxmlformats.org/drawingml/2006/chart" xmlns:dgm="http://schemas.openxmlformats.org/drawingml/2006/diagram" xmlns:o="urn:schemas-microsoft-com:office:office" xmlns:v="urn:schemas-microsoft-com:vml" xmlns:pvml="urn:schemas-microsoft-com:office:powerpoint" xmlns:com="http://schemas.openxmlformats.org/drawingml/2006/compatibility" xmlns:p14="http://schemas.microsoft.com/office/powerpoint/2010/main" xmlns:p15="http://schemas.microsoft.com/office/powerpoint/2012/main" xmlns:ahyp="http://schemas.microsoft.com/office/drawing/2018/hyperlinkcolor" showMasterPhAnim="0" showMasterSp="0">
+<p:notes xmlns:a="http://schemas.openxmlformats.org/drawingml/2006/main" xmlns:r="http://schemas.openxmlformats.org/officeDocument/2006/relationships" xmlns:p="http://schemas.openxmlformats.org/presentationml/2006/main" showMasterSp="0" showMasterPhAnim="0">
   <p:cSld>
     <p:spTree>
       <p:nvGrpSpPr>
-        <p:cNvPr id="107" name="Shape 107"/>
+        <p:cNvPr id="1" name="Shape 107"/>
         <p:cNvGrpSpPr/>
         <p:nvPr/>
       </p:nvGrpSpPr>
@@ -827,9 +876,11 @@
       <p:sp>
         <p:nvSpPr>
           <p:cNvPr id="108" name="Google Shape;108;g894421b6d4_0_36:notes"/>
-          <p:cNvSpPr/>
-          <p:nvPr>
-            <p:ph idx="2" type="sldImg"/>
+          <p:cNvSpPr>
+            <a:spLocks noGrp="1" noRot="1" noChangeAspect="1"/>
+          </p:cNvSpPr>
+          <p:nvPr>
+            <p:ph type="sldImg" idx="2"/>
           </p:nvPr>
         </p:nvSpPr>
         <p:spPr>
@@ -838,9 +889,13 @@
             <a:ext cx="6096000" cy="3429000"/>
           </a:xfrm>
           <a:custGeom>
-            <a:rect b="b" l="l" r="r" t="t"/>
+            <a:avLst/>
+            <a:gdLst/>
+            <a:ahLst/>
+            <a:cxnLst/>
+            <a:rect l="l" t="t" r="r" b="b"/>
             <a:pathLst>
-              <a:path extrusionOk="0" h="120000" w="120000">
+              <a:path w="120000" h="120000" extrusionOk="0">
                 <a:moveTo>
                   <a:pt x="0" y="0"/>
                 </a:moveTo>
@@ -862,9 +917,11 @@
       <p:sp>
         <p:nvSpPr>
           <p:cNvPr id="109" name="Google Shape;109;g894421b6d4_0_36:notes"/>
-          <p:cNvSpPr txBox="1"/>
-          <p:nvPr>
-            <p:ph idx="1" type="body"/>
+          <p:cNvSpPr txBox="1">
+            <a:spLocks noGrp="1"/>
+          </p:cNvSpPr>
+          <p:nvPr>
+            <p:ph type="body" idx="1"/>
           </p:nvPr>
         </p:nvSpPr>
         <p:spPr>
@@ -877,23 +934,20 @@
           </a:prstGeom>
         </p:spPr>
         <p:txBody>
-          <a:bodyPr anchorCtr="0" anchor="t" bIns="91425" lIns="91425" spcFirstLastPara="1" rIns="91425" wrap="square" tIns="91425">
+          <a:bodyPr spcFirstLastPara="1" wrap="square" lIns="91425" tIns="91425" rIns="91425" bIns="91425" anchor="t" anchorCtr="0">
             <a:noAutofit/>
           </a:bodyPr>
           <a:lstStyle/>
           <a:p>
-            <a:pPr indent="0" lvl="0" marL="0" rtl="0" algn="l">
-              <a:spcBef>
-                <a:spcPts val="0"/>
-              </a:spcBef>
-              <a:spcAft>
-                <a:spcPts val="0"/>
-              </a:spcAft>
-              <a:buNone/>
-            </a:pPr>
-            <a:r>
-              <a:t/>
-            </a:r>
+            <a:pPr marL="0" lvl="0" indent="0" algn="l" rtl="0">
+              <a:spcBef>
+                <a:spcPts val="0"/>
+              </a:spcBef>
+              <a:spcAft>
+                <a:spcPts val="0"/>
+              </a:spcAft>
+              <a:buNone/>
+            </a:pPr>
             <a:endParaRPr/>
           </a:p>
         </p:txBody>
@@ -907,11 +961,11 @@
 </file>
 
 <file path=ppt/notesSlides/notesSlide11.xml><?xml version="1.0" encoding="utf-8"?>
-<p:notes xmlns:a="http://schemas.openxmlformats.org/drawingml/2006/main" xmlns:r="http://schemas.openxmlformats.org/officeDocument/2006/relationships" xmlns:mc="http://schemas.openxmlformats.org/markup-compatibility/2006" xmlns:mv="urn:schemas-microsoft-com:mac:vml" xmlns:p="http://schemas.openxmlformats.org/presentationml/2006/main" xmlns:c="http://schemas.openxmlformats.org/drawingml/2006/chart" xmlns:dgm="http://schemas.openxmlformats.org/drawingml/2006/diagram" xmlns:o="urn:schemas-microsoft-com:office:office" xmlns:v="urn:schemas-microsoft-com:vml" xmlns:pvml="urn:schemas-microsoft-com:office:powerpoint" xmlns:com="http://schemas.openxmlformats.org/drawingml/2006/compatibility" xmlns:p14="http://schemas.microsoft.com/office/powerpoint/2010/main" xmlns:p15="http://schemas.microsoft.com/office/powerpoint/2012/main" xmlns:ahyp="http://schemas.microsoft.com/office/drawing/2018/hyperlinkcolor" showMasterPhAnim="0" showMasterSp="0">
+<p:notes xmlns:a="http://schemas.openxmlformats.org/drawingml/2006/main" xmlns:r="http://schemas.openxmlformats.org/officeDocument/2006/relationships" xmlns:p="http://schemas.openxmlformats.org/presentationml/2006/main" showMasterSp="0" showMasterPhAnim="0">
   <p:cSld>
     <p:spTree>
       <p:nvGrpSpPr>
-        <p:cNvPr id="114" name="Shape 114"/>
+        <p:cNvPr id="1" name="Shape 114"/>
         <p:cNvGrpSpPr/>
         <p:nvPr/>
       </p:nvGrpSpPr>
@@ -926,9 +980,11 @@
       <p:sp>
         <p:nvSpPr>
           <p:cNvPr id="115" name="Google Shape;115;g894421b6d4_0_44:notes"/>
-          <p:cNvSpPr/>
-          <p:nvPr>
-            <p:ph idx="2" type="sldImg"/>
+          <p:cNvSpPr>
+            <a:spLocks noGrp="1" noRot="1" noChangeAspect="1"/>
+          </p:cNvSpPr>
+          <p:nvPr>
+            <p:ph type="sldImg" idx="2"/>
           </p:nvPr>
         </p:nvSpPr>
         <p:spPr>
@@ -937,9 +993,13 @@
             <a:ext cx="6096000" cy="3429000"/>
           </a:xfrm>
           <a:custGeom>
-            <a:rect b="b" l="l" r="r" t="t"/>
+            <a:avLst/>
+            <a:gdLst/>
+            <a:ahLst/>
+            <a:cxnLst/>
+            <a:rect l="l" t="t" r="r" b="b"/>
             <a:pathLst>
-              <a:path extrusionOk="0" h="120000" w="120000">
+              <a:path w="120000" h="120000" extrusionOk="0">
                 <a:moveTo>
                   <a:pt x="0" y="0"/>
                 </a:moveTo>
@@ -961,9 +1021,11 @@
       <p:sp>
         <p:nvSpPr>
           <p:cNvPr id="116" name="Google Shape;116;g894421b6d4_0_44:notes"/>
-          <p:cNvSpPr txBox="1"/>
-          <p:nvPr>
-            <p:ph idx="1" type="body"/>
+          <p:cNvSpPr txBox="1">
+            <a:spLocks noGrp="1"/>
+          </p:cNvSpPr>
+          <p:nvPr>
+            <p:ph type="body" idx="1"/>
           </p:nvPr>
         </p:nvSpPr>
         <p:spPr>
@@ -976,23 +1038,20 @@
           </a:prstGeom>
         </p:spPr>
         <p:txBody>
-          <a:bodyPr anchorCtr="0" anchor="t" bIns="91425" lIns="91425" spcFirstLastPara="1" rIns="91425" wrap="square" tIns="91425">
+          <a:bodyPr spcFirstLastPara="1" wrap="square" lIns="91425" tIns="91425" rIns="91425" bIns="91425" anchor="t" anchorCtr="0">
             <a:noAutofit/>
           </a:bodyPr>
           <a:lstStyle/>
           <a:p>
-            <a:pPr indent="0" lvl="0" marL="0" rtl="0" algn="l">
-              <a:spcBef>
-                <a:spcPts val="0"/>
-              </a:spcBef>
-              <a:spcAft>
-                <a:spcPts val="0"/>
-              </a:spcAft>
-              <a:buNone/>
-            </a:pPr>
-            <a:r>
-              <a:t/>
-            </a:r>
+            <a:pPr marL="0" lvl="0" indent="0" algn="l" rtl="0">
+              <a:spcBef>
+                <a:spcPts val="0"/>
+              </a:spcBef>
+              <a:spcAft>
+                <a:spcPts val="0"/>
+              </a:spcAft>
+              <a:buNone/>
+            </a:pPr>
             <a:endParaRPr/>
           </a:p>
         </p:txBody>
@@ -1006,11 +1065,11 @@
 </file>
 
 <file path=ppt/notesSlides/notesSlide12.xml><?xml version="1.0" encoding="utf-8"?>
-<p:notes xmlns:a="http://schemas.openxmlformats.org/drawingml/2006/main" xmlns:r="http://schemas.openxmlformats.org/officeDocument/2006/relationships" xmlns:mc="http://schemas.openxmlformats.org/markup-compatibility/2006" xmlns:mv="urn:schemas-microsoft-com:mac:vml" xmlns:p="http://schemas.openxmlformats.org/presentationml/2006/main" xmlns:c="http://schemas.openxmlformats.org/drawingml/2006/chart" xmlns:dgm="http://schemas.openxmlformats.org/drawingml/2006/diagram" xmlns:o="urn:schemas-microsoft-com:office:office" xmlns:v="urn:schemas-microsoft-com:vml" xmlns:pvml="urn:schemas-microsoft-com:office:powerpoint" xmlns:com="http://schemas.openxmlformats.org/drawingml/2006/compatibility" xmlns:p14="http://schemas.microsoft.com/office/powerpoint/2010/main" xmlns:p15="http://schemas.microsoft.com/office/powerpoint/2012/main" xmlns:ahyp="http://schemas.microsoft.com/office/drawing/2018/hyperlinkcolor" showMasterPhAnim="0" showMasterSp="0">
+<p:notes xmlns:a="http://schemas.openxmlformats.org/drawingml/2006/main" xmlns:r="http://schemas.openxmlformats.org/officeDocument/2006/relationships" xmlns:p="http://schemas.openxmlformats.org/presentationml/2006/main" showMasterSp="0" showMasterPhAnim="0">
   <p:cSld>
     <p:spTree>
       <p:nvGrpSpPr>
-        <p:cNvPr id="121" name="Shape 121"/>
+        <p:cNvPr id="1" name="Shape 121"/>
         <p:cNvGrpSpPr/>
         <p:nvPr/>
       </p:nvGrpSpPr>
@@ -1025,9 +1084,11 @@
       <p:sp>
         <p:nvSpPr>
           <p:cNvPr id="122" name="Google Shape;122;g894421b6d4_0_49:notes"/>
-          <p:cNvSpPr/>
-          <p:nvPr>
-            <p:ph idx="2" type="sldImg"/>
+          <p:cNvSpPr>
+            <a:spLocks noGrp="1" noRot="1" noChangeAspect="1"/>
+          </p:cNvSpPr>
+          <p:nvPr>
+            <p:ph type="sldImg" idx="2"/>
           </p:nvPr>
         </p:nvSpPr>
         <p:spPr>
@@ -1036,9 +1097,13 @@
             <a:ext cx="6096000" cy="3429000"/>
           </a:xfrm>
           <a:custGeom>
-            <a:rect b="b" l="l" r="r" t="t"/>
+            <a:avLst/>
+            <a:gdLst/>
+            <a:ahLst/>
+            <a:cxnLst/>
+            <a:rect l="l" t="t" r="r" b="b"/>
             <a:pathLst>
-              <a:path extrusionOk="0" h="120000" w="120000">
+              <a:path w="120000" h="120000" extrusionOk="0">
                 <a:moveTo>
                   <a:pt x="0" y="0"/>
                 </a:moveTo>
@@ -1060,9 +1125,11 @@
       <p:sp>
         <p:nvSpPr>
           <p:cNvPr id="123" name="Google Shape;123;g894421b6d4_0_49:notes"/>
-          <p:cNvSpPr txBox="1"/>
-          <p:nvPr>
-            <p:ph idx="1" type="body"/>
+          <p:cNvSpPr txBox="1">
+            <a:spLocks noGrp="1"/>
+          </p:cNvSpPr>
+          <p:nvPr>
+            <p:ph type="body" idx="1"/>
           </p:nvPr>
         </p:nvSpPr>
         <p:spPr>
@@ -1075,23 +1142,20 @@
           </a:prstGeom>
         </p:spPr>
         <p:txBody>
-          <a:bodyPr anchorCtr="0" anchor="t" bIns="91425" lIns="91425" spcFirstLastPara="1" rIns="91425" wrap="square" tIns="91425">
+          <a:bodyPr spcFirstLastPara="1" wrap="square" lIns="91425" tIns="91425" rIns="91425" bIns="91425" anchor="t" anchorCtr="0">
             <a:noAutofit/>
           </a:bodyPr>
           <a:lstStyle/>
           <a:p>
-            <a:pPr indent="0" lvl="0" marL="0" rtl="0" algn="l">
-              <a:spcBef>
-                <a:spcPts val="0"/>
-              </a:spcBef>
-              <a:spcAft>
-                <a:spcPts val="0"/>
-              </a:spcAft>
-              <a:buNone/>
-            </a:pPr>
-            <a:r>
-              <a:t/>
-            </a:r>
+            <a:pPr marL="0" lvl="0" indent="0" algn="l" rtl="0">
+              <a:spcBef>
+                <a:spcPts val="0"/>
+              </a:spcBef>
+              <a:spcAft>
+                <a:spcPts val="0"/>
+              </a:spcAft>
+              <a:buNone/>
+            </a:pPr>
             <a:endParaRPr/>
           </a:p>
         </p:txBody>
@@ -1105,11 +1169,11 @@
 </file>
 
 <file path=ppt/notesSlides/notesSlide13.xml><?xml version="1.0" encoding="utf-8"?>
-<p:notes xmlns:a="http://schemas.openxmlformats.org/drawingml/2006/main" xmlns:r="http://schemas.openxmlformats.org/officeDocument/2006/relationships" xmlns:mc="http://schemas.openxmlformats.org/markup-compatibility/2006" xmlns:mv="urn:schemas-microsoft-com:mac:vml" xmlns:p="http://schemas.openxmlformats.org/presentationml/2006/main" xmlns:c="http://schemas.openxmlformats.org/drawingml/2006/chart" xmlns:dgm="http://schemas.openxmlformats.org/drawingml/2006/diagram" xmlns:o="urn:schemas-microsoft-com:office:office" xmlns:v="urn:schemas-microsoft-com:vml" xmlns:pvml="urn:schemas-microsoft-com:office:powerpoint" xmlns:com="http://schemas.openxmlformats.org/drawingml/2006/compatibility" xmlns:p14="http://schemas.microsoft.com/office/powerpoint/2010/main" xmlns:p15="http://schemas.microsoft.com/office/powerpoint/2012/main" xmlns:ahyp="http://schemas.microsoft.com/office/drawing/2018/hyperlinkcolor" showMasterPhAnim="0" showMasterSp="0">
+<p:notes xmlns:a="http://schemas.openxmlformats.org/drawingml/2006/main" xmlns:r="http://schemas.openxmlformats.org/officeDocument/2006/relationships" xmlns:p="http://schemas.openxmlformats.org/presentationml/2006/main" showMasterSp="0" showMasterPhAnim="0">
   <p:cSld>
     <p:spTree>
       <p:nvGrpSpPr>
-        <p:cNvPr id="128" name="Shape 128"/>
+        <p:cNvPr id="1" name="Shape 128"/>
         <p:cNvGrpSpPr/>
         <p:nvPr/>
       </p:nvGrpSpPr>
@@ -1124,9 +1188,11 @@
       <p:sp>
         <p:nvSpPr>
           <p:cNvPr id="129" name="Google Shape;129;g894421b6d4_0_54:notes"/>
-          <p:cNvSpPr/>
-          <p:nvPr>
-            <p:ph idx="2" type="sldImg"/>
+          <p:cNvSpPr>
+            <a:spLocks noGrp="1" noRot="1" noChangeAspect="1"/>
+          </p:cNvSpPr>
+          <p:nvPr>
+            <p:ph type="sldImg" idx="2"/>
           </p:nvPr>
         </p:nvSpPr>
         <p:spPr>
@@ -1135,9 +1201,13 @@
             <a:ext cx="6096000" cy="3429000"/>
           </a:xfrm>
           <a:custGeom>
-            <a:rect b="b" l="l" r="r" t="t"/>
+            <a:avLst/>
+            <a:gdLst/>
+            <a:ahLst/>
+            <a:cxnLst/>
+            <a:rect l="l" t="t" r="r" b="b"/>
             <a:pathLst>
-              <a:path extrusionOk="0" h="120000" w="120000">
+              <a:path w="120000" h="120000" extrusionOk="0">
                 <a:moveTo>
                   <a:pt x="0" y="0"/>
                 </a:moveTo>
@@ -1159,9 +1229,11 @@
       <p:sp>
         <p:nvSpPr>
           <p:cNvPr id="130" name="Google Shape;130;g894421b6d4_0_54:notes"/>
-          <p:cNvSpPr txBox="1"/>
-          <p:nvPr>
-            <p:ph idx="1" type="body"/>
+          <p:cNvSpPr txBox="1">
+            <a:spLocks noGrp="1"/>
+          </p:cNvSpPr>
+          <p:nvPr>
+            <p:ph type="body" idx="1"/>
           </p:nvPr>
         </p:nvSpPr>
         <p:spPr>
@@ -1174,23 +1246,20 @@
           </a:prstGeom>
         </p:spPr>
         <p:txBody>
-          <a:bodyPr anchorCtr="0" anchor="t" bIns="91425" lIns="91425" spcFirstLastPara="1" rIns="91425" wrap="square" tIns="91425">
+          <a:bodyPr spcFirstLastPara="1" wrap="square" lIns="91425" tIns="91425" rIns="91425" bIns="91425" anchor="t" anchorCtr="0">
             <a:noAutofit/>
           </a:bodyPr>
           <a:lstStyle/>
           <a:p>
-            <a:pPr indent="0" lvl="0" marL="0" rtl="0" algn="l">
-              <a:spcBef>
-                <a:spcPts val="0"/>
-              </a:spcBef>
-              <a:spcAft>
-                <a:spcPts val="0"/>
-              </a:spcAft>
-              <a:buNone/>
-            </a:pPr>
-            <a:r>
-              <a:t/>
-            </a:r>
+            <a:pPr marL="0" lvl="0" indent="0" algn="l" rtl="0">
+              <a:spcBef>
+                <a:spcPts val="0"/>
+              </a:spcBef>
+              <a:spcAft>
+                <a:spcPts val="0"/>
+              </a:spcAft>
+              <a:buNone/>
+            </a:pPr>
             <a:endParaRPr/>
           </a:p>
         </p:txBody>
@@ -1204,11 +1273,11 @@
 </file>
 
 <file path=ppt/notesSlides/notesSlide14.xml><?xml version="1.0" encoding="utf-8"?>
-<p:notes xmlns:a="http://schemas.openxmlformats.org/drawingml/2006/main" xmlns:r="http://schemas.openxmlformats.org/officeDocument/2006/relationships" xmlns:mc="http://schemas.openxmlformats.org/markup-compatibility/2006" xmlns:mv="urn:schemas-microsoft-com:mac:vml" xmlns:p="http://schemas.openxmlformats.org/presentationml/2006/main" xmlns:c="http://schemas.openxmlformats.org/drawingml/2006/chart" xmlns:dgm="http://schemas.openxmlformats.org/drawingml/2006/diagram" xmlns:o="urn:schemas-microsoft-com:office:office" xmlns:v="urn:schemas-microsoft-com:vml" xmlns:pvml="urn:schemas-microsoft-com:office:powerpoint" xmlns:com="http://schemas.openxmlformats.org/drawingml/2006/compatibility" xmlns:p14="http://schemas.microsoft.com/office/powerpoint/2010/main" xmlns:p15="http://schemas.microsoft.com/office/powerpoint/2012/main" xmlns:ahyp="http://schemas.microsoft.com/office/drawing/2018/hyperlinkcolor" showMasterPhAnim="0" showMasterSp="0">
+<p:notes xmlns:a="http://schemas.openxmlformats.org/drawingml/2006/main" xmlns:r="http://schemas.openxmlformats.org/officeDocument/2006/relationships" xmlns:p="http://schemas.openxmlformats.org/presentationml/2006/main" showMasterSp="0" showMasterPhAnim="0">
   <p:cSld>
     <p:spTree>
       <p:nvGrpSpPr>
-        <p:cNvPr id="135" name="Shape 135"/>
+        <p:cNvPr id="1" name="Shape 135"/>
         <p:cNvGrpSpPr/>
         <p:nvPr/>
       </p:nvGrpSpPr>
@@ -1223,9 +1292,11 @@
       <p:sp>
         <p:nvSpPr>
           <p:cNvPr id="136" name="Google Shape;136;g894421b6d4_0_62:notes"/>
-          <p:cNvSpPr/>
-          <p:nvPr>
-            <p:ph idx="2" type="sldImg"/>
+          <p:cNvSpPr>
+            <a:spLocks noGrp="1" noRot="1" noChangeAspect="1"/>
+          </p:cNvSpPr>
+          <p:nvPr>
+            <p:ph type="sldImg" idx="2"/>
           </p:nvPr>
         </p:nvSpPr>
         <p:spPr>
@@ -1234,9 +1305,13 @@
             <a:ext cx="6096000" cy="3429000"/>
           </a:xfrm>
           <a:custGeom>
-            <a:rect b="b" l="l" r="r" t="t"/>
+            <a:avLst/>
+            <a:gdLst/>
+            <a:ahLst/>
+            <a:cxnLst/>
+            <a:rect l="l" t="t" r="r" b="b"/>
             <a:pathLst>
-              <a:path extrusionOk="0" h="120000" w="120000">
+              <a:path w="120000" h="120000" extrusionOk="0">
                 <a:moveTo>
                   <a:pt x="0" y="0"/>
                 </a:moveTo>
@@ -1258,9 +1333,11 @@
       <p:sp>
         <p:nvSpPr>
           <p:cNvPr id="137" name="Google Shape;137;g894421b6d4_0_62:notes"/>
-          <p:cNvSpPr txBox="1"/>
-          <p:nvPr>
-            <p:ph idx="1" type="body"/>
+          <p:cNvSpPr txBox="1">
+            <a:spLocks noGrp="1"/>
+          </p:cNvSpPr>
+          <p:nvPr>
+            <p:ph type="body" idx="1"/>
           </p:nvPr>
         </p:nvSpPr>
         <p:spPr>
@@ -1273,23 +1350,20 @@
           </a:prstGeom>
         </p:spPr>
         <p:txBody>
-          <a:bodyPr anchorCtr="0" anchor="t" bIns="91425" lIns="91425" spcFirstLastPara="1" rIns="91425" wrap="square" tIns="91425">
+          <a:bodyPr spcFirstLastPara="1" wrap="square" lIns="91425" tIns="91425" rIns="91425" bIns="91425" anchor="t" anchorCtr="0">
             <a:noAutofit/>
           </a:bodyPr>
           <a:lstStyle/>
           <a:p>
-            <a:pPr indent="0" lvl="0" marL="0" rtl="0" algn="l">
-              <a:spcBef>
-                <a:spcPts val="0"/>
-              </a:spcBef>
-              <a:spcAft>
-                <a:spcPts val="0"/>
-              </a:spcAft>
-              <a:buNone/>
-            </a:pPr>
-            <a:r>
-              <a:t/>
-            </a:r>
+            <a:pPr marL="0" lvl="0" indent="0" algn="l" rtl="0">
+              <a:spcBef>
+                <a:spcPts val="0"/>
+              </a:spcBef>
+              <a:spcAft>
+                <a:spcPts val="0"/>
+              </a:spcAft>
+              <a:buNone/>
+            </a:pPr>
             <a:endParaRPr/>
           </a:p>
         </p:txBody>
@@ -1303,11 +1377,11 @@
 </file>
 
 <file path=ppt/notesSlides/notesSlide15.xml><?xml version="1.0" encoding="utf-8"?>
-<p:notes xmlns:a="http://schemas.openxmlformats.org/drawingml/2006/main" xmlns:r="http://schemas.openxmlformats.org/officeDocument/2006/relationships" xmlns:mc="http://schemas.openxmlformats.org/markup-compatibility/2006" xmlns:mv="urn:schemas-microsoft-com:mac:vml" xmlns:p="http://schemas.openxmlformats.org/presentationml/2006/main" xmlns:c="http://schemas.openxmlformats.org/drawingml/2006/chart" xmlns:dgm="http://schemas.openxmlformats.org/drawingml/2006/diagram" xmlns:o="urn:schemas-microsoft-com:office:office" xmlns:v="urn:schemas-microsoft-com:vml" xmlns:pvml="urn:schemas-microsoft-com:office:powerpoint" xmlns:com="http://schemas.openxmlformats.org/drawingml/2006/compatibility" xmlns:p14="http://schemas.microsoft.com/office/powerpoint/2010/main" xmlns:p15="http://schemas.microsoft.com/office/powerpoint/2012/main" xmlns:ahyp="http://schemas.microsoft.com/office/drawing/2018/hyperlinkcolor" showMasterPhAnim="0" showMasterSp="0">
+<p:notes xmlns:a="http://schemas.openxmlformats.org/drawingml/2006/main" xmlns:r="http://schemas.openxmlformats.org/officeDocument/2006/relationships" xmlns:p="http://schemas.openxmlformats.org/presentationml/2006/main" showMasterSp="0" showMasterPhAnim="0">
   <p:cSld>
     <p:spTree>
       <p:nvGrpSpPr>
-        <p:cNvPr id="142" name="Shape 142"/>
+        <p:cNvPr id="1" name="Shape 142"/>
         <p:cNvGrpSpPr/>
         <p:nvPr/>
       </p:nvGrpSpPr>
@@ -1322,9 +1396,11 @@
       <p:sp>
         <p:nvSpPr>
           <p:cNvPr id="143" name="Google Shape;143;g894421b6d4_0_67:notes"/>
-          <p:cNvSpPr/>
-          <p:nvPr>
-            <p:ph idx="2" type="sldImg"/>
+          <p:cNvSpPr>
+            <a:spLocks noGrp="1" noRot="1" noChangeAspect="1"/>
+          </p:cNvSpPr>
+          <p:nvPr>
+            <p:ph type="sldImg" idx="2"/>
           </p:nvPr>
         </p:nvSpPr>
         <p:spPr>
@@ -1333,9 +1409,13 @@
             <a:ext cx="6096000" cy="3429000"/>
           </a:xfrm>
           <a:custGeom>
-            <a:rect b="b" l="l" r="r" t="t"/>
+            <a:avLst/>
+            <a:gdLst/>
+            <a:ahLst/>
+            <a:cxnLst/>
+            <a:rect l="l" t="t" r="r" b="b"/>
             <a:pathLst>
-              <a:path extrusionOk="0" h="120000" w="120000">
+              <a:path w="120000" h="120000" extrusionOk="0">
                 <a:moveTo>
                   <a:pt x="0" y="0"/>
                 </a:moveTo>
@@ -1357,9 +1437,11 @@
       <p:sp>
         <p:nvSpPr>
           <p:cNvPr id="144" name="Google Shape;144;g894421b6d4_0_67:notes"/>
-          <p:cNvSpPr txBox="1"/>
-          <p:nvPr>
-            <p:ph idx="1" type="body"/>
+          <p:cNvSpPr txBox="1">
+            <a:spLocks noGrp="1"/>
+          </p:cNvSpPr>
+          <p:nvPr>
+            <p:ph type="body" idx="1"/>
           </p:nvPr>
         </p:nvSpPr>
         <p:spPr>
@@ -1372,23 +1454,20 @@
           </a:prstGeom>
         </p:spPr>
         <p:txBody>
-          <a:bodyPr anchorCtr="0" anchor="t" bIns="91425" lIns="91425" spcFirstLastPara="1" rIns="91425" wrap="square" tIns="91425">
+          <a:bodyPr spcFirstLastPara="1" wrap="square" lIns="91425" tIns="91425" rIns="91425" bIns="91425" anchor="t" anchorCtr="0">
             <a:noAutofit/>
           </a:bodyPr>
           <a:lstStyle/>
           <a:p>
-            <a:pPr indent="0" lvl="0" marL="0" rtl="0" algn="l">
-              <a:spcBef>
-                <a:spcPts val="0"/>
-              </a:spcBef>
-              <a:spcAft>
-                <a:spcPts val="0"/>
-              </a:spcAft>
-              <a:buNone/>
-            </a:pPr>
-            <a:r>
-              <a:t/>
-            </a:r>
+            <a:pPr marL="0" lvl="0" indent="0" algn="l" rtl="0">
+              <a:spcBef>
+                <a:spcPts val="0"/>
+              </a:spcBef>
+              <a:spcAft>
+                <a:spcPts val="0"/>
+              </a:spcAft>
+              <a:buNone/>
+            </a:pPr>
             <a:endParaRPr/>
           </a:p>
         </p:txBody>
@@ -1402,11 +1481,11 @@
 </file>
 
 <file path=ppt/notesSlides/notesSlide16.xml><?xml version="1.0" encoding="utf-8"?>
-<p:notes xmlns:a="http://schemas.openxmlformats.org/drawingml/2006/main" xmlns:r="http://schemas.openxmlformats.org/officeDocument/2006/relationships" xmlns:mc="http://schemas.openxmlformats.org/markup-compatibility/2006" xmlns:mv="urn:schemas-microsoft-com:mac:vml" xmlns:p="http://schemas.openxmlformats.org/presentationml/2006/main" xmlns:c="http://schemas.openxmlformats.org/drawingml/2006/chart" xmlns:dgm="http://schemas.openxmlformats.org/drawingml/2006/diagram" xmlns:o="urn:schemas-microsoft-com:office:office" xmlns:v="urn:schemas-microsoft-com:vml" xmlns:pvml="urn:schemas-microsoft-com:office:powerpoint" xmlns:com="http://schemas.openxmlformats.org/drawingml/2006/compatibility" xmlns:p14="http://schemas.microsoft.com/office/powerpoint/2010/main" xmlns:p15="http://schemas.microsoft.com/office/powerpoint/2012/main" xmlns:ahyp="http://schemas.microsoft.com/office/drawing/2018/hyperlinkcolor" showMasterPhAnim="0" showMasterSp="0">
+<p:notes xmlns:a="http://schemas.openxmlformats.org/drawingml/2006/main" xmlns:r="http://schemas.openxmlformats.org/officeDocument/2006/relationships" xmlns:p="http://schemas.openxmlformats.org/presentationml/2006/main" showMasterSp="0" showMasterPhAnim="0">
   <p:cSld>
     <p:spTree>
       <p:nvGrpSpPr>
-        <p:cNvPr id="148" name="Shape 148"/>
+        <p:cNvPr id="1" name="Shape 148"/>
         <p:cNvGrpSpPr/>
         <p:nvPr/>
       </p:nvGrpSpPr>
@@ -1421,9 +1500,11 @@
       <p:sp>
         <p:nvSpPr>
           <p:cNvPr id="149" name="Google Shape;149;g89492d40a3_0_1:notes"/>
-          <p:cNvSpPr/>
-          <p:nvPr>
-            <p:ph idx="2" type="sldImg"/>
+          <p:cNvSpPr>
+            <a:spLocks noGrp="1" noRot="1" noChangeAspect="1"/>
+          </p:cNvSpPr>
+          <p:nvPr>
+            <p:ph type="sldImg" idx="2"/>
           </p:nvPr>
         </p:nvSpPr>
         <p:spPr>
@@ -1432,9 +1513,13 @@
             <a:ext cx="6096000" cy="3429000"/>
           </a:xfrm>
           <a:custGeom>
-            <a:rect b="b" l="l" r="r" t="t"/>
+            <a:avLst/>
+            <a:gdLst/>
+            <a:ahLst/>
+            <a:cxnLst/>
+            <a:rect l="l" t="t" r="r" b="b"/>
             <a:pathLst>
-              <a:path extrusionOk="0" h="120000" w="120000">
+              <a:path w="120000" h="120000" extrusionOk="0">
                 <a:moveTo>
                   <a:pt x="0" y="0"/>
                 </a:moveTo>
@@ -1456,9 +1541,11 @@
       <p:sp>
         <p:nvSpPr>
           <p:cNvPr id="150" name="Google Shape;150;g89492d40a3_0_1:notes"/>
-          <p:cNvSpPr txBox="1"/>
-          <p:nvPr>
-            <p:ph idx="1" type="body"/>
+          <p:cNvSpPr txBox="1">
+            <a:spLocks noGrp="1"/>
+          </p:cNvSpPr>
+          <p:nvPr>
+            <p:ph type="body" idx="1"/>
           </p:nvPr>
         </p:nvSpPr>
         <p:spPr>
@@ -1471,23 +1558,20 @@
           </a:prstGeom>
         </p:spPr>
         <p:txBody>
-          <a:bodyPr anchorCtr="0" anchor="t" bIns="91425" lIns="91425" spcFirstLastPara="1" rIns="91425" wrap="square" tIns="91425">
+          <a:bodyPr spcFirstLastPara="1" wrap="square" lIns="91425" tIns="91425" rIns="91425" bIns="91425" anchor="t" anchorCtr="0">
             <a:noAutofit/>
           </a:bodyPr>
           <a:lstStyle/>
           <a:p>
-            <a:pPr indent="0" lvl="0" marL="0" rtl="0" algn="l">
-              <a:spcBef>
-                <a:spcPts val="0"/>
-              </a:spcBef>
-              <a:spcAft>
-                <a:spcPts val="0"/>
-              </a:spcAft>
-              <a:buNone/>
-            </a:pPr>
-            <a:r>
-              <a:t/>
-            </a:r>
+            <a:pPr marL="0" lvl="0" indent="0" algn="l" rtl="0">
+              <a:spcBef>
+                <a:spcPts val="0"/>
+              </a:spcBef>
+              <a:spcAft>
+                <a:spcPts val="0"/>
+              </a:spcAft>
+              <a:buNone/>
+            </a:pPr>
             <a:endParaRPr/>
           </a:p>
         </p:txBody>
@@ -1501,11 +1585,11 @@
 </file>
 
 <file path=ppt/notesSlides/notesSlide17.xml><?xml version="1.0" encoding="utf-8"?>
-<p:notes xmlns:a="http://schemas.openxmlformats.org/drawingml/2006/main" xmlns:r="http://schemas.openxmlformats.org/officeDocument/2006/relationships" xmlns:mc="http://schemas.openxmlformats.org/markup-compatibility/2006" xmlns:mv="urn:schemas-microsoft-com:mac:vml" xmlns:p="http://schemas.openxmlformats.org/presentationml/2006/main" xmlns:c="http://schemas.openxmlformats.org/drawingml/2006/chart" xmlns:dgm="http://schemas.openxmlformats.org/drawingml/2006/diagram" xmlns:o="urn:schemas-microsoft-com:office:office" xmlns:v="urn:schemas-microsoft-com:vml" xmlns:pvml="urn:schemas-microsoft-com:office:powerpoint" xmlns:com="http://schemas.openxmlformats.org/drawingml/2006/compatibility" xmlns:p14="http://schemas.microsoft.com/office/powerpoint/2010/main" xmlns:p15="http://schemas.microsoft.com/office/powerpoint/2012/main" xmlns:ahyp="http://schemas.microsoft.com/office/drawing/2018/hyperlinkcolor" showMasterPhAnim="0" showMasterSp="0">
+<p:notes xmlns:a="http://schemas.openxmlformats.org/drawingml/2006/main" xmlns:r="http://schemas.openxmlformats.org/officeDocument/2006/relationships" xmlns:p="http://schemas.openxmlformats.org/presentationml/2006/main" showMasterSp="0" showMasterPhAnim="0">
   <p:cSld>
     <p:spTree>
       <p:nvGrpSpPr>
-        <p:cNvPr id="154" name="Shape 154"/>
+        <p:cNvPr id="1" name="Shape 154"/>
         <p:cNvGrpSpPr/>
         <p:nvPr/>
       </p:nvGrpSpPr>
@@ -1520,9 +1604,11 @@
       <p:sp>
         <p:nvSpPr>
           <p:cNvPr id="155" name="Google Shape;155;g89492d40a3_0_6:notes"/>
-          <p:cNvSpPr/>
-          <p:nvPr>
-            <p:ph idx="2" type="sldImg"/>
+          <p:cNvSpPr>
+            <a:spLocks noGrp="1" noRot="1" noChangeAspect="1"/>
+          </p:cNvSpPr>
+          <p:nvPr>
+            <p:ph type="sldImg" idx="2"/>
           </p:nvPr>
         </p:nvSpPr>
         <p:spPr>
@@ -1531,9 +1617,13 @@
             <a:ext cx="6096000" cy="3429000"/>
           </a:xfrm>
           <a:custGeom>
-            <a:rect b="b" l="l" r="r" t="t"/>
+            <a:avLst/>
+            <a:gdLst/>
+            <a:ahLst/>
+            <a:cxnLst/>
+            <a:rect l="l" t="t" r="r" b="b"/>
             <a:pathLst>
-              <a:path extrusionOk="0" h="120000" w="120000">
+              <a:path w="120000" h="120000" extrusionOk="0">
                 <a:moveTo>
                   <a:pt x="0" y="0"/>
                 </a:moveTo>
@@ -1555,9 +1645,11 @@
       <p:sp>
         <p:nvSpPr>
           <p:cNvPr id="156" name="Google Shape;156;g89492d40a3_0_6:notes"/>
-          <p:cNvSpPr txBox="1"/>
-          <p:nvPr>
-            <p:ph idx="1" type="body"/>
+          <p:cNvSpPr txBox="1">
+            <a:spLocks noGrp="1"/>
+          </p:cNvSpPr>
+          <p:nvPr>
+            <p:ph type="body" idx="1"/>
           </p:nvPr>
         </p:nvSpPr>
         <p:spPr>
@@ -1570,23 +1662,20 @@
           </a:prstGeom>
         </p:spPr>
         <p:txBody>
-          <a:bodyPr anchorCtr="0" anchor="t" bIns="91425" lIns="91425" spcFirstLastPara="1" rIns="91425" wrap="square" tIns="91425">
+          <a:bodyPr spcFirstLastPara="1" wrap="square" lIns="91425" tIns="91425" rIns="91425" bIns="91425" anchor="t" anchorCtr="0">
             <a:noAutofit/>
           </a:bodyPr>
           <a:lstStyle/>
           <a:p>
-            <a:pPr indent="0" lvl="0" marL="0" rtl="0" algn="l">
-              <a:spcBef>
-                <a:spcPts val="0"/>
-              </a:spcBef>
-              <a:spcAft>
-                <a:spcPts val="0"/>
-              </a:spcAft>
-              <a:buNone/>
-            </a:pPr>
-            <a:r>
-              <a:t/>
-            </a:r>
+            <a:pPr marL="0" lvl="0" indent="0" algn="l" rtl="0">
+              <a:spcBef>
+                <a:spcPts val="0"/>
+              </a:spcBef>
+              <a:spcAft>
+                <a:spcPts val="0"/>
+              </a:spcAft>
+              <a:buNone/>
+            </a:pPr>
             <a:endParaRPr/>
           </a:p>
         </p:txBody>
@@ -1600,11 +1689,11 @@
 </file>
 
 <file path=ppt/notesSlides/notesSlide18.xml><?xml version="1.0" encoding="utf-8"?>
-<p:notes xmlns:a="http://schemas.openxmlformats.org/drawingml/2006/main" xmlns:r="http://schemas.openxmlformats.org/officeDocument/2006/relationships" xmlns:mc="http://schemas.openxmlformats.org/markup-compatibility/2006" xmlns:mv="urn:schemas-microsoft-com:mac:vml" xmlns:p="http://schemas.openxmlformats.org/presentationml/2006/main" xmlns:c="http://schemas.openxmlformats.org/drawingml/2006/chart" xmlns:dgm="http://schemas.openxmlformats.org/drawingml/2006/diagram" xmlns:o="urn:schemas-microsoft-com:office:office" xmlns:v="urn:schemas-microsoft-com:vml" xmlns:pvml="urn:schemas-microsoft-com:office:powerpoint" xmlns:com="http://schemas.openxmlformats.org/drawingml/2006/compatibility" xmlns:p14="http://schemas.microsoft.com/office/powerpoint/2010/main" xmlns:p15="http://schemas.microsoft.com/office/powerpoint/2012/main" xmlns:ahyp="http://schemas.microsoft.com/office/drawing/2018/hyperlinkcolor" showMasterPhAnim="0" showMasterSp="0">
+<p:notes xmlns:a="http://schemas.openxmlformats.org/drawingml/2006/main" xmlns:r="http://schemas.openxmlformats.org/officeDocument/2006/relationships" xmlns:p="http://schemas.openxmlformats.org/presentationml/2006/main" showMasterSp="0" showMasterPhAnim="0">
   <p:cSld>
     <p:spTree>
       <p:nvGrpSpPr>
-        <p:cNvPr id="161" name="Shape 161"/>
+        <p:cNvPr id="1" name="Shape 161"/>
         <p:cNvGrpSpPr/>
         <p:nvPr/>
       </p:nvGrpSpPr>
@@ -1619,9 +1708,11 @@
       <p:sp>
         <p:nvSpPr>
           <p:cNvPr id="162" name="Google Shape;162;g89492d40a3_0_13:notes"/>
-          <p:cNvSpPr/>
-          <p:nvPr>
-            <p:ph idx="2" type="sldImg"/>
+          <p:cNvSpPr>
+            <a:spLocks noGrp="1" noRot="1" noChangeAspect="1"/>
+          </p:cNvSpPr>
+          <p:nvPr>
+            <p:ph type="sldImg" idx="2"/>
           </p:nvPr>
         </p:nvSpPr>
         <p:spPr>
@@ -1630,9 +1721,13 @@
             <a:ext cx="6096000" cy="3429000"/>
           </a:xfrm>
           <a:custGeom>
-            <a:rect b="b" l="l" r="r" t="t"/>
+            <a:avLst/>
+            <a:gdLst/>
+            <a:ahLst/>
+            <a:cxnLst/>
+            <a:rect l="l" t="t" r="r" b="b"/>
             <a:pathLst>
-              <a:path extrusionOk="0" h="120000" w="120000">
+              <a:path w="120000" h="120000" extrusionOk="0">
                 <a:moveTo>
                   <a:pt x="0" y="0"/>
                 </a:moveTo>
@@ -1654,9 +1749,11 @@
       <p:sp>
         <p:nvSpPr>
           <p:cNvPr id="163" name="Google Shape;163;g89492d40a3_0_13:notes"/>
-          <p:cNvSpPr txBox="1"/>
-          <p:nvPr>
-            <p:ph idx="1" type="body"/>
+          <p:cNvSpPr txBox="1">
+            <a:spLocks noGrp="1"/>
+          </p:cNvSpPr>
+          <p:nvPr>
+            <p:ph type="body" idx="1"/>
           </p:nvPr>
         </p:nvSpPr>
         <p:spPr>
@@ -1669,23 +1766,20 @@
           </a:prstGeom>
         </p:spPr>
         <p:txBody>
-          <a:bodyPr anchorCtr="0" anchor="t" bIns="91425" lIns="91425" spcFirstLastPara="1" rIns="91425" wrap="square" tIns="91425">
+          <a:bodyPr spcFirstLastPara="1" wrap="square" lIns="91425" tIns="91425" rIns="91425" bIns="91425" anchor="t" anchorCtr="0">
             <a:noAutofit/>
           </a:bodyPr>
           <a:lstStyle/>
           <a:p>
-            <a:pPr indent="0" lvl="0" marL="0" rtl="0" algn="l">
-              <a:spcBef>
-                <a:spcPts val="0"/>
-              </a:spcBef>
-              <a:spcAft>
-                <a:spcPts val="0"/>
-              </a:spcAft>
-              <a:buNone/>
-            </a:pPr>
-            <a:r>
-              <a:t/>
-            </a:r>
+            <a:pPr marL="0" lvl="0" indent="0" algn="l" rtl="0">
+              <a:spcBef>
+                <a:spcPts val="0"/>
+              </a:spcBef>
+              <a:spcAft>
+                <a:spcPts val="0"/>
+              </a:spcAft>
+              <a:buNone/>
+            </a:pPr>
             <a:endParaRPr/>
           </a:p>
         </p:txBody>
@@ -1699,11 +1793,11 @@
 </file>
 
 <file path=ppt/notesSlides/notesSlide19.xml><?xml version="1.0" encoding="utf-8"?>
-<p:notes xmlns:a="http://schemas.openxmlformats.org/drawingml/2006/main" xmlns:r="http://schemas.openxmlformats.org/officeDocument/2006/relationships" xmlns:mc="http://schemas.openxmlformats.org/markup-compatibility/2006" xmlns:mv="urn:schemas-microsoft-com:mac:vml" xmlns:p="http://schemas.openxmlformats.org/presentationml/2006/main" xmlns:c="http://schemas.openxmlformats.org/drawingml/2006/chart" xmlns:dgm="http://schemas.openxmlformats.org/drawingml/2006/diagram" xmlns:o="urn:schemas-microsoft-com:office:office" xmlns:v="urn:schemas-microsoft-com:vml" xmlns:pvml="urn:schemas-microsoft-com:office:powerpoint" xmlns:com="http://schemas.openxmlformats.org/drawingml/2006/compatibility" xmlns:p14="http://schemas.microsoft.com/office/powerpoint/2010/main" xmlns:p15="http://schemas.microsoft.com/office/powerpoint/2012/main" xmlns:ahyp="http://schemas.microsoft.com/office/drawing/2018/hyperlinkcolor" showMasterPhAnim="0" showMasterSp="0">
+<p:notes xmlns:a="http://schemas.openxmlformats.org/drawingml/2006/main" xmlns:r="http://schemas.openxmlformats.org/officeDocument/2006/relationships" xmlns:p="http://schemas.openxmlformats.org/presentationml/2006/main" showMasterSp="0" showMasterPhAnim="0">
   <p:cSld>
     <p:spTree>
       <p:nvGrpSpPr>
-        <p:cNvPr id="168" name="Shape 168"/>
+        <p:cNvPr id="1" name="Shape 168"/>
         <p:cNvGrpSpPr/>
         <p:nvPr/>
       </p:nvGrpSpPr>
@@ -1718,9 +1812,11 @@
       <p:sp>
         <p:nvSpPr>
           <p:cNvPr id="169" name="Google Shape;169;g89492d40a3_0_18:notes"/>
-          <p:cNvSpPr/>
-          <p:nvPr>
-            <p:ph idx="2" type="sldImg"/>
+          <p:cNvSpPr>
+            <a:spLocks noGrp="1" noRot="1" noChangeAspect="1"/>
+          </p:cNvSpPr>
+          <p:nvPr>
+            <p:ph type="sldImg" idx="2"/>
           </p:nvPr>
         </p:nvSpPr>
         <p:spPr>
@@ -1729,9 +1825,13 @@
             <a:ext cx="6096000" cy="3429000"/>
           </a:xfrm>
           <a:custGeom>
-            <a:rect b="b" l="l" r="r" t="t"/>
+            <a:avLst/>
+            <a:gdLst/>
+            <a:ahLst/>
+            <a:cxnLst/>
+            <a:rect l="l" t="t" r="r" b="b"/>
             <a:pathLst>
-              <a:path extrusionOk="0" h="120000" w="120000">
+              <a:path w="120000" h="120000" extrusionOk="0">
                 <a:moveTo>
                   <a:pt x="0" y="0"/>
                 </a:moveTo>
@@ -1753,9 +1853,11 @@
       <p:sp>
         <p:nvSpPr>
           <p:cNvPr id="170" name="Google Shape;170;g89492d40a3_0_18:notes"/>
-          <p:cNvSpPr txBox="1"/>
-          <p:nvPr>
-            <p:ph idx="1" type="body"/>
+          <p:cNvSpPr txBox="1">
+            <a:spLocks noGrp="1"/>
+          </p:cNvSpPr>
+          <p:nvPr>
+            <p:ph type="body" idx="1"/>
           </p:nvPr>
         </p:nvSpPr>
         <p:spPr>
@@ -1768,23 +1870,20 @@
           </a:prstGeom>
         </p:spPr>
         <p:txBody>
-          <a:bodyPr anchorCtr="0" anchor="t" bIns="91425" lIns="91425" spcFirstLastPara="1" rIns="91425" wrap="square" tIns="91425">
+          <a:bodyPr spcFirstLastPara="1" wrap="square" lIns="91425" tIns="91425" rIns="91425" bIns="91425" anchor="t" anchorCtr="0">
             <a:noAutofit/>
           </a:bodyPr>
           <a:lstStyle/>
           <a:p>
-            <a:pPr indent="0" lvl="0" marL="0" rtl="0" algn="l">
-              <a:spcBef>
-                <a:spcPts val="0"/>
-              </a:spcBef>
-              <a:spcAft>
-                <a:spcPts val="0"/>
-              </a:spcAft>
-              <a:buNone/>
-            </a:pPr>
-            <a:r>
-              <a:t/>
-            </a:r>
+            <a:pPr marL="0" lvl="0" indent="0" algn="l" rtl="0">
+              <a:spcBef>
+                <a:spcPts val="0"/>
+              </a:spcBef>
+              <a:spcAft>
+                <a:spcPts val="0"/>
+              </a:spcAft>
+              <a:buNone/>
+            </a:pPr>
             <a:endParaRPr/>
           </a:p>
         </p:txBody>
@@ -1798,11 +1897,11 @@
 </file>
 
 <file path=ppt/notesSlides/notesSlide2.xml><?xml version="1.0" encoding="utf-8"?>
-<p:notes xmlns:a="http://schemas.openxmlformats.org/drawingml/2006/main" xmlns:r="http://schemas.openxmlformats.org/officeDocument/2006/relationships" xmlns:mc="http://schemas.openxmlformats.org/markup-compatibility/2006" xmlns:mv="urn:schemas-microsoft-com:mac:vml" xmlns:p="http://schemas.openxmlformats.org/presentationml/2006/main" xmlns:c="http://schemas.openxmlformats.org/drawingml/2006/chart" xmlns:dgm="http://schemas.openxmlformats.org/drawingml/2006/diagram" xmlns:o="urn:schemas-microsoft-com:office:office" xmlns:v="urn:schemas-microsoft-com:vml" xmlns:pvml="urn:schemas-microsoft-com:office:powerpoint" xmlns:com="http://schemas.openxmlformats.org/drawingml/2006/compatibility" xmlns:p14="http://schemas.microsoft.com/office/powerpoint/2010/main" xmlns:p15="http://schemas.microsoft.com/office/powerpoint/2012/main" xmlns:ahyp="http://schemas.microsoft.com/office/drawing/2018/hyperlinkcolor" showMasterPhAnim="0" showMasterSp="0">
+<p:notes xmlns:a="http://schemas.openxmlformats.org/drawingml/2006/main" xmlns:r="http://schemas.openxmlformats.org/officeDocument/2006/relationships" xmlns:p="http://schemas.openxmlformats.org/presentationml/2006/main" showMasterSp="0" showMasterPhAnim="0">
   <p:cSld>
     <p:spTree>
       <p:nvGrpSpPr>
-        <p:cNvPr id="56" name="Shape 56"/>
+        <p:cNvPr id="1" name="Shape 56"/>
         <p:cNvGrpSpPr/>
         <p:nvPr/>
       </p:nvGrpSpPr>
@@ -1817,9 +1916,11 @@
       <p:sp>
         <p:nvSpPr>
           <p:cNvPr id="57" name="Google Shape;57;g8ad9a179f2_0_0:notes"/>
-          <p:cNvSpPr/>
-          <p:nvPr>
-            <p:ph idx="2" type="sldImg"/>
+          <p:cNvSpPr>
+            <a:spLocks noGrp="1" noRot="1" noChangeAspect="1"/>
+          </p:cNvSpPr>
+          <p:nvPr>
+            <p:ph type="sldImg" idx="2"/>
           </p:nvPr>
         </p:nvSpPr>
         <p:spPr>
@@ -1828,9 +1929,13 @@
             <a:ext cx="6096000" cy="3429000"/>
           </a:xfrm>
           <a:custGeom>
-            <a:rect b="b" l="l" r="r" t="t"/>
+            <a:avLst/>
+            <a:gdLst/>
+            <a:ahLst/>
+            <a:cxnLst/>
+            <a:rect l="l" t="t" r="r" b="b"/>
             <a:pathLst>
-              <a:path extrusionOk="0" h="120000" w="120000">
+              <a:path w="120000" h="120000" extrusionOk="0">
                 <a:moveTo>
                   <a:pt x="0" y="0"/>
                 </a:moveTo>
@@ -1852,9 +1957,11 @@
       <p:sp>
         <p:nvSpPr>
           <p:cNvPr id="58" name="Google Shape;58;g8ad9a179f2_0_0:notes"/>
-          <p:cNvSpPr txBox="1"/>
-          <p:nvPr>
-            <p:ph idx="1" type="body"/>
+          <p:cNvSpPr txBox="1">
+            <a:spLocks noGrp="1"/>
+          </p:cNvSpPr>
+          <p:nvPr>
+            <p:ph type="body" idx="1"/>
           </p:nvPr>
         </p:nvSpPr>
         <p:spPr>
@@ -1867,23 +1974,20 @@
           </a:prstGeom>
         </p:spPr>
         <p:txBody>
-          <a:bodyPr anchorCtr="0" anchor="t" bIns="91425" lIns="91425" spcFirstLastPara="1" rIns="91425" wrap="square" tIns="91425">
+          <a:bodyPr spcFirstLastPara="1" wrap="square" lIns="91425" tIns="91425" rIns="91425" bIns="91425" anchor="t" anchorCtr="0">
             <a:noAutofit/>
           </a:bodyPr>
           <a:lstStyle/>
           <a:p>
-            <a:pPr indent="0" lvl="0" marL="0" rtl="0" algn="l">
-              <a:spcBef>
-                <a:spcPts val="0"/>
-              </a:spcBef>
-              <a:spcAft>
-                <a:spcPts val="0"/>
-              </a:spcAft>
-              <a:buNone/>
-            </a:pPr>
-            <a:r>
-              <a:t/>
-            </a:r>
+            <a:pPr marL="0" lvl="0" indent="0" algn="l" rtl="0">
+              <a:spcBef>
+                <a:spcPts val="0"/>
+              </a:spcBef>
+              <a:spcAft>
+                <a:spcPts val="0"/>
+              </a:spcAft>
+              <a:buNone/>
+            </a:pPr>
             <a:endParaRPr/>
           </a:p>
         </p:txBody>
@@ -1897,11 +2001,11 @@
 </file>
 
 <file path=ppt/notesSlides/notesSlide20.xml><?xml version="1.0" encoding="utf-8"?>
-<p:notes xmlns:a="http://schemas.openxmlformats.org/drawingml/2006/main" xmlns:r="http://schemas.openxmlformats.org/officeDocument/2006/relationships" xmlns:mc="http://schemas.openxmlformats.org/markup-compatibility/2006" xmlns:mv="urn:schemas-microsoft-com:mac:vml" xmlns:p="http://schemas.openxmlformats.org/presentationml/2006/main" xmlns:c="http://schemas.openxmlformats.org/drawingml/2006/chart" xmlns:dgm="http://schemas.openxmlformats.org/drawingml/2006/diagram" xmlns:o="urn:schemas-microsoft-com:office:office" xmlns:v="urn:schemas-microsoft-com:vml" xmlns:pvml="urn:schemas-microsoft-com:office:powerpoint" xmlns:com="http://schemas.openxmlformats.org/drawingml/2006/compatibility" xmlns:p14="http://schemas.microsoft.com/office/powerpoint/2010/main" xmlns:p15="http://schemas.microsoft.com/office/powerpoint/2012/main" xmlns:ahyp="http://schemas.microsoft.com/office/drawing/2018/hyperlinkcolor" showMasterPhAnim="0" showMasterSp="0">
+<p:notes xmlns:a="http://schemas.openxmlformats.org/drawingml/2006/main" xmlns:r="http://schemas.openxmlformats.org/officeDocument/2006/relationships" xmlns:p="http://schemas.openxmlformats.org/presentationml/2006/main" showMasterSp="0" showMasterPhAnim="0">
   <p:cSld>
     <p:spTree>
       <p:nvGrpSpPr>
-        <p:cNvPr id="175" name="Shape 175"/>
+        <p:cNvPr id="1" name="Shape 175"/>
         <p:cNvGrpSpPr/>
         <p:nvPr/>
       </p:nvGrpSpPr>
@@ -1916,9 +2020,11 @@
       <p:sp>
         <p:nvSpPr>
           <p:cNvPr id="176" name="Google Shape;176;g89492d40a3_0_25:notes"/>
-          <p:cNvSpPr/>
-          <p:nvPr>
-            <p:ph idx="2" type="sldImg"/>
+          <p:cNvSpPr>
+            <a:spLocks noGrp="1" noRot="1" noChangeAspect="1"/>
+          </p:cNvSpPr>
+          <p:nvPr>
+            <p:ph type="sldImg" idx="2"/>
           </p:nvPr>
         </p:nvSpPr>
         <p:spPr>
@@ -1927,9 +2033,13 @@
             <a:ext cx="6096000" cy="3429000"/>
           </a:xfrm>
           <a:custGeom>
-            <a:rect b="b" l="l" r="r" t="t"/>
+            <a:avLst/>
+            <a:gdLst/>
+            <a:ahLst/>
+            <a:cxnLst/>
+            <a:rect l="l" t="t" r="r" b="b"/>
             <a:pathLst>
-              <a:path extrusionOk="0" h="120000" w="120000">
+              <a:path w="120000" h="120000" extrusionOk="0">
                 <a:moveTo>
                   <a:pt x="0" y="0"/>
                 </a:moveTo>
@@ -1951,9 +2061,11 @@
       <p:sp>
         <p:nvSpPr>
           <p:cNvPr id="177" name="Google Shape;177;g89492d40a3_0_25:notes"/>
-          <p:cNvSpPr txBox="1"/>
-          <p:nvPr>
-            <p:ph idx="1" type="body"/>
+          <p:cNvSpPr txBox="1">
+            <a:spLocks noGrp="1"/>
+          </p:cNvSpPr>
+          <p:nvPr>
+            <p:ph type="body" idx="1"/>
           </p:nvPr>
         </p:nvSpPr>
         <p:spPr>
@@ -1966,23 +2078,20 @@
           </a:prstGeom>
         </p:spPr>
         <p:txBody>
-          <a:bodyPr anchorCtr="0" anchor="t" bIns="91425" lIns="91425" spcFirstLastPara="1" rIns="91425" wrap="square" tIns="91425">
+          <a:bodyPr spcFirstLastPara="1" wrap="square" lIns="91425" tIns="91425" rIns="91425" bIns="91425" anchor="t" anchorCtr="0">
             <a:noAutofit/>
           </a:bodyPr>
           <a:lstStyle/>
           <a:p>
-            <a:pPr indent="0" lvl="0" marL="0" rtl="0" algn="l">
-              <a:spcBef>
-                <a:spcPts val="0"/>
-              </a:spcBef>
-              <a:spcAft>
-                <a:spcPts val="0"/>
-              </a:spcAft>
-              <a:buNone/>
-            </a:pPr>
-            <a:r>
-              <a:t/>
-            </a:r>
+            <a:pPr marL="0" lvl="0" indent="0" algn="l" rtl="0">
+              <a:spcBef>
+                <a:spcPts val="0"/>
+              </a:spcBef>
+              <a:spcAft>
+                <a:spcPts val="0"/>
+              </a:spcAft>
+              <a:buNone/>
+            </a:pPr>
             <a:endParaRPr/>
           </a:p>
         </p:txBody>
@@ -1996,11 +2105,11 @@
 </file>
 
 <file path=ppt/notesSlides/notesSlide21.xml><?xml version="1.0" encoding="utf-8"?>
-<p:notes xmlns:a="http://schemas.openxmlformats.org/drawingml/2006/main" xmlns:r="http://schemas.openxmlformats.org/officeDocument/2006/relationships" xmlns:mc="http://schemas.openxmlformats.org/markup-compatibility/2006" xmlns:mv="urn:schemas-microsoft-com:mac:vml" xmlns:p="http://schemas.openxmlformats.org/presentationml/2006/main" xmlns:c="http://schemas.openxmlformats.org/drawingml/2006/chart" xmlns:dgm="http://schemas.openxmlformats.org/drawingml/2006/diagram" xmlns:o="urn:schemas-microsoft-com:office:office" xmlns:v="urn:schemas-microsoft-com:vml" xmlns:pvml="urn:schemas-microsoft-com:office:powerpoint" xmlns:com="http://schemas.openxmlformats.org/drawingml/2006/compatibility" xmlns:p14="http://schemas.microsoft.com/office/powerpoint/2010/main" xmlns:p15="http://schemas.microsoft.com/office/powerpoint/2012/main" xmlns:ahyp="http://schemas.microsoft.com/office/drawing/2018/hyperlinkcolor" showMasterPhAnim="0" showMasterSp="0">
+<p:notes xmlns:a="http://schemas.openxmlformats.org/drawingml/2006/main" xmlns:r="http://schemas.openxmlformats.org/officeDocument/2006/relationships" xmlns:p="http://schemas.openxmlformats.org/presentationml/2006/main" showMasterSp="0" showMasterPhAnim="0">
   <p:cSld>
     <p:spTree>
       <p:nvGrpSpPr>
-        <p:cNvPr id="182" name="Shape 182"/>
+        <p:cNvPr id="1" name="Shape 182"/>
         <p:cNvGrpSpPr/>
         <p:nvPr/>
       </p:nvGrpSpPr>
@@ -2015,9 +2124,11 @@
       <p:sp>
         <p:nvSpPr>
           <p:cNvPr id="183" name="Google Shape;183;g89492d40a3_0_30:notes"/>
-          <p:cNvSpPr/>
-          <p:nvPr>
-            <p:ph idx="2" type="sldImg"/>
+          <p:cNvSpPr>
+            <a:spLocks noGrp="1" noRot="1" noChangeAspect="1"/>
+          </p:cNvSpPr>
+          <p:nvPr>
+            <p:ph type="sldImg" idx="2"/>
           </p:nvPr>
         </p:nvSpPr>
         <p:spPr>
@@ -2026,9 +2137,13 @@
             <a:ext cx="6096000" cy="3429000"/>
           </a:xfrm>
           <a:custGeom>
-            <a:rect b="b" l="l" r="r" t="t"/>
+            <a:avLst/>
+            <a:gdLst/>
+            <a:ahLst/>
+            <a:cxnLst/>
+            <a:rect l="l" t="t" r="r" b="b"/>
             <a:pathLst>
-              <a:path extrusionOk="0" h="120000" w="120000">
+              <a:path w="120000" h="120000" extrusionOk="0">
                 <a:moveTo>
                   <a:pt x="0" y="0"/>
                 </a:moveTo>
@@ -2050,9 +2165,11 @@
       <p:sp>
         <p:nvSpPr>
           <p:cNvPr id="184" name="Google Shape;184;g89492d40a3_0_30:notes"/>
-          <p:cNvSpPr txBox="1"/>
-          <p:nvPr>
-            <p:ph idx="1" type="body"/>
+          <p:cNvSpPr txBox="1">
+            <a:spLocks noGrp="1"/>
+          </p:cNvSpPr>
+          <p:nvPr>
+            <p:ph type="body" idx="1"/>
           </p:nvPr>
         </p:nvSpPr>
         <p:spPr>
@@ -2065,23 +2182,20 @@
           </a:prstGeom>
         </p:spPr>
         <p:txBody>
-          <a:bodyPr anchorCtr="0" anchor="t" bIns="91425" lIns="91425" spcFirstLastPara="1" rIns="91425" wrap="square" tIns="91425">
+          <a:bodyPr spcFirstLastPara="1" wrap="square" lIns="91425" tIns="91425" rIns="91425" bIns="91425" anchor="t" anchorCtr="0">
             <a:noAutofit/>
           </a:bodyPr>
           <a:lstStyle/>
           <a:p>
-            <a:pPr indent="0" lvl="0" marL="0" rtl="0" algn="l">
-              <a:spcBef>
-                <a:spcPts val="0"/>
-              </a:spcBef>
-              <a:spcAft>
-                <a:spcPts val="0"/>
-              </a:spcAft>
-              <a:buNone/>
-            </a:pPr>
-            <a:r>
-              <a:t/>
-            </a:r>
+            <a:pPr marL="0" lvl="0" indent="0" algn="l" rtl="0">
+              <a:spcBef>
+                <a:spcPts val="0"/>
+              </a:spcBef>
+              <a:spcAft>
+                <a:spcPts val="0"/>
+              </a:spcAft>
+              <a:buNone/>
+            </a:pPr>
             <a:endParaRPr/>
           </a:p>
         </p:txBody>
@@ -2095,11 +2209,11 @@
 </file>
 
 <file path=ppt/notesSlides/notesSlide22.xml><?xml version="1.0" encoding="utf-8"?>
-<p:notes xmlns:a="http://schemas.openxmlformats.org/drawingml/2006/main" xmlns:r="http://schemas.openxmlformats.org/officeDocument/2006/relationships" xmlns:mc="http://schemas.openxmlformats.org/markup-compatibility/2006" xmlns:mv="urn:schemas-microsoft-com:mac:vml" xmlns:p="http://schemas.openxmlformats.org/presentationml/2006/main" xmlns:c="http://schemas.openxmlformats.org/drawingml/2006/chart" xmlns:dgm="http://schemas.openxmlformats.org/drawingml/2006/diagram" xmlns:o="urn:schemas-microsoft-com:office:office" xmlns:v="urn:schemas-microsoft-com:vml" xmlns:pvml="urn:schemas-microsoft-com:office:powerpoint" xmlns:com="http://schemas.openxmlformats.org/drawingml/2006/compatibility" xmlns:p14="http://schemas.microsoft.com/office/powerpoint/2010/main" xmlns:p15="http://schemas.microsoft.com/office/powerpoint/2012/main" xmlns:ahyp="http://schemas.microsoft.com/office/drawing/2018/hyperlinkcolor" showMasterPhAnim="0" showMasterSp="0">
+<p:notes xmlns:a="http://schemas.openxmlformats.org/drawingml/2006/main" xmlns:r="http://schemas.openxmlformats.org/officeDocument/2006/relationships" xmlns:p="http://schemas.openxmlformats.org/presentationml/2006/main" showMasterSp="0" showMasterPhAnim="0">
   <p:cSld>
     <p:spTree>
       <p:nvGrpSpPr>
-        <p:cNvPr id="188" name="Shape 188"/>
+        <p:cNvPr id="1" name="Shape 188"/>
         <p:cNvGrpSpPr/>
         <p:nvPr/>
       </p:nvGrpSpPr>
@@ -2114,9 +2228,11 @@
       <p:sp>
         <p:nvSpPr>
           <p:cNvPr id="189" name="Google Shape;189;g89492d40a3_0_35:notes"/>
-          <p:cNvSpPr/>
-          <p:nvPr>
-            <p:ph idx="2" type="sldImg"/>
+          <p:cNvSpPr>
+            <a:spLocks noGrp="1" noRot="1" noChangeAspect="1"/>
+          </p:cNvSpPr>
+          <p:nvPr>
+            <p:ph type="sldImg" idx="2"/>
           </p:nvPr>
         </p:nvSpPr>
         <p:spPr>
@@ -2125,9 +2241,13 @@
             <a:ext cx="6096000" cy="3429000"/>
           </a:xfrm>
           <a:custGeom>
-            <a:rect b="b" l="l" r="r" t="t"/>
+            <a:avLst/>
+            <a:gdLst/>
+            <a:ahLst/>
+            <a:cxnLst/>
+            <a:rect l="l" t="t" r="r" b="b"/>
             <a:pathLst>
-              <a:path extrusionOk="0" h="120000" w="120000">
+              <a:path w="120000" h="120000" extrusionOk="0">
                 <a:moveTo>
                   <a:pt x="0" y="0"/>
                 </a:moveTo>
@@ -2149,9 +2269,11 @@
       <p:sp>
         <p:nvSpPr>
           <p:cNvPr id="190" name="Google Shape;190;g89492d40a3_0_35:notes"/>
-          <p:cNvSpPr txBox="1"/>
-          <p:nvPr>
-            <p:ph idx="1" type="body"/>
+          <p:cNvSpPr txBox="1">
+            <a:spLocks noGrp="1"/>
+          </p:cNvSpPr>
+          <p:nvPr>
+            <p:ph type="body" idx="1"/>
           </p:nvPr>
         </p:nvSpPr>
         <p:spPr>
@@ -2164,23 +2286,20 @@
           </a:prstGeom>
         </p:spPr>
         <p:txBody>
-          <a:bodyPr anchorCtr="0" anchor="t" bIns="91425" lIns="91425" spcFirstLastPara="1" rIns="91425" wrap="square" tIns="91425">
+          <a:bodyPr spcFirstLastPara="1" wrap="square" lIns="91425" tIns="91425" rIns="91425" bIns="91425" anchor="t" anchorCtr="0">
             <a:noAutofit/>
           </a:bodyPr>
           <a:lstStyle/>
           <a:p>
-            <a:pPr indent="0" lvl="0" marL="0" rtl="0" algn="l">
-              <a:spcBef>
-                <a:spcPts val="0"/>
-              </a:spcBef>
-              <a:spcAft>
-                <a:spcPts val="0"/>
-              </a:spcAft>
-              <a:buNone/>
-            </a:pPr>
-            <a:r>
-              <a:t/>
-            </a:r>
+            <a:pPr marL="0" lvl="0" indent="0" algn="l" rtl="0">
+              <a:spcBef>
+                <a:spcPts val="0"/>
+              </a:spcBef>
+              <a:spcAft>
+                <a:spcPts val="0"/>
+              </a:spcAft>
+              <a:buNone/>
+            </a:pPr>
             <a:endParaRPr/>
           </a:p>
         </p:txBody>
@@ -2194,11 +2313,11 @@
 </file>
 
 <file path=ppt/notesSlides/notesSlide23.xml><?xml version="1.0" encoding="utf-8"?>
-<p:notes xmlns:a="http://schemas.openxmlformats.org/drawingml/2006/main" xmlns:r="http://schemas.openxmlformats.org/officeDocument/2006/relationships" xmlns:mc="http://schemas.openxmlformats.org/markup-compatibility/2006" xmlns:mv="urn:schemas-microsoft-com:mac:vml" xmlns:p="http://schemas.openxmlformats.org/presentationml/2006/main" xmlns:c="http://schemas.openxmlformats.org/drawingml/2006/chart" xmlns:dgm="http://schemas.openxmlformats.org/drawingml/2006/diagram" xmlns:o="urn:schemas-microsoft-com:office:office" xmlns:v="urn:schemas-microsoft-com:vml" xmlns:pvml="urn:schemas-microsoft-com:office:powerpoint" xmlns:com="http://schemas.openxmlformats.org/drawingml/2006/compatibility" xmlns:p14="http://schemas.microsoft.com/office/powerpoint/2010/main" xmlns:p15="http://schemas.microsoft.com/office/powerpoint/2012/main" xmlns:ahyp="http://schemas.microsoft.com/office/drawing/2018/hyperlinkcolor" showMasterPhAnim="0" showMasterSp="0">
+<p:notes xmlns:a="http://schemas.openxmlformats.org/drawingml/2006/main" xmlns:r="http://schemas.openxmlformats.org/officeDocument/2006/relationships" xmlns:p="http://schemas.openxmlformats.org/presentationml/2006/main" showMasterSp="0" showMasterPhAnim="0">
   <p:cSld>
     <p:spTree>
       <p:nvGrpSpPr>
-        <p:cNvPr id="194" name="Shape 194"/>
+        <p:cNvPr id="1" name="Shape 194"/>
         <p:cNvGrpSpPr/>
         <p:nvPr/>
       </p:nvGrpSpPr>
@@ -2213,9 +2332,11 @@
       <p:sp>
         <p:nvSpPr>
           <p:cNvPr id="195" name="Google Shape;195;g89492d40a3_0_40:notes"/>
-          <p:cNvSpPr/>
-          <p:nvPr>
-            <p:ph idx="2" type="sldImg"/>
+          <p:cNvSpPr>
+            <a:spLocks noGrp="1" noRot="1" noChangeAspect="1"/>
+          </p:cNvSpPr>
+          <p:nvPr>
+            <p:ph type="sldImg" idx="2"/>
           </p:nvPr>
         </p:nvSpPr>
         <p:spPr>
@@ -2224,9 +2345,13 @@
             <a:ext cx="6096000" cy="3429000"/>
           </a:xfrm>
           <a:custGeom>
-            <a:rect b="b" l="l" r="r" t="t"/>
+            <a:avLst/>
+            <a:gdLst/>
+            <a:ahLst/>
+            <a:cxnLst/>
+            <a:rect l="l" t="t" r="r" b="b"/>
             <a:pathLst>
-              <a:path extrusionOk="0" h="120000" w="120000">
+              <a:path w="120000" h="120000" extrusionOk="0">
                 <a:moveTo>
                   <a:pt x="0" y="0"/>
                 </a:moveTo>
@@ -2248,9 +2373,11 @@
       <p:sp>
         <p:nvSpPr>
           <p:cNvPr id="196" name="Google Shape;196;g89492d40a3_0_40:notes"/>
-          <p:cNvSpPr txBox="1"/>
-          <p:nvPr>
-            <p:ph idx="1" type="body"/>
+          <p:cNvSpPr txBox="1">
+            <a:spLocks noGrp="1"/>
+          </p:cNvSpPr>
+          <p:nvPr>
+            <p:ph type="body" idx="1"/>
           </p:nvPr>
         </p:nvSpPr>
         <p:spPr>
@@ -2263,23 +2390,20 @@
           </a:prstGeom>
         </p:spPr>
         <p:txBody>
-          <a:bodyPr anchorCtr="0" anchor="t" bIns="91425" lIns="91425" spcFirstLastPara="1" rIns="91425" wrap="square" tIns="91425">
+          <a:bodyPr spcFirstLastPara="1" wrap="square" lIns="91425" tIns="91425" rIns="91425" bIns="91425" anchor="t" anchorCtr="0">
             <a:noAutofit/>
           </a:bodyPr>
           <a:lstStyle/>
           <a:p>
-            <a:pPr indent="0" lvl="0" marL="0" rtl="0" algn="l">
-              <a:spcBef>
-                <a:spcPts val="0"/>
-              </a:spcBef>
-              <a:spcAft>
-                <a:spcPts val="0"/>
-              </a:spcAft>
-              <a:buNone/>
-            </a:pPr>
-            <a:r>
-              <a:t/>
-            </a:r>
+            <a:pPr marL="0" lvl="0" indent="0" algn="l" rtl="0">
+              <a:spcBef>
+                <a:spcPts val="0"/>
+              </a:spcBef>
+              <a:spcAft>
+                <a:spcPts val="0"/>
+              </a:spcAft>
+              <a:buNone/>
+            </a:pPr>
             <a:endParaRPr/>
           </a:p>
         </p:txBody>
@@ -2293,11 +2417,11 @@
 </file>
 
 <file path=ppt/notesSlides/notesSlide3.xml><?xml version="1.0" encoding="utf-8"?>
-<p:notes xmlns:a="http://schemas.openxmlformats.org/drawingml/2006/main" xmlns:r="http://schemas.openxmlformats.org/officeDocument/2006/relationships" xmlns:mc="http://schemas.openxmlformats.org/markup-compatibility/2006" xmlns:mv="urn:schemas-microsoft-com:mac:vml" xmlns:p="http://schemas.openxmlformats.org/presentationml/2006/main" xmlns:c="http://schemas.openxmlformats.org/drawingml/2006/chart" xmlns:dgm="http://schemas.openxmlformats.org/drawingml/2006/diagram" xmlns:o="urn:schemas-microsoft-com:office:office" xmlns:v="urn:schemas-microsoft-com:vml" xmlns:pvml="urn:schemas-microsoft-com:office:powerpoint" xmlns:com="http://schemas.openxmlformats.org/drawingml/2006/compatibility" xmlns:p14="http://schemas.microsoft.com/office/powerpoint/2010/main" xmlns:p15="http://schemas.microsoft.com/office/powerpoint/2012/main" xmlns:ahyp="http://schemas.microsoft.com/office/drawing/2018/hyperlinkcolor" showMasterPhAnim="0" showMasterSp="0">
+<p:notes xmlns:a="http://schemas.openxmlformats.org/drawingml/2006/main" xmlns:r="http://schemas.openxmlformats.org/officeDocument/2006/relationships" xmlns:p="http://schemas.openxmlformats.org/presentationml/2006/main" showMasterSp="0" showMasterPhAnim="0">
   <p:cSld>
     <p:spTree>
       <p:nvGrpSpPr>
-        <p:cNvPr id="62" name="Shape 62"/>
+        <p:cNvPr id="1" name="Shape 62"/>
         <p:cNvGrpSpPr/>
         <p:nvPr/>
       </p:nvGrpSpPr>
@@ -2312,9 +2436,11 @@
       <p:sp>
         <p:nvSpPr>
           <p:cNvPr id="63" name="Google Shape;63;g8ad9a179f2_0_5:notes"/>
-          <p:cNvSpPr/>
-          <p:nvPr>
-            <p:ph idx="2" type="sldImg"/>
+          <p:cNvSpPr>
+            <a:spLocks noGrp="1" noRot="1" noChangeAspect="1"/>
+          </p:cNvSpPr>
+          <p:nvPr>
+            <p:ph type="sldImg" idx="2"/>
           </p:nvPr>
         </p:nvSpPr>
         <p:spPr>
@@ -2323,9 +2449,13 @@
             <a:ext cx="6096000" cy="3429000"/>
           </a:xfrm>
           <a:custGeom>
-            <a:rect b="b" l="l" r="r" t="t"/>
+            <a:avLst/>
+            <a:gdLst/>
+            <a:ahLst/>
+            <a:cxnLst/>
+            <a:rect l="l" t="t" r="r" b="b"/>
             <a:pathLst>
-              <a:path extrusionOk="0" h="120000" w="120000">
+              <a:path w="120000" h="120000" extrusionOk="0">
                 <a:moveTo>
                   <a:pt x="0" y="0"/>
                 </a:moveTo>
@@ -2347,9 +2477,11 @@
       <p:sp>
         <p:nvSpPr>
           <p:cNvPr id="64" name="Google Shape;64;g8ad9a179f2_0_5:notes"/>
-          <p:cNvSpPr txBox="1"/>
-          <p:nvPr>
-            <p:ph idx="1" type="body"/>
+          <p:cNvSpPr txBox="1">
+            <a:spLocks noGrp="1"/>
+          </p:cNvSpPr>
+          <p:nvPr>
+            <p:ph type="body" idx="1"/>
           </p:nvPr>
         </p:nvSpPr>
         <p:spPr>
@@ -2362,23 +2494,20 @@
           </a:prstGeom>
         </p:spPr>
         <p:txBody>
-          <a:bodyPr anchorCtr="0" anchor="t" bIns="91425" lIns="91425" spcFirstLastPara="1" rIns="91425" wrap="square" tIns="91425">
+          <a:bodyPr spcFirstLastPara="1" wrap="square" lIns="91425" tIns="91425" rIns="91425" bIns="91425" anchor="t" anchorCtr="0">
             <a:noAutofit/>
           </a:bodyPr>
           <a:lstStyle/>
           <a:p>
-            <a:pPr indent="0" lvl="0" marL="0" rtl="0" algn="l">
-              <a:spcBef>
-                <a:spcPts val="0"/>
-              </a:spcBef>
-              <a:spcAft>
-                <a:spcPts val="0"/>
-              </a:spcAft>
-              <a:buNone/>
-            </a:pPr>
-            <a:r>
-              <a:t/>
-            </a:r>
+            <a:pPr marL="0" lvl="0" indent="0" algn="l" rtl="0">
+              <a:spcBef>
+                <a:spcPts val="0"/>
+              </a:spcBef>
+              <a:spcAft>
+                <a:spcPts val="0"/>
+              </a:spcAft>
+              <a:buNone/>
+            </a:pPr>
             <a:endParaRPr/>
           </a:p>
         </p:txBody>
@@ -2392,11 +2521,11 @@
 </file>
 
 <file path=ppt/notesSlides/notesSlide4.xml><?xml version="1.0" encoding="utf-8"?>
-<p:notes xmlns:a="http://schemas.openxmlformats.org/drawingml/2006/main" xmlns:r="http://schemas.openxmlformats.org/officeDocument/2006/relationships" xmlns:mc="http://schemas.openxmlformats.org/markup-compatibility/2006" xmlns:mv="urn:schemas-microsoft-com:mac:vml" xmlns:p="http://schemas.openxmlformats.org/presentationml/2006/main" xmlns:c="http://schemas.openxmlformats.org/drawingml/2006/chart" xmlns:dgm="http://schemas.openxmlformats.org/drawingml/2006/diagram" xmlns:o="urn:schemas-microsoft-com:office:office" xmlns:v="urn:schemas-microsoft-com:vml" xmlns:pvml="urn:schemas-microsoft-com:office:powerpoint" xmlns:com="http://schemas.openxmlformats.org/drawingml/2006/compatibility" xmlns:p14="http://schemas.microsoft.com/office/powerpoint/2010/main" xmlns:p15="http://schemas.microsoft.com/office/powerpoint/2012/main" xmlns:ahyp="http://schemas.microsoft.com/office/drawing/2018/hyperlinkcolor" showMasterPhAnim="0" showMasterSp="0">
+<p:notes xmlns:a="http://schemas.openxmlformats.org/drawingml/2006/main" xmlns:r="http://schemas.openxmlformats.org/officeDocument/2006/relationships" xmlns:p="http://schemas.openxmlformats.org/presentationml/2006/main" showMasterSp="0" showMasterPhAnim="0">
   <p:cSld>
     <p:spTree>
       <p:nvGrpSpPr>
-        <p:cNvPr id="68" name="Shape 68"/>
+        <p:cNvPr id="1" name="Shape 68"/>
         <p:cNvGrpSpPr/>
         <p:nvPr/>
       </p:nvGrpSpPr>
@@ -2411,9 +2540,11 @@
       <p:sp>
         <p:nvSpPr>
           <p:cNvPr id="69" name="Google Shape;69;g894421b6d4_0_5:notes"/>
-          <p:cNvSpPr/>
-          <p:nvPr>
-            <p:ph idx="2" type="sldImg"/>
+          <p:cNvSpPr>
+            <a:spLocks noGrp="1" noRot="1" noChangeAspect="1"/>
+          </p:cNvSpPr>
+          <p:nvPr>
+            <p:ph type="sldImg" idx="2"/>
           </p:nvPr>
         </p:nvSpPr>
         <p:spPr>
@@ -2422,9 +2553,13 @@
             <a:ext cx="6096000" cy="3429000"/>
           </a:xfrm>
           <a:custGeom>
-            <a:rect b="b" l="l" r="r" t="t"/>
+            <a:avLst/>
+            <a:gdLst/>
+            <a:ahLst/>
+            <a:cxnLst/>
+            <a:rect l="l" t="t" r="r" b="b"/>
             <a:pathLst>
-              <a:path extrusionOk="0" h="120000" w="120000">
+              <a:path w="120000" h="120000" extrusionOk="0">
                 <a:moveTo>
                   <a:pt x="0" y="0"/>
                 </a:moveTo>
@@ -2446,9 +2581,11 @@
       <p:sp>
         <p:nvSpPr>
           <p:cNvPr id="70" name="Google Shape;70;g894421b6d4_0_5:notes"/>
-          <p:cNvSpPr txBox="1"/>
-          <p:nvPr>
-            <p:ph idx="1" type="body"/>
+          <p:cNvSpPr txBox="1">
+            <a:spLocks noGrp="1"/>
+          </p:cNvSpPr>
+          <p:nvPr>
+            <p:ph type="body" idx="1"/>
           </p:nvPr>
         </p:nvSpPr>
         <p:spPr>
@@ -2461,23 +2598,20 @@
           </a:prstGeom>
         </p:spPr>
         <p:txBody>
-          <a:bodyPr anchorCtr="0" anchor="t" bIns="91425" lIns="91425" spcFirstLastPara="1" rIns="91425" wrap="square" tIns="91425">
+          <a:bodyPr spcFirstLastPara="1" wrap="square" lIns="91425" tIns="91425" rIns="91425" bIns="91425" anchor="t" anchorCtr="0">
             <a:noAutofit/>
           </a:bodyPr>
           <a:lstStyle/>
           <a:p>
-            <a:pPr indent="0" lvl="0" marL="0" rtl="0" algn="l">
-              <a:spcBef>
-                <a:spcPts val="0"/>
-              </a:spcBef>
-              <a:spcAft>
-                <a:spcPts val="0"/>
-              </a:spcAft>
-              <a:buNone/>
-            </a:pPr>
-            <a:r>
-              <a:t/>
-            </a:r>
+            <a:pPr marL="0" lvl="0" indent="0" algn="l" rtl="0">
+              <a:spcBef>
+                <a:spcPts val="0"/>
+              </a:spcBef>
+              <a:spcAft>
+                <a:spcPts val="0"/>
+              </a:spcAft>
+              <a:buNone/>
+            </a:pPr>
             <a:endParaRPr/>
           </a:p>
         </p:txBody>
@@ -2491,11 +2625,11 @@
 </file>
 
 <file path=ppt/notesSlides/notesSlide5.xml><?xml version="1.0" encoding="utf-8"?>
-<p:notes xmlns:a="http://schemas.openxmlformats.org/drawingml/2006/main" xmlns:r="http://schemas.openxmlformats.org/officeDocument/2006/relationships" xmlns:mc="http://schemas.openxmlformats.org/markup-compatibility/2006" xmlns:mv="urn:schemas-microsoft-com:mac:vml" xmlns:p="http://schemas.openxmlformats.org/presentationml/2006/main" xmlns:c="http://schemas.openxmlformats.org/drawingml/2006/chart" xmlns:dgm="http://schemas.openxmlformats.org/drawingml/2006/diagram" xmlns:o="urn:schemas-microsoft-com:office:office" xmlns:v="urn:schemas-microsoft-com:vml" xmlns:pvml="urn:schemas-microsoft-com:office:powerpoint" xmlns:com="http://schemas.openxmlformats.org/drawingml/2006/compatibility" xmlns:p14="http://schemas.microsoft.com/office/powerpoint/2010/main" xmlns:p15="http://schemas.microsoft.com/office/powerpoint/2012/main" xmlns:ahyp="http://schemas.microsoft.com/office/drawing/2018/hyperlinkcolor" showMasterPhAnim="0" showMasterSp="0">
+<p:notes xmlns:a="http://schemas.openxmlformats.org/drawingml/2006/main" xmlns:r="http://schemas.openxmlformats.org/officeDocument/2006/relationships" xmlns:p="http://schemas.openxmlformats.org/presentationml/2006/main" showMasterSp="0" showMasterPhAnim="0">
   <p:cSld>
     <p:spTree>
       <p:nvGrpSpPr>
-        <p:cNvPr id="74" name="Shape 74"/>
+        <p:cNvPr id="1" name="Shape 74"/>
         <p:cNvGrpSpPr/>
         <p:nvPr/>
       </p:nvGrpSpPr>
@@ -2510,9 +2644,11 @@
       <p:sp>
         <p:nvSpPr>
           <p:cNvPr id="75" name="Google Shape;75;g894421b6d4_0_10:notes"/>
-          <p:cNvSpPr/>
-          <p:nvPr>
-            <p:ph idx="2" type="sldImg"/>
+          <p:cNvSpPr>
+            <a:spLocks noGrp="1" noRot="1" noChangeAspect="1"/>
+          </p:cNvSpPr>
+          <p:nvPr>
+            <p:ph type="sldImg" idx="2"/>
           </p:nvPr>
         </p:nvSpPr>
         <p:spPr>
@@ -2521,9 +2657,13 @@
             <a:ext cx="6096000" cy="3429000"/>
           </a:xfrm>
           <a:custGeom>
-            <a:rect b="b" l="l" r="r" t="t"/>
+            <a:avLst/>
+            <a:gdLst/>
+            <a:ahLst/>
+            <a:cxnLst/>
+            <a:rect l="l" t="t" r="r" b="b"/>
             <a:pathLst>
-              <a:path extrusionOk="0" h="120000" w="120000">
+              <a:path w="120000" h="120000" extrusionOk="0">
                 <a:moveTo>
                   <a:pt x="0" y="0"/>
                 </a:moveTo>
@@ -2545,9 +2685,11 @@
       <p:sp>
         <p:nvSpPr>
           <p:cNvPr id="76" name="Google Shape;76;g894421b6d4_0_10:notes"/>
-          <p:cNvSpPr txBox="1"/>
-          <p:nvPr>
-            <p:ph idx="1" type="body"/>
+          <p:cNvSpPr txBox="1">
+            <a:spLocks noGrp="1"/>
+          </p:cNvSpPr>
+          <p:nvPr>
+            <p:ph type="body" idx="1"/>
           </p:nvPr>
         </p:nvSpPr>
         <p:spPr>
@@ -2560,23 +2702,20 @@
           </a:prstGeom>
         </p:spPr>
         <p:txBody>
-          <a:bodyPr anchorCtr="0" anchor="t" bIns="91425" lIns="91425" spcFirstLastPara="1" rIns="91425" wrap="square" tIns="91425">
+          <a:bodyPr spcFirstLastPara="1" wrap="square" lIns="91425" tIns="91425" rIns="91425" bIns="91425" anchor="t" anchorCtr="0">
             <a:noAutofit/>
           </a:bodyPr>
           <a:lstStyle/>
           <a:p>
-            <a:pPr indent="0" lvl="0" marL="0" rtl="0" algn="l">
-              <a:spcBef>
-                <a:spcPts val="0"/>
-              </a:spcBef>
-              <a:spcAft>
-                <a:spcPts val="0"/>
-              </a:spcAft>
-              <a:buNone/>
-            </a:pPr>
-            <a:r>
-              <a:t/>
-            </a:r>
+            <a:pPr marL="0" lvl="0" indent="0" algn="l" rtl="0">
+              <a:spcBef>
+                <a:spcPts val="0"/>
+              </a:spcBef>
+              <a:spcAft>
+                <a:spcPts val="0"/>
+              </a:spcAft>
+              <a:buNone/>
+            </a:pPr>
             <a:endParaRPr/>
           </a:p>
         </p:txBody>
@@ -2590,11 +2729,11 @@
 </file>
 
 <file path=ppt/notesSlides/notesSlide6.xml><?xml version="1.0" encoding="utf-8"?>
-<p:notes xmlns:a="http://schemas.openxmlformats.org/drawingml/2006/main" xmlns:r="http://schemas.openxmlformats.org/officeDocument/2006/relationships" xmlns:mc="http://schemas.openxmlformats.org/markup-compatibility/2006" xmlns:mv="urn:schemas-microsoft-com:mac:vml" xmlns:p="http://schemas.openxmlformats.org/presentationml/2006/main" xmlns:c="http://schemas.openxmlformats.org/drawingml/2006/chart" xmlns:dgm="http://schemas.openxmlformats.org/drawingml/2006/diagram" xmlns:o="urn:schemas-microsoft-com:office:office" xmlns:v="urn:schemas-microsoft-com:vml" xmlns:pvml="urn:schemas-microsoft-com:office:powerpoint" xmlns:com="http://schemas.openxmlformats.org/drawingml/2006/compatibility" xmlns:p14="http://schemas.microsoft.com/office/powerpoint/2010/main" xmlns:p15="http://schemas.microsoft.com/office/powerpoint/2012/main" xmlns:ahyp="http://schemas.microsoft.com/office/drawing/2018/hyperlinkcolor" showMasterPhAnim="0" showMasterSp="0">
+<p:notes xmlns:a="http://schemas.openxmlformats.org/drawingml/2006/main" xmlns:r="http://schemas.openxmlformats.org/officeDocument/2006/relationships" xmlns:p="http://schemas.openxmlformats.org/presentationml/2006/main" showMasterSp="0" showMasterPhAnim="0">
   <p:cSld>
     <p:spTree>
       <p:nvGrpSpPr>
-        <p:cNvPr id="80" name="Shape 80"/>
+        <p:cNvPr id="1" name="Shape 80"/>
         <p:cNvGrpSpPr/>
         <p:nvPr/>
       </p:nvGrpSpPr>
@@ -2609,9 +2748,11 @@
       <p:sp>
         <p:nvSpPr>
           <p:cNvPr id="81" name="Google Shape;81;g894421b6d4_0_15:notes"/>
-          <p:cNvSpPr/>
-          <p:nvPr>
-            <p:ph idx="2" type="sldImg"/>
+          <p:cNvSpPr>
+            <a:spLocks noGrp="1" noRot="1" noChangeAspect="1"/>
+          </p:cNvSpPr>
+          <p:nvPr>
+            <p:ph type="sldImg" idx="2"/>
           </p:nvPr>
         </p:nvSpPr>
         <p:spPr>
@@ -2620,9 +2761,13 @@
             <a:ext cx="6096000" cy="3429000"/>
           </a:xfrm>
           <a:custGeom>
-            <a:rect b="b" l="l" r="r" t="t"/>
+            <a:avLst/>
+            <a:gdLst/>
+            <a:ahLst/>
+            <a:cxnLst/>
+            <a:rect l="l" t="t" r="r" b="b"/>
             <a:pathLst>
-              <a:path extrusionOk="0" h="120000" w="120000">
+              <a:path w="120000" h="120000" extrusionOk="0">
                 <a:moveTo>
                   <a:pt x="0" y="0"/>
                 </a:moveTo>
@@ -2644,9 +2789,11 @@
       <p:sp>
         <p:nvSpPr>
           <p:cNvPr id="82" name="Google Shape;82;g894421b6d4_0_15:notes"/>
-          <p:cNvSpPr txBox="1"/>
-          <p:nvPr>
-            <p:ph idx="1" type="body"/>
+          <p:cNvSpPr txBox="1">
+            <a:spLocks noGrp="1"/>
+          </p:cNvSpPr>
+          <p:nvPr>
+            <p:ph type="body" idx="1"/>
           </p:nvPr>
         </p:nvSpPr>
         <p:spPr>
@@ -2659,23 +2806,20 @@
           </a:prstGeom>
         </p:spPr>
         <p:txBody>
-          <a:bodyPr anchorCtr="0" anchor="t" bIns="91425" lIns="91425" spcFirstLastPara="1" rIns="91425" wrap="square" tIns="91425">
+          <a:bodyPr spcFirstLastPara="1" wrap="square" lIns="91425" tIns="91425" rIns="91425" bIns="91425" anchor="t" anchorCtr="0">
             <a:noAutofit/>
           </a:bodyPr>
           <a:lstStyle/>
           <a:p>
-            <a:pPr indent="0" lvl="0" marL="0" rtl="0" algn="l">
-              <a:spcBef>
-                <a:spcPts val="0"/>
-              </a:spcBef>
-              <a:spcAft>
-                <a:spcPts val="0"/>
-              </a:spcAft>
-              <a:buNone/>
-            </a:pPr>
-            <a:r>
-              <a:t/>
-            </a:r>
+            <a:pPr marL="0" lvl="0" indent="0" algn="l" rtl="0">
+              <a:spcBef>
+                <a:spcPts val="0"/>
+              </a:spcBef>
+              <a:spcAft>
+                <a:spcPts val="0"/>
+              </a:spcAft>
+              <a:buNone/>
+            </a:pPr>
             <a:endParaRPr/>
           </a:p>
         </p:txBody>
@@ -2689,11 +2833,11 @@
 </file>
 
 <file path=ppt/notesSlides/notesSlide7.xml><?xml version="1.0" encoding="utf-8"?>
-<p:notes xmlns:a="http://schemas.openxmlformats.org/drawingml/2006/main" xmlns:r="http://schemas.openxmlformats.org/officeDocument/2006/relationships" xmlns:mc="http://schemas.openxmlformats.org/markup-compatibility/2006" xmlns:mv="urn:schemas-microsoft-com:mac:vml" xmlns:p="http://schemas.openxmlformats.org/presentationml/2006/main" xmlns:c="http://schemas.openxmlformats.org/drawingml/2006/chart" xmlns:dgm="http://schemas.openxmlformats.org/drawingml/2006/diagram" xmlns:o="urn:schemas-microsoft-com:office:office" xmlns:v="urn:schemas-microsoft-com:vml" xmlns:pvml="urn:schemas-microsoft-com:office:powerpoint" xmlns:com="http://schemas.openxmlformats.org/drawingml/2006/compatibility" xmlns:p14="http://schemas.microsoft.com/office/powerpoint/2010/main" xmlns:p15="http://schemas.microsoft.com/office/powerpoint/2012/main" xmlns:ahyp="http://schemas.microsoft.com/office/drawing/2018/hyperlinkcolor" showMasterPhAnim="0" showMasterSp="0">
+<p:notes xmlns:a="http://schemas.openxmlformats.org/drawingml/2006/main" xmlns:r="http://schemas.openxmlformats.org/officeDocument/2006/relationships" xmlns:p="http://schemas.openxmlformats.org/presentationml/2006/main" showMasterSp="0" showMasterPhAnim="0">
   <p:cSld>
     <p:spTree>
       <p:nvGrpSpPr>
-        <p:cNvPr id="86" name="Shape 86"/>
+        <p:cNvPr id="1" name="Shape 86"/>
         <p:cNvGrpSpPr/>
         <p:nvPr/>
       </p:nvGrpSpPr>
@@ -2708,9 +2852,11 @@
       <p:sp>
         <p:nvSpPr>
           <p:cNvPr id="87" name="Google Shape;87;g894421b6d4_0_20:notes"/>
-          <p:cNvSpPr/>
-          <p:nvPr>
-            <p:ph idx="2" type="sldImg"/>
+          <p:cNvSpPr>
+            <a:spLocks noGrp="1" noRot="1" noChangeAspect="1"/>
+          </p:cNvSpPr>
+          <p:nvPr>
+            <p:ph type="sldImg" idx="2"/>
           </p:nvPr>
         </p:nvSpPr>
         <p:spPr>
@@ -2719,9 +2865,13 @@
             <a:ext cx="6096000" cy="3429000"/>
           </a:xfrm>
           <a:custGeom>
-            <a:rect b="b" l="l" r="r" t="t"/>
+            <a:avLst/>
+            <a:gdLst/>
+            <a:ahLst/>
+            <a:cxnLst/>
+            <a:rect l="l" t="t" r="r" b="b"/>
             <a:pathLst>
-              <a:path extrusionOk="0" h="120000" w="120000">
+              <a:path w="120000" h="120000" extrusionOk="0">
                 <a:moveTo>
                   <a:pt x="0" y="0"/>
                 </a:moveTo>
@@ -2743,9 +2893,11 @@
       <p:sp>
         <p:nvSpPr>
           <p:cNvPr id="88" name="Google Shape;88;g894421b6d4_0_20:notes"/>
-          <p:cNvSpPr txBox="1"/>
-          <p:nvPr>
-            <p:ph idx="1" type="body"/>
+          <p:cNvSpPr txBox="1">
+            <a:spLocks noGrp="1"/>
+          </p:cNvSpPr>
+          <p:nvPr>
+            <p:ph type="body" idx="1"/>
           </p:nvPr>
         </p:nvSpPr>
         <p:spPr>
@@ -2758,23 +2910,20 @@
           </a:prstGeom>
         </p:spPr>
         <p:txBody>
-          <a:bodyPr anchorCtr="0" anchor="t" bIns="91425" lIns="91425" spcFirstLastPara="1" rIns="91425" wrap="square" tIns="91425">
+          <a:bodyPr spcFirstLastPara="1" wrap="square" lIns="91425" tIns="91425" rIns="91425" bIns="91425" anchor="t" anchorCtr="0">
             <a:noAutofit/>
           </a:bodyPr>
           <a:lstStyle/>
           <a:p>
-            <a:pPr indent="0" lvl="0" marL="0" rtl="0" algn="l">
-              <a:spcBef>
-                <a:spcPts val="0"/>
-              </a:spcBef>
-              <a:spcAft>
-                <a:spcPts val="0"/>
-              </a:spcAft>
-              <a:buNone/>
-            </a:pPr>
-            <a:r>
-              <a:t/>
-            </a:r>
+            <a:pPr marL="0" lvl="0" indent="0" algn="l" rtl="0">
+              <a:spcBef>
+                <a:spcPts val="0"/>
+              </a:spcBef>
+              <a:spcAft>
+                <a:spcPts val="0"/>
+              </a:spcAft>
+              <a:buNone/>
+            </a:pPr>
             <a:endParaRPr/>
           </a:p>
         </p:txBody>
@@ -2788,11 +2937,11 @@
 </file>
 
 <file path=ppt/notesSlides/notesSlide8.xml><?xml version="1.0" encoding="utf-8"?>
-<p:notes xmlns:a="http://schemas.openxmlformats.org/drawingml/2006/main" xmlns:r="http://schemas.openxmlformats.org/officeDocument/2006/relationships" xmlns:mc="http://schemas.openxmlformats.org/markup-compatibility/2006" xmlns:mv="urn:schemas-microsoft-com:mac:vml" xmlns:p="http://schemas.openxmlformats.org/presentationml/2006/main" xmlns:c="http://schemas.openxmlformats.org/drawingml/2006/chart" xmlns:dgm="http://schemas.openxmlformats.org/drawingml/2006/diagram" xmlns:o="urn:schemas-microsoft-com:office:office" xmlns:v="urn:schemas-microsoft-com:vml" xmlns:pvml="urn:schemas-microsoft-com:office:powerpoint" xmlns:com="http://schemas.openxmlformats.org/drawingml/2006/compatibility" xmlns:p14="http://schemas.microsoft.com/office/powerpoint/2010/main" xmlns:p15="http://schemas.microsoft.com/office/powerpoint/2012/main" xmlns:ahyp="http://schemas.microsoft.com/office/drawing/2018/hyperlinkcolor" showMasterPhAnim="0" showMasterSp="0">
+<p:notes xmlns:a="http://schemas.openxmlformats.org/drawingml/2006/main" xmlns:r="http://schemas.openxmlformats.org/officeDocument/2006/relationships" xmlns:p="http://schemas.openxmlformats.org/presentationml/2006/main" showMasterSp="0" showMasterPhAnim="0">
   <p:cSld>
     <p:spTree>
       <p:nvGrpSpPr>
-        <p:cNvPr id="93" name="Shape 93"/>
+        <p:cNvPr id="1" name="Shape 93"/>
         <p:cNvGrpSpPr/>
         <p:nvPr/>
       </p:nvGrpSpPr>
@@ -2807,9 +2956,11 @@
       <p:sp>
         <p:nvSpPr>
           <p:cNvPr id="94" name="Google Shape;94;g894421b6d4_0_26:notes"/>
-          <p:cNvSpPr/>
-          <p:nvPr>
-            <p:ph idx="2" type="sldImg"/>
+          <p:cNvSpPr>
+            <a:spLocks noGrp="1" noRot="1" noChangeAspect="1"/>
+          </p:cNvSpPr>
+          <p:nvPr>
+            <p:ph type="sldImg" idx="2"/>
           </p:nvPr>
         </p:nvSpPr>
         <p:spPr>
@@ -2818,9 +2969,13 @@
             <a:ext cx="6096000" cy="3429000"/>
           </a:xfrm>
           <a:custGeom>
-            <a:rect b="b" l="l" r="r" t="t"/>
+            <a:avLst/>
+            <a:gdLst/>
+            <a:ahLst/>
+            <a:cxnLst/>
+            <a:rect l="l" t="t" r="r" b="b"/>
             <a:pathLst>
-              <a:path extrusionOk="0" h="120000" w="120000">
+              <a:path w="120000" h="120000" extrusionOk="0">
                 <a:moveTo>
                   <a:pt x="0" y="0"/>
                 </a:moveTo>
@@ -2842,9 +2997,11 @@
       <p:sp>
         <p:nvSpPr>
           <p:cNvPr id="95" name="Google Shape;95;g894421b6d4_0_26:notes"/>
-          <p:cNvSpPr txBox="1"/>
-          <p:nvPr>
-            <p:ph idx="1" type="body"/>
+          <p:cNvSpPr txBox="1">
+            <a:spLocks noGrp="1"/>
+          </p:cNvSpPr>
+          <p:nvPr>
+            <p:ph type="body" idx="1"/>
           </p:nvPr>
         </p:nvSpPr>
         <p:spPr>
@@ -2857,23 +3014,20 @@
           </a:prstGeom>
         </p:spPr>
         <p:txBody>
-          <a:bodyPr anchorCtr="0" anchor="t" bIns="91425" lIns="91425" spcFirstLastPara="1" rIns="91425" wrap="square" tIns="91425">
+          <a:bodyPr spcFirstLastPara="1" wrap="square" lIns="91425" tIns="91425" rIns="91425" bIns="91425" anchor="t" anchorCtr="0">
             <a:noAutofit/>
           </a:bodyPr>
           <a:lstStyle/>
           <a:p>
-            <a:pPr indent="0" lvl="0" marL="0" rtl="0" algn="l">
-              <a:spcBef>
-                <a:spcPts val="0"/>
-              </a:spcBef>
-              <a:spcAft>
-                <a:spcPts val="0"/>
-              </a:spcAft>
-              <a:buNone/>
-            </a:pPr>
-            <a:r>
-              <a:t/>
-            </a:r>
+            <a:pPr marL="0" lvl="0" indent="0" algn="l" rtl="0">
+              <a:spcBef>
+                <a:spcPts val="0"/>
+              </a:spcBef>
+              <a:spcAft>
+                <a:spcPts val="0"/>
+              </a:spcAft>
+              <a:buNone/>
+            </a:pPr>
             <a:endParaRPr/>
           </a:p>
         </p:txBody>
@@ -2887,11 +3041,11 @@
 </file>
 
 <file path=ppt/notesSlides/notesSlide9.xml><?xml version="1.0" encoding="utf-8"?>
-<p:notes xmlns:a="http://schemas.openxmlformats.org/drawingml/2006/main" xmlns:r="http://schemas.openxmlformats.org/officeDocument/2006/relationships" xmlns:mc="http://schemas.openxmlformats.org/markup-compatibility/2006" xmlns:mv="urn:schemas-microsoft-com:mac:vml" xmlns:p="http://schemas.openxmlformats.org/presentationml/2006/main" xmlns:c="http://schemas.openxmlformats.org/drawingml/2006/chart" xmlns:dgm="http://schemas.openxmlformats.org/drawingml/2006/diagram" xmlns:o="urn:schemas-microsoft-com:office:office" xmlns:v="urn:schemas-microsoft-com:vml" xmlns:pvml="urn:schemas-microsoft-com:office:powerpoint" xmlns:com="http://schemas.openxmlformats.org/drawingml/2006/compatibility" xmlns:p14="http://schemas.microsoft.com/office/powerpoint/2010/main" xmlns:p15="http://schemas.microsoft.com/office/powerpoint/2012/main" xmlns:ahyp="http://schemas.microsoft.com/office/drawing/2018/hyperlinkcolor" showMasterPhAnim="0" showMasterSp="0">
+<p:notes xmlns:a="http://schemas.openxmlformats.org/drawingml/2006/main" xmlns:r="http://schemas.openxmlformats.org/officeDocument/2006/relationships" xmlns:p="http://schemas.openxmlformats.org/presentationml/2006/main" showMasterSp="0" showMasterPhAnim="0">
   <p:cSld>
     <p:spTree>
       <p:nvGrpSpPr>
-        <p:cNvPr id="100" name="Shape 100"/>
+        <p:cNvPr id="1" name="Shape 100"/>
         <p:cNvGrpSpPr/>
         <p:nvPr/>
       </p:nvGrpSpPr>
@@ -2906,9 +3060,11 @@
       <p:sp>
         <p:nvSpPr>
           <p:cNvPr id="101" name="Google Shape;101;g894421b6d4_0_31:notes"/>
-          <p:cNvSpPr/>
-          <p:nvPr>
-            <p:ph idx="2" type="sldImg"/>
+          <p:cNvSpPr>
+            <a:spLocks noGrp="1" noRot="1" noChangeAspect="1"/>
+          </p:cNvSpPr>
+          <p:nvPr>
+            <p:ph type="sldImg" idx="2"/>
           </p:nvPr>
         </p:nvSpPr>
         <p:spPr>
@@ -2917,9 +3073,13 @@
             <a:ext cx="6096000" cy="3429000"/>
           </a:xfrm>
           <a:custGeom>
-            <a:rect b="b" l="l" r="r" t="t"/>
+            <a:avLst/>
+            <a:gdLst/>
+            <a:ahLst/>
+            <a:cxnLst/>
+            <a:rect l="l" t="t" r="r" b="b"/>
             <a:pathLst>
-              <a:path extrusionOk="0" h="120000" w="120000">
+              <a:path w="120000" h="120000" extrusionOk="0">
                 <a:moveTo>
                   <a:pt x="0" y="0"/>
                 </a:moveTo>
@@ -2941,9 +3101,11 @@
       <p:sp>
         <p:nvSpPr>
           <p:cNvPr id="102" name="Google Shape;102;g894421b6d4_0_31:notes"/>
-          <p:cNvSpPr txBox="1"/>
-          <p:nvPr>
-            <p:ph idx="1" type="body"/>
+          <p:cNvSpPr txBox="1">
+            <a:spLocks noGrp="1"/>
+          </p:cNvSpPr>
+          <p:nvPr>
+            <p:ph type="body" idx="1"/>
           </p:nvPr>
         </p:nvSpPr>
         <p:spPr>
@@ -2956,23 +3118,20 @@
           </a:prstGeom>
         </p:spPr>
         <p:txBody>
-          <a:bodyPr anchorCtr="0" anchor="t" bIns="91425" lIns="91425" spcFirstLastPara="1" rIns="91425" wrap="square" tIns="91425">
+          <a:bodyPr spcFirstLastPara="1" wrap="square" lIns="91425" tIns="91425" rIns="91425" bIns="91425" anchor="t" anchorCtr="0">
             <a:noAutofit/>
           </a:bodyPr>
           <a:lstStyle/>
           <a:p>
-            <a:pPr indent="0" lvl="0" marL="0" rtl="0" algn="l">
-              <a:spcBef>
-                <a:spcPts val="0"/>
-              </a:spcBef>
-              <a:spcAft>
-                <a:spcPts val="0"/>
-              </a:spcAft>
-              <a:buNone/>
-            </a:pPr>
-            <a:r>
-              <a:t/>
-            </a:r>
+            <a:pPr marL="0" lvl="0" indent="0" algn="l" rtl="0">
+              <a:spcBef>
+                <a:spcPts val="0"/>
+              </a:spcBef>
+              <a:spcAft>
+                <a:spcPts val="0"/>
+              </a:spcAft>
+              <a:buNone/>
+            </a:pPr>
             <a:endParaRPr/>
           </a:p>
         </p:txBody>
@@ -2986,11 +3145,11 @@
 </file>
 
 <file path=ppt/slideLayouts/slideLayout1.xml><?xml version="1.0" encoding="utf-8"?>
-<p:sldLayout xmlns:a="http://schemas.openxmlformats.org/drawingml/2006/main" xmlns:r="http://schemas.openxmlformats.org/officeDocument/2006/relationships" xmlns:mc="http://schemas.openxmlformats.org/markup-compatibility/2006" xmlns:mv="urn:schemas-microsoft-com:mac:vml" xmlns:p="http://schemas.openxmlformats.org/presentationml/2006/main" xmlns:c="http://schemas.openxmlformats.org/drawingml/2006/chart" xmlns:dgm="http://schemas.openxmlformats.org/drawingml/2006/diagram" xmlns:o="urn:schemas-microsoft-com:office:office" xmlns:v="urn:schemas-microsoft-com:vml" xmlns:pvml="urn:schemas-microsoft-com:office:powerpoint" xmlns:com="http://schemas.openxmlformats.org/drawingml/2006/compatibility" xmlns:p14="http://schemas.microsoft.com/office/powerpoint/2010/main" xmlns:p15="http://schemas.microsoft.com/office/powerpoint/2012/main" xmlns:ahyp="http://schemas.microsoft.com/office/drawing/2018/hyperlinkcolor" matchingName="Title slide" type="title">
+<p:sldLayout xmlns:a="http://schemas.openxmlformats.org/drawingml/2006/main" xmlns:r="http://schemas.openxmlformats.org/officeDocument/2006/relationships" xmlns:p="http://schemas.openxmlformats.org/presentationml/2006/main" matchingName="Title slide" type="title">
   <p:cSld name="TITLE">
     <p:spTree>
       <p:nvGrpSpPr>
-        <p:cNvPr id="9" name="Shape 9"/>
+        <p:cNvPr id="1" name="Shape 9"/>
         <p:cNvGrpSpPr/>
         <p:nvPr/>
       </p:nvGrpSpPr>
@@ -3005,7 +3164,9 @@
       <p:sp>
         <p:nvSpPr>
           <p:cNvPr id="10" name="Google Shape;10;p2"/>
-          <p:cNvSpPr txBox="1"/>
+          <p:cNvSpPr txBox="1">
+            <a:spLocks noGrp="1"/>
+          </p:cNvSpPr>
           <p:nvPr>
             <p:ph type="ctrTitle"/>
           </p:nvPr>
@@ -3020,7 +3181,7 @@
           </a:prstGeom>
         </p:spPr>
         <p:txBody>
-          <a:bodyPr anchorCtr="0" anchor="b" bIns="91425" lIns="91425" spcFirstLastPara="1" rIns="91425" wrap="square" tIns="91425">
+          <a:bodyPr spcFirstLastPara="1" wrap="square" lIns="91425" tIns="91425" rIns="91425" bIns="91425" anchor="b" anchorCtr="0">
             <a:noAutofit/>
           </a:bodyPr>
           <a:lstStyle>
@@ -3124,15 +3285,19 @@
               <a:defRPr sz="5200"/>
             </a:lvl9pPr>
           </a:lstStyle>
-          <a:p/>
+          <a:p>
+            <a:endParaRPr/>
+          </a:p>
         </p:txBody>
       </p:sp>
       <p:sp>
         <p:nvSpPr>
           <p:cNvPr id="11" name="Google Shape;11;p2"/>
-          <p:cNvSpPr txBox="1"/>
-          <p:nvPr>
-            <p:ph idx="1" type="subTitle"/>
+          <p:cNvSpPr txBox="1">
+            <a:spLocks noGrp="1"/>
+          </p:cNvSpPr>
+          <p:nvPr>
+            <p:ph type="subTitle" idx="1"/>
           </p:nvPr>
         </p:nvSpPr>
         <p:spPr>
@@ -3145,7 +3310,7 @@
           </a:prstGeom>
         </p:spPr>
         <p:txBody>
-          <a:bodyPr anchorCtr="0" anchor="t" bIns="91425" lIns="91425" spcFirstLastPara="1" rIns="91425" wrap="square" tIns="91425">
+          <a:bodyPr spcFirstLastPara="1" wrap="square" lIns="91425" tIns="91425" rIns="91425" bIns="91425" anchor="t" anchorCtr="0">
             <a:noAutofit/>
           </a:bodyPr>
           <a:lstStyle>
@@ -3276,15 +3441,19 @@
               <a:defRPr sz="2800"/>
             </a:lvl9pPr>
           </a:lstStyle>
-          <a:p/>
+          <a:p>
+            <a:endParaRPr/>
+          </a:p>
         </p:txBody>
       </p:sp>
       <p:sp>
         <p:nvSpPr>
           <p:cNvPr id="12" name="Google Shape;12;p2"/>
-          <p:cNvSpPr txBox="1"/>
-          <p:nvPr>
-            <p:ph idx="12" type="sldNum"/>
+          <p:cNvSpPr txBox="1">
+            <a:spLocks noGrp="1"/>
+          </p:cNvSpPr>
+          <p:nvPr>
+            <p:ph type="sldNum" idx="12"/>
           </p:nvPr>
         </p:nvSpPr>
         <p:spPr>
@@ -3297,7 +3466,7 @@
           </a:prstGeom>
         </p:spPr>
         <p:txBody>
-          <a:bodyPr anchorCtr="0" anchor="ctr" bIns="91425" lIns="91425" spcFirstLastPara="1" rIns="91425" wrap="square" tIns="91425">
+          <a:bodyPr spcFirstLastPara="1" wrap="square" lIns="91425" tIns="91425" rIns="91425" bIns="91425" anchor="ctr" anchorCtr="0">
             <a:noAutofit/>
           </a:bodyPr>
           <a:lstStyle>
@@ -3339,7 +3508,7 @@
             </a:lvl9pPr>
           </a:lstStyle>
           <a:p>
-            <a:pPr indent="0" lvl="0" marL="0" rtl="0" algn="r">
+            <a:pPr marL="0" lvl="0" indent="0" algn="r" rtl="0">
               <a:spcBef>
                 <a:spcPts val="0"/>
               </a:spcBef>
@@ -3365,11 +3534,11 @@
 </file>
 
 <file path=ppt/slideLayouts/slideLayout10.xml><?xml version="1.0" encoding="utf-8"?>
-<p:sldLayout xmlns:a="http://schemas.openxmlformats.org/drawingml/2006/main" xmlns:r="http://schemas.openxmlformats.org/officeDocument/2006/relationships" xmlns:mc="http://schemas.openxmlformats.org/markup-compatibility/2006" xmlns:mv="urn:schemas-microsoft-com:mac:vml" xmlns:p="http://schemas.openxmlformats.org/presentationml/2006/main" xmlns:c="http://schemas.openxmlformats.org/drawingml/2006/chart" xmlns:dgm="http://schemas.openxmlformats.org/drawingml/2006/diagram" xmlns:o="urn:schemas-microsoft-com:office:office" xmlns:v="urn:schemas-microsoft-com:vml" xmlns:pvml="urn:schemas-microsoft-com:office:powerpoint" xmlns:com="http://schemas.openxmlformats.org/drawingml/2006/compatibility" xmlns:p14="http://schemas.microsoft.com/office/powerpoint/2010/main" xmlns:p15="http://schemas.microsoft.com/office/powerpoint/2012/main" xmlns:ahyp="http://schemas.microsoft.com/office/drawing/2018/hyperlinkcolor" matchingName="Big number">
+<p:sldLayout xmlns:a="http://schemas.openxmlformats.org/drawingml/2006/main" xmlns:r="http://schemas.openxmlformats.org/officeDocument/2006/relationships" xmlns:p="http://schemas.openxmlformats.org/presentationml/2006/main" matchingName="Big number">
   <p:cSld name="BIG_NUMBER">
     <p:spTree>
       <p:nvGrpSpPr>
-        <p:cNvPr id="44" name="Shape 44"/>
+        <p:cNvPr id="1" name="Shape 44"/>
         <p:cNvGrpSpPr/>
         <p:nvPr/>
       </p:nvGrpSpPr>
@@ -3384,9 +3553,11 @@
       <p:sp>
         <p:nvSpPr>
           <p:cNvPr id="45" name="Google Shape;45;p11"/>
-          <p:cNvSpPr txBox="1"/>
-          <p:nvPr>
-            <p:ph hasCustomPrompt="1" type="title"/>
+          <p:cNvSpPr txBox="1">
+            <a:spLocks noGrp="1"/>
+          </p:cNvSpPr>
+          <p:nvPr>
+            <p:ph type="title" hasCustomPrompt="1"/>
           </p:nvPr>
         </p:nvSpPr>
         <p:spPr>
@@ -3399,7 +3570,7 @@
           </a:prstGeom>
         </p:spPr>
         <p:txBody>
-          <a:bodyPr anchorCtr="0" anchor="b" bIns="91425" lIns="91425" spcFirstLastPara="1" rIns="91425" wrap="square" tIns="91425">
+          <a:bodyPr spcFirstLastPara="1" wrap="square" lIns="91425" tIns="91425" rIns="91425" bIns="91425" anchor="b" anchorCtr="0">
             <a:noAutofit/>
           </a:bodyPr>
           <a:lstStyle>
@@ -3513,9 +3684,11 @@
       <p:sp>
         <p:nvSpPr>
           <p:cNvPr id="46" name="Google Shape;46;p11"/>
-          <p:cNvSpPr txBox="1"/>
-          <p:nvPr>
-            <p:ph idx="1" type="body"/>
+          <p:cNvSpPr txBox="1">
+            <a:spLocks noGrp="1"/>
+          </p:cNvSpPr>
+          <p:nvPr>
+            <p:ph type="body" idx="1"/>
           </p:nvPr>
         </p:nvSpPr>
         <p:spPr>
@@ -3528,11 +3701,11 @@
           </a:prstGeom>
         </p:spPr>
         <p:txBody>
-          <a:bodyPr anchorCtr="0" anchor="t" bIns="91425" lIns="91425" spcFirstLastPara="1" rIns="91425" wrap="square" tIns="91425">
+          <a:bodyPr spcFirstLastPara="1" wrap="square" lIns="91425" tIns="91425" rIns="91425" bIns="91425" anchor="t" anchorCtr="0">
             <a:noAutofit/>
           </a:bodyPr>
           <a:lstStyle>
-            <a:lvl1pPr indent="-342900" lvl="0" marL="457200" algn="ctr">
+            <a:lvl1pPr marL="457200" lvl="0" indent="-342900" algn="ctr">
               <a:spcBef>
                 <a:spcPts val="0"/>
               </a:spcBef>
@@ -3543,7 +3716,7 @@
               <a:buChar char="●"/>
               <a:defRPr/>
             </a:lvl1pPr>
-            <a:lvl2pPr indent="-317500" lvl="1" marL="914400" algn="ctr">
+            <a:lvl2pPr marL="914400" lvl="1" indent="-317500" algn="ctr">
               <a:spcBef>
                 <a:spcPts val="1600"/>
               </a:spcBef>
@@ -3554,7 +3727,7 @@
               <a:buChar char="○"/>
               <a:defRPr/>
             </a:lvl2pPr>
-            <a:lvl3pPr indent="-317500" lvl="2" marL="1371600" algn="ctr">
+            <a:lvl3pPr marL="1371600" lvl="2" indent="-317500" algn="ctr">
               <a:spcBef>
                 <a:spcPts val="1600"/>
               </a:spcBef>
@@ -3565,7 +3738,7 @@
               <a:buChar char="■"/>
               <a:defRPr/>
             </a:lvl3pPr>
-            <a:lvl4pPr indent="-317500" lvl="3" marL="1828800" algn="ctr">
+            <a:lvl4pPr marL="1828800" lvl="3" indent="-317500" algn="ctr">
               <a:spcBef>
                 <a:spcPts val="1600"/>
               </a:spcBef>
@@ -3576,7 +3749,7 @@
               <a:buChar char="●"/>
               <a:defRPr/>
             </a:lvl4pPr>
-            <a:lvl5pPr indent="-317500" lvl="4" marL="2286000" algn="ctr">
+            <a:lvl5pPr marL="2286000" lvl="4" indent="-317500" algn="ctr">
               <a:spcBef>
                 <a:spcPts val="1600"/>
               </a:spcBef>
@@ -3587,7 +3760,7 @@
               <a:buChar char="○"/>
               <a:defRPr/>
             </a:lvl5pPr>
-            <a:lvl6pPr indent="-317500" lvl="5" marL="2743200" algn="ctr">
+            <a:lvl6pPr marL="2743200" lvl="5" indent="-317500" algn="ctr">
               <a:spcBef>
                 <a:spcPts val="1600"/>
               </a:spcBef>
@@ -3598,7 +3771,7 @@
               <a:buChar char="■"/>
               <a:defRPr/>
             </a:lvl6pPr>
-            <a:lvl7pPr indent="-317500" lvl="6" marL="3200400" algn="ctr">
+            <a:lvl7pPr marL="3200400" lvl="6" indent="-317500" algn="ctr">
               <a:spcBef>
                 <a:spcPts val="1600"/>
               </a:spcBef>
@@ -3609,7 +3782,7 @@
               <a:buChar char="●"/>
               <a:defRPr/>
             </a:lvl7pPr>
-            <a:lvl8pPr indent="-317500" lvl="7" marL="3657600" algn="ctr">
+            <a:lvl8pPr marL="3657600" lvl="7" indent="-317500" algn="ctr">
               <a:spcBef>
                 <a:spcPts val="1600"/>
               </a:spcBef>
@@ -3620,7 +3793,7 @@
               <a:buChar char="○"/>
               <a:defRPr/>
             </a:lvl8pPr>
-            <a:lvl9pPr indent="-317500" lvl="8" marL="4114800" algn="ctr">
+            <a:lvl9pPr marL="4114800" lvl="8" indent="-317500" algn="ctr">
               <a:spcBef>
                 <a:spcPts val="1600"/>
               </a:spcBef>
@@ -3632,15 +3805,19 @@
               <a:defRPr/>
             </a:lvl9pPr>
           </a:lstStyle>
-          <a:p/>
+          <a:p>
+            <a:endParaRPr/>
+          </a:p>
         </p:txBody>
       </p:sp>
       <p:sp>
         <p:nvSpPr>
           <p:cNvPr id="47" name="Google Shape;47;p11"/>
-          <p:cNvSpPr txBox="1"/>
-          <p:nvPr>
-            <p:ph idx="12" type="sldNum"/>
+          <p:cNvSpPr txBox="1">
+            <a:spLocks noGrp="1"/>
+          </p:cNvSpPr>
+          <p:nvPr>
+            <p:ph type="sldNum" idx="12"/>
           </p:nvPr>
         </p:nvSpPr>
         <p:spPr>
@@ -3653,7 +3830,7 @@
           </a:prstGeom>
         </p:spPr>
         <p:txBody>
-          <a:bodyPr anchorCtr="0" anchor="ctr" bIns="91425" lIns="91425" spcFirstLastPara="1" rIns="91425" wrap="square" tIns="91425">
+          <a:bodyPr spcFirstLastPara="1" wrap="square" lIns="91425" tIns="91425" rIns="91425" bIns="91425" anchor="ctr" anchorCtr="0">
             <a:noAutofit/>
           </a:bodyPr>
           <a:lstStyle>
@@ -3695,7 +3872,7 @@
             </a:lvl9pPr>
           </a:lstStyle>
           <a:p>
-            <a:pPr indent="0" lvl="0" marL="0" rtl="0" algn="r">
+            <a:pPr marL="0" lvl="0" indent="0" algn="r" rtl="0">
               <a:spcBef>
                 <a:spcPts val="0"/>
               </a:spcBef>
@@ -3721,11 +3898,11 @@
 </file>
 
 <file path=ppt/slideLayouts/slideLayout11.xml><?xml version="1.0" encoding="utf-8"?>
-<p:sldLayout xmlns:a="http://schemas.openxmlformats.org/drawingml/2006/main" xmlns:r="http://schemas.openxmlformats.org/officeDocument/2006/relationships" xmlns:mc="http://schemas.openxmlformats.org/markup-compatibility/2006" xmlns:mv="urn:schemas-microsoft-com:mac:vml" xmlns:p="http://schemas.openxmlformats.org/presentationml/2006/main" xmlns:c="http://schemas.openxmlformats.org/drawingml/2006/chart" xmlns:dgm="http://schemas.openxmlformats.org/drawingml/2006/diagram" xmlns:o="urn:schemas-microsoft-com:office:office" xmlns:v="urn:schemas-microsoft-com:vml" xmlns:pvml="urn:schemas-microsoft-com:office:powerpoint" xmlns:com="http://schemas.openxmlformats.org/drawingml/2006/compatibility" xmlns:p14="http://schemas.microsoft.com/office/powerpoint/2010/main" xmlns:p15="http://schemas.microsoft.com/office/powerpoint/2012/main" xmlns:ahyp="http://schemas.microsoft.com/office/drawing/2018/hyperlinkcolor" matchingName="Blank" type="blank">
+<p:sldLayout xmlns:a="http://schemas.openxmlformats.org/drawingml/2006/main" xmlns:r="http://schemas.openxmlformats.org/officeDocument/2006/relationships" xmlns:p="http://schemas.openxmlformats.org/presentationml/2006/main" matchingName="Blank" type="blank">
   <p:cSld name="BLANK">
     <p:spTree>
       <p:nvGrpSpPr>
-        <p:cNvPr id="48" name="Shape 48"/>
+        <p:cNvPr id="1" name="Shape 48"/>
         <p:cNvGrpSpPr/>
         <p:nvPr/>
       </p:nvGrpSpPr>
@@ -3740,9 +3917,11 @@
       <p:sp>
         <p:nvSpPr>
           <p:cNvPr id="49" name="Google Shape;49;p12"/>
-          <p:cNvSpPr txBox="1"/>
-          <p:nvPr>
-            <p:ph idx="12" type="sldNum"/>
+          <p:cNvSpPr txBox="1">
+            <a:spLocks noGrp="1"/>
+          </p:cNvSpPr>
+          <p:nvPr>
+            <p:ph type="sldNum" idx="12"/>
           </p:nvPr>
         </p:nvSpPr>
         <p:spPr>
@@ -3755,7 +3934,7 @@
           </a:prstGeom>
         </p:spPr>
         <p:txBody>
-          <a:bodyPr anchorCtr="0" anchor="ctr" bIns="91425" lIns="91425" spcFirstLastPara="1" rIns="91425" wrap="square" tIns="91425">
+          <a:bodyPr spcFirstLastPara="1" wrap="square" lIns="91425" tIns="91425" rIns="91425" bIns="91425" anchor="ctr" anchorCtr="0">
             <a:noAutofit/>
           </a:bodyPr>
           <a:lstStyle>
@@ -3797,7 +3976,7 @@
             </a:lvl9pPr>
           </a:lstStyle>
           <a:p>
-            <a:pPr indent="0" lvl="0" marL="0" rtl="0" algn="r">
+            <a:pPr marL="0" lvl="0" indent="0" algn="r" rtl="0">
               <a:spcBef>
                 <a:spcPts val="0"/>
               </a:spcBef>
@@ -3823,11 +4002,11 @@
 </file>
 
 <file path=ppt/slideLayouts/slideLayout2.xml><?xml version="1.0" encoding="utf-8"?>
-<p:sldLayout xmlns:a="http://schemas.openxmlformats.org/drawingml/2006/main" xmlns:r="http://schemas.openxmlformats.org/officeDocument/2006/relationships" xmlns:mc="http://schemas.openxmlformats.org/markup-compatibility/2006" xmlns:mv="urn:schemas-microsoft-com:mac:vml" xmlns:p="http://schemas.openxmlformats.org/presentationml/2006/main" xmlns:c="http://schemas.openxmlformats.org/drawingml/2006/chart" xmlns:dgm="http://schemas.openxmlformats.org/drawingml/2006/diagram" xmlns:o="urn:schemas-microsoft-com:office:office" xmlns:v="urn:schemas-microsoft-com:vml" xmlns:pvml="urn:schemas-microsoft-com:office:powerpoint" xmlns:com="http://schemas.openxmlformats.org/drawingml/2006/compatibility" xmlns:p14="http://schemas.microsoft.com/office/powerpoint/2010/main" xmlns:p15="http://schemas.microsoft.com/office/powerpoint/2012/main" xmlns:ahyp="http://schemas.microsoft.com/office/drawing/2018/hyperlinkcolor" matchingName="Section header" type="secHead">
+<p:sldLayout xmlns:a="http://schemas.openxmlformats.org/drawingml/2006/main" xmlns:r="http://schemas.openxmlformats.org/officeDocument/2006/relationships" xmlns:p="http://schemas.openxmlformats.org/presentationml/2006/main" matchingName="Section header" type="secHead">
   <p:cSld name="SECTION_HEADER">
     <p:spTree>
       <p:nvGrpSpPr>
-        <p:cNvPr id="13" name="Shape 13"/>
+        <p:cNvPr id="1" name="Shape 13"/>
         <p:cNvGrpSpPr/>
         <p:nvPr/>
       </p:nvGrpSpPr>
@@ -3842,7 +4021,9 @@
       <p:sp>
         <p:nvSpPr>
           <p:cNvPr id="14" name="Google Shape;14;p3"/>
-          <p:cNvSpPr txBox="1"/>
+          <p:cNvSpPr txBox="1">
+            <a:spLocks noGrp="1"/>
+          </p:cNvSpPr>
           <p:nvPr>
             <p:ph type="title"/>
           </p:nvPr>
@@ -3857,7 +4038,7 @@
           </a:prstGeom>
         </p:spPr>
         <p:txBody>
-          <a:bodyPr anchorCtr="0" anchor="ctr" bIns="91425" lIns="91425" spcFirstLastPara="1" rIns="91425" wrap="square" tIns="91425">
+          <a:bodyPr spcFirstLastPara="1" wrap="square" lIns="91425" tIns="91425" rIns="91425" bIns="91425" anchor="ctr" anchorCtr="0">
             <a:noAutofit/>
           </a:bodyPr>
           <a:lstStyle>
@@ -3961,15 +4142,19 @@
               <a:defRPr sz="3600"/>
             </a:lvl9pPr>
           </a:lstStyle>
-          <a:p/>
+          <a:p>
+            <a:endParaRPr/>
+          </a:p>
         </p:txBody>
       </p:sp>
       <p:sp>
         <p:nvSpPr>
           <p:cNvPr id="15" name="Google Shape;15;p3"/>
-          <p:cNvSpPr txBox="1"/>
-          <p:nvPr>
-            <p:ph idx="12" type="sldNum"/>
+          <p:cNvSpPr txBox="1">
+            <a:spLocks noGrp="1"/>
+          </p:cNvSpPr>
+          <p:nvPr>
+            <p:ph type="sldNum" idx="12"/>
           </p:nvPr>
         </p:nvSpPr>
         <p:spPr>
@@ -3982,7 +4167,7 @@
           </a:prstGeom>
         </p:spPr>
         <p:txBody>
-          <a:bodyPr anchorCtr="0" anchor="ctr" bIns="91425" lIns="91425" spcFirstLastPara="1" rIns="91425" wrap="square" tIns="91425">
+          <a:bodyPr spcFirstLastPara="1" wrap="square" lIns="91425" tIns="91425" rIns="91425" bIns="91425" anchor="ctr" anchorCtr="0">
             <a:noAutofit/>
           </a:bodyPr>
           <a:lstStyle>
@@ -4024,7 +4209,7 @@
             </a:lvl9pPr>
           </a:lstStyle>
           <a:p>
-            <a:pPr indent="0" lvl="0" marL="0" rtl="0" algn="r">
+            <a:pPr marL="0" lvl="0" indent="0" algn="r" rtl="0">
               <a:spcBef>
                 <a:spcPts val="0"/>
               </a:spcBef>
@@ -4050,11 +4235,11 @@
 </file>
 
 <file path=ppt/slideLayouts/slideLayout3.xml><?xml version="1.0" encoding="utf-8"?>
-<p:sldLayout xmlns:a="http://schemas.openxmlformats.org/drawingml/2006/main" xmlns:r="http://schemas.openxmlformats.org/officeDocument/2006/relationships" xmlns:mc="http://schemas.openxmlformats.org/markup-compatibility/2006" xmlns:mv="urn:schemas-microsoft-com:mac:vml" xmlns:p="http://schemas.openxmlformats.org/presentationml/2006/main" xmlns:c="http://schemas.openxmlformats.org/drawingml/2006/chart" xmlns:dgm="http://schemas.openxmlformats.org/drawingml/2006/diagram" xmlns:o="urn:schemas-microsoft-com:office:office" xmlns:v="urn:schemas-microsoft-com:vml" xmlns:pvml="urn:schemas-microsoft-com:office:powerpoint" xmlns:com="http://schemas.openxmlformats.org/drawingml/2006/compatibility" xmlns:p14="http://schemas.microsoft.com/office/powerpoint/2010/main" xmlns:p15="http://schemas.microsoft.com/office/powerpoint/2012/main" xmlns:ahyp="http://schemas.microsoft.com/office/drawing/2018/hyperlinkcolor" matchingName="Title and body" type="tx">
+<p:sldLayout xmlns:a="http://schemas.openxmlformats.org/drawingml/2006/main" xmlns:r="http://schemas.openxmlformats.org/officeDocument/2006/relationships" xmlns:p="http://schemas.openxmlformats.org/presentationml/2006/main" matchingName="Title and body" type="tx">
   <p:cSld name="TITLE_AND_BODY">
     <p:spTree>
       <p:nvGrpSpPr>
-        <p:cNvPr id="16" name="Shape 16"/>
+        <p:cNvPr id="1" name="Shape 16"/>
         <p:cNvGrpSpPr/>
         <p:nvPr/>
       </p:nvGrpSpPr>
@@ -4069,7 +4254,9 @@
       <p:sp>
         <p:nvSpPr>
           <p:cNvPr id="17" name="Google Shape;17;p4"/>
-          <p:cNvSpPr txBox="1"/>
+          <p:cNvSpPr txBox="1">
+            <a:spLocks noGrp="1"/>
+          </p:cNvSpPr>
           <p:nvPr>
             <p:ph type="title"/>
           </p:nvPr>
@@ -4084,7 +4271,7 @@
           </a:prstGeom>
         </p:spPr>
         <p:txBody>
-          <a:bodyPr anchorCtr="0" anchor="t" bIns="91425" lIns="91425" spcFirstLastPara="1" rIns="91425" wrap="square" tIns="91425">
+          <a:bodyPr spcFirstLastPara="1" wrap="square" lIns="91425" tIns="91425" rIns="91425" bIns="91425" anchor="t" anchorCtr="0">
             <a:noAutofit/>
           </a:bodyPr>
           <a:lstStyle>
@@ -4188,15 +4375,19 @@
               <a:defRPr/>
             </a:lvl9pPr>
           </a:lstStyle>
-          <a:p/>
+          <a:p>
+            <a:endParaRPr/>
+          </a:p>
         </p:txBody>
       </p:sp>
       <p:sp>
         <p:nvSpPr>
           <p:cNvPr id="18" name="Google Shape;18;p4"/>
-          <p:cNvSpPr txBox="1"/>
-          <p:nvPr>
-            <p:ph idx="1" type="body"/>
+          <p:cNvSpPr txBox="1">
+            <a:spLocks noGrp="1"/>
+          </p:cNvSpPr>
+          <p:nvPr>
+            <p:ph type="body" idx="1"/>
           </p:nvPr>
         </p:nvSpPr>
         <p:spPr>
@@ -4209,11 +4400,11 @@
           </a:prstGeom>
         </p:spPr>
         <p:txBody>
-          <a:bodyPr anchorCtr="0" anchor="t" bIns="91425" lIns="91425" spcFirstLastPara="1" rIns="91425" wrap="square" tIns="91425">
+          <a:bodyPr spcFirstLastPara="1" wrap="square" lIns="91425" tIns="91425" rIns="91425" bIns="91425" anchor="t" anchorCtr="0">
             <a:noAutofit/>
           </a:bodyPr>
           <a:lstStyle>
-            <a:lvl1pPr indent="-342900" lvl="0" marL="457200">
+            <a:lvl1pPr marL="457200" lvl="0" indent="-342900">
               <a:spcBef>
                 <a:spcPts val="0"/>
               </a:spcBef>
@@ -4224,7 +4415,7 @@
               <a:buChar char="●"/>
               <a:defRPr/>
             </a:lvl1pPr>
-            <a:lvl2pPr indent="-317500" lvl="1" marL="914400">
+            <a:lvl2pPr marL="914400" lvl="1" indent="-317500">
               <a:spcBef>
                 <a:spcPts val="1600"/>
               </a:spcBef>
@@ -4235,7 +4426,7 @@
               <a:buChar char="○"/>
               <a:defRPr/>
             </a:lvl2pPr>
-            <a:lvl3pPr indent="-317500" lvl="2" marL="1371600">
+            <a:lvl3pPr marL="1371600" lvl="2" indent="-317500">
               <a:spcBef>
                 <a:spcPts val="1600"/>
               </a:spcBef>
@@ -4246,7 +4437,7 @@
               <a:buChar char="■"/>
               <a:defRPr/>
             </a:lvl3pPr>
-            <a:lvl4pPr indent="-317500" lvl="3" marL="1828800">
+            <a:lvl4pPr marL="1828800" lvl="3" indent="-317500">
               <a:spcBef>
                 <a:spcPts val="1600"/>
               </a:spcBef>
@@ -4257,7 +4448,7 @@
               <a:buChar char="●"/>
               <a:defRPr/>
             </a:lvl4pPr>
-            <a:lvl5pPr indent="-317500" lvl="4" marL="2286000">
+            <a:lvl5pPr marL="2286000" lvl="4" indent="-317500">
               <a:spcBef>
                 <a:spcPts val="1600"/>
               </a:spcBef>
@@ -4268,7 +4459,7 @@
               <a:buChar char="○"/>
               <a:defRPr/>
             </a:lvl5pPr>
-            <a:lvl6pPr indent="-317500" lvl="5" marL="2743200">
+            <a:lvl6pPr marL="2743200" lvl="5" indent="-317500">
               <a:spcBef>
                 <a:spcPts val="1600"/>
               </a:spcBef>
@@ -4279,7 +4470,7 @@
               <a:buChar char="■"/>
               <a:defRPr/>
             </a:lvl6pPr>
-            <a:lvl7pPr indent="-317500" lvl="6" marL="3200400">
+            <a:lvl7pPr marL="3200400" lvl="6" indent="-317500">
               <a:spcBef>
                 <a:spcPts val="1600"/>
               </a:spcBef>
@@ -4290,7 +4481,7 @@
               <a:buChar char="●"/>
               <a:defRPr/>
             </a:lvl7pPr>
-            <a:lvl8pPr indent="-317500" lvl="7" marL="3657600">
+            <a:lvl8pPr marL="3657600" lvl="7" indent="-317500">
               <a:spcBef>
                 <a:spcPts val="1600"/>
               </a:spcBef>
@@ -4301,7 +4492,7 @@
               <a:buChar char="○"/>
               <a:defRPr/>
             </a:lvl8pPr>
-            <a:lvl9pPr indent="-317500" lvl="8" marL="4114800">
+            <a:lvl9pPr marL="4114800" lvl="8" indent="-317500">
               <a:spcBef>
                 <a:spcPts val="1600"/>
               </a:spcBef>
@@ -4313,15 +4504,19 @@
               <a:defRPr/>
             </a:lvl9pPr>
           </a:lstStyle>
-          <a:p/>
+          <a:p>
+            <a:endParaRPr/>
+          </a:p>
         </p:txBody>
       </p:sp>
       <p:sp>
         <p:nvSpPr>
           <p:cNvPr id="19" name="Google Shape;19;p4"/>
-          <p:cNvSpPr txBox="1"/>
-          <p:nvPr>
-            <p:ph idx="12" type="sldNum"/>
+          <p:cNvSpPr txBox="1">
+            <a:spLocks noGrp="1"/>
+          </p:cNvSpPr>
+          <p:nvPr>
+            <p:ph type="sldNum" idx="12"/>
           </p:nvPr>
         </p:nvSpPr>
         <p:spPr>
@@ -4334,7 +4529,7 @@
           </a:prstGeom>
         </p:spPr>
         <p:txBody>
-          <a:bodyPr anchorCtr="0" anchor="ctr" bIns="91425" lIns="91425" spcFirstLastPara="1" rIns="91425" wrap="square" tIns="91425">
+          <a:bodyPr spcFirstLastPara="1" wrap="square" lIns="91425" tIns="91425" rIns="91425" bIns="91425" anchor="ctr" anchorCtr="0">
             <a:noAutofit/>
           </a:bodyPr>
           <a:lstStyle>
@@ -4376,7 +4571,7 @@
             </a:lvl9pPr>
           </a:lstStyle>
           <a:p>
-            <a:pPr indent="0" lvl="0" marL="0" rtl="0" algn="r">
+            <a:pPr marL="0" lvl="0" indent="0" algn="r" rtl="0">
               <a:spcBef>
                 <a:spcPts val="0"/>
               </a:spcBef>
@@ -4402,11 +4597,11 @@
 </file>
 
 <file path=ppt/slideLayouts/slideLayout4.xml><?xml version="1.0" encoding="utf-8"?>
-<p:sldLayout xmlns:a="http://schemas.openxmlformats.org/drawingml/2006/main" xmlns:r="http://schemas.openxmlformats.org/officeDocument/2006/relationships" xmlns:mc="http://schemas.openxmlformats.org/markup-compatibility/2006" xmlns:mv="urn:schemas-microsoft-com:mac:vml" xmlns:p="http://schemas.openxmlformats.org/presentationml/2006/main" xmlns:c="http://schemas.openxmlformats.org/drawingml/2006/chart" xmlns:dgm="http://schemas.openxmlformats.org/drawingml/2006/diagram" xmlns:o="urn:schemas-microsoft-com:office:office" xmlns:v="urn:schemas-microsoft-com:vml" xmlns:pvml="urn:schemas-microsoft-com:office:powerpoint" xmlns:com="http://schemas.openxmlformats.org/drawingml/2006/compatibility" xmlns:p14="http://schemas.microsoft.com/office/powerpoint/2010/main" xmlns:p15="http://schemas.microsoft.com/office/powerpoint/2012/main" xmlns:ahyp="http://schemas.microsoft.com/office/drawing/2018/hyperlinkcolor" matchingName="Title and two columns" type="twoColTx">
+<p:sldLayout xmlns:a="http://schemas.openxmlformats.org/drawingml/2006/main" xmlns:r="http://schemas.openxmlformats.org/officeDocument/2006/relationships" xmlns:p="http://schemas.openxmlformats.org/presentationml/2006/main" matchingName="Title and two columns" type="twoColTx">
   <p:cSld name="TITLE_AND_TWO_COLUMNS">
     <p:spTree>
       <p:nvGrpSpPr>
-        <p:cNvPr id="20" name="Shape 20"/>
+        <p:cNvPr id="1" name="Shape 20"/>
         <p:cNvGrpSpPr/>
         <p:nvPr/>
       </p:nvGrpSpPr>
@@ -4421,7 +4616,9 @@
       <p:sp>
         <p:nvSpPr>
           <p:cNvPr id="21" name="Google Shape;21;p5"/>
-          <p:cNvSpPr txBox="1"/>
+          <p:cNvSpPr txBox="1">
+            <a:spLocks noGrp="1"/>
+          </p:cNvSpPr>
           <p:nvPr>
             <p:ph type="title"/>
           </p:nvPr>
@@ -4436,7 +4633,7 @@
           </a:prstGeom>
         </p:spPr>
         <p:txBody>
-          <a:bodyPr anchorCtr="0" anchor="t" bIns="91425" lIns="91425" spcFirstLastPara="1" rIns="91425" wrap="square" tIns="91425">
+          <a:bodyPr spcFirstLastPara="1" wrap="square" lIns="91425" tIns="91425" rIns="91425" bIns="91425" anchor="t" anchorCtr="0">
             <a:noAutofit/>
           </a:bodyPr>
           <a:lstStyle>
@@ -4540,15 +4737,19 @@
               <a:defRPr/>
             </a:lvl9pPr>
           </a:lstStyle>
-          <a:p/>
+          <a:p>
+            <a:endParaRPr/>
+          </a:p>
         </p:txBody>
       </p:sp>
       <p:sp>
         <p:nvSpPr>
           <p:cNvPr id="22" name="Google Shape;22;p5"/>
-          <p:cNvSpPr txBox="1"/>
-          <p:nvPr>
-            <p:ph idx="1" type="body"/>
+          <p:cNvSpPr txBox="1">
+            <a:spLocks noGrp="1"/>
+          </p:cNvSpPr>
+          <p:nvPr>
+            <p:ph type="body" idx="1"/>
           </p:nvPr>
         </p:nvSpPr>
         <p:spPr>
@@ -4561,11 +4762,11 @@
           </a:prstGeom>
         </p:spPr>
         <p:txBody>
-          <a:bodyPr anchorCtr="0" anchor="t" bIns="91425" lIns="91425" spcFirstLastPara="1" rIns="91425" wrap="square" tIns="91425">
+          <a:bodyPr spcFirstLastPara="1" wrap="square" lIns="91425" tIns="91425" rIns="91425" bIns="91425" anchor="t" anchorCtr="0">
             <a:noAutofit/>
           </a:bodyPr>
           <a:lstStyle>
-            <a:lvl1pPr indent="-317500" lvl="0" marL="457200">
+            <a:lvl1pPr marL="457200" lvl="0" indent="-317500">
               <a:spcBef>
                 <a:spcPts val="0"/>
               </a:spcBef>
@@ -4576,7 +4777,7 @@
               <a:buChar char="●"/>
               <a:defRPr sz="1400"/>
             </a:lvl1pPr>
-            <a:lvl2pPr indent="-304800" lvl="1" marL="914400">
+            <a:lvl2pPr marL="914400" lvl="1" indent="-304800">
               <a:spcBef>
                 <a:spcPts val="1600"/>
               </a:spcBef>
@@ -4587,7 +4788,7 @@
               <a:buChar char="○"/>
               <a:defRPr sz="1200"/>
             </a:lvl2pPr>
-            <a:lvl3pPr indent="-304800" lvl="2" marL="1371600">
+            <a:lvl3pPr marL="1371600" lvl="2" indent="-304800">
               <a:spcBef>
                 <a:spcPts val="1600"/>
               </a:spcBef>
@@ -4598,7 +4799,7 @@
               <a:buChar char="■"/>
               <a:defRPr sz="1200"/>
             </a:lvl3pPr>
-            <a:lvl4pPr indent="-304800" lvl="3" marL="1828800">
+            <a:lvl4pPr marL="1828800" lvl="3" indent="-304800">
               <a:spcBef>
                 <a:spcPts val="1600"/>
               </a:spcBef>
@@ -4609,7 +4810,7 @@
               <a:buChar char="●"/>
               <a:defRPr sz="1200"/>
             </a:lvl4pPr>
-            <a:lvl5pPr indent="-304800" lvl="4" marL="2286000">
+            <a:lvl5pPr marL="2286000" lvl="4" indent="-304800">
               <a:spcBef>
                 <a:spcPts val="1600"/>
               </a:spcBef>
@@ -4620,7 +4821,7 @@
               <a:buChar char="○"/>
               <a:defRPr sz="1200"/>
             </a:lvl5pPr>
-            <a:lvl6pPr indent="-304800" lvl="5" marL="2743200">
+            <a:lvl6pPr marL="2743200" lvl="5" indent="-304800">
               <a:spcBef>
                 <a:spcPts val="1600"/>
               </a:spcBef>
@@ -4631,7 +4832,7 @@
               <a:buChar char="■"/>
               <a:defRPr sz="1200"/>
             </a:lvl6pPr>
-            <a:lvl7pPr indent="-304800" lvl="6" marL="3200400">
+            <a:lvl7pPr marL="3200400" lvl="6" indent="-304800">
               <a:spcBef>
                 <a:spcPts val="1600"/>
               </a:spcBef>
@@ -4642,7 +4843,7 @@
               <a:buChar char="●"/>
               <a:defRPr sz="1200"/>
             </a:lvl7pPr>
-            <a:lvl8pPr indent="-304800" lvl="7" marL="3657600">
+            <a:lvl8pPr marL="3657600" lvl="7" indent="-304800">
               <a:spcBef>
                 <a:spcPts val="1600"/>
               </a:spcBef>
@@ -4653,7 +4854,7 @@
               <a:buChar char="○"/>
               <a:defRPr sz="1200"/>
             </a:lvl8pPr>
-            <a:lvl9pPr indent="-304800" lvl="8" marL="4114800">
+            <a:lvl9pPr marL="4114800" lvl="8" indent="-304800">
               <a:spcBef>
                 <a:spcPts val="1600"/>
               </a:spcBef>
@@ -4665,15 +4866,19 @@
               <a:defRPr sz="1200"/>
             </a:lvl9pPr>
           </a:lstStyle>
-          <a:p/>
+          <a:p>
+            <a:endParaRPr/>
+          </a:p>
         </p:txBody>
       </p:sp>
       <p:sp>
         <p:nvSpPr>
           <p:cNvPr id="23" name="Google Shape;23;p5"/>
-          <p:cNvSpPr txBox="1"/>
-          <p:nvPr>
-            <p:ph idx="2" type="body"/>
+          <p:cNvSpPr txBox="1">
+            <a:spLocks noGrp="1"/>
+          </p:cNvSpPr>
+          <p:nvPr>
+            <p:ph type="body" idx="2"/>
           </p:nvPr>
         </p:nvSpPr>
         <p:spPr>
@@ -4686,11 +4891,11 @@
           </a:prstGeom>
         </p:spPr>
         <p:txBody>
-          <a:bodyPr anchorCtr="0" anchor="t" bIns="91425" lIns="91425" spcFirstLastPara="1" rIns="91425" wrap="square" tIns="91425">
+          <a:bodyPr spcFirstLastPara="1" wrap="square" lIns="91425" tIns="91425" rIns="91425" bIns="91425" anchor="t" anchorCtr="0">
             <a:noAutofit/>
           </a:bodyPr>
           <a:lstStyle>
-            <a:lvl1pPr indent="-317500" lvl="0" marL="457200">
+            <a:lvl1pPr marL="457200" lvl="0" indent="-317500">
               <a:spcBef>
                 <a:spcPts val="0"/>
               </a:spcBef>
@@ -4701,7 +4906,7 @@
               <a:buChar char="●"/>
               <a:defRPr sz="1400"/>
             </a:lvl1pPr>
-            <a:lvl2pPr indent="-304800" lvl="1" marL="914400">
+            <a:lvl2pPr marL="914400" lvl="1" indent="-304800">
               <a:spcBef>
                 <a:spcPts val="1600"/>
               </a:spcBef>
@@ -4712,7 +4917,7 @@
               <a:buChar char="○"/>
               <a:defRPr sz="1200"/>
             </a:lvl2pPr>
-            <a:lvl3pPr indent="-304800" lvl="2" marL="1371600">
+            <a:lvl3pPr marL="1371600" lvl="2" indent="-304800">
               <a:spcBef>
                 <a:spcPts val="1600"/>
               </a:spcBef>
@@ -4723,7 +4928,7 @@
               <a:buChar char="■"/>
               <a:defRPr sz="1200"/>
             </a:lvl3pPr>
-            <a:lvl4pPr indent="-304800" lvl="3" marL="1828800">
+            <a:lvl4pPr marL="1828800" lvl="3" indent="-304800">
               <a:spcBef>
                 <a:spcPts val="1600"/>
               </a:spcBef>
@@ -4734,7 +4939,7 @@
               <a:buChar char="●"/>
               <a:defRPr sz="1200"/>
             </a:lvl4pPr>
-            <a:lvl5pPr indent="-304800" lvl="4" marL="2286000">
+            <a:lvl5pPr marL="2286000" lvl="4" indent="-304800">
               <a:spcBef>
                 <a:spcPts val="1600"/>
               </a:spcBef>
@@ -4745,7 +4950,7 @@
               <a:buChar char="○"/>
               <a:defRPr sz="1200"/>
             </a:lvl5pPr>
-            <a:lvl6pPr indent="-304800" lvl="5" marL="2743200">
+            <a:lvl6pPr marL="2743200" lvl="5" indent="-304800">
               <a:spcBef>
                 <a:spcPts val="1600"/>
               </a:spcBef>
@@ -4756,7 +4961,7 @@
               <a:buChar char="■"/>
               <a:defRPr sz="1200"/>
             </a:lvl6pPr>
-            <a:lvl7pPr indent="-304800" lvl="6" marL="3200400">
+            <a:lvl7pPr marL="3200400" lvl="6" indent="-304800">
               <a:spcBef>
                 <a:spcPts val="1600"/>
               </a:spcBef>
@@ -4767,7 +4972,7 @@
               <a:buChar char="●"/>
               <a:defRPr sz="1200"/>
             </a:lvl7pPr>
-            <a:lvl8pPr indent="-304800" lvl="7" marL="3657600">
+            <a:lvl8pPr marL="3657600" lvl="7" indent="-304800">
               <a:spcBef>
                 <a:spcPts val="1600"/>
               </a:spcBef>
@@ -4778,7 +4983,7 @@
               <a:buChar char="○"/>
               <a:defRPr sz="1200"/>
             </a:lvl8pPr>
-            <a:lvl9pPr indent="-304800" lvl="8" marL="4114800">
+            <a:lvl9pPr marL="4114800" lvl="8" indent="-304800">
               <a:spcBef>
                 <a:spcPts val="1600"/>
               </a:spcBef>
@@ -4790,15 +4995,19 @@
               <a:defRPr sz="1200"/>
             </a:lvl9pPr>
           </a:lstStyle>
-          <a:p/>
+          <a:p>
+            <a:endParaRPr/>
+          </a:p>
         </p:txBody>
       </p:sp>
       <p:sp>
         <p:nvSpPr>
           <p:cNvPr id="24" name="Google Shape;24;p5"/>
-          <p:cNvSpPr txBox="1"/>
-          <p:nvPr>
-            <p:ph idx="12" type="sldNum"/>
+          <p:cNvSpPr txBox="1">
+            <a:spLocks noGrp="1"/>
+          </p:cNvSpPr>
+          <p:nvPr>
+            <p:ph type="sldNum" idx="12"/>
           </p:nvPr>
         </p:nvSpPr>
         <p:spPr>
@@ -4811,7 +5020,7 @@
           </a:prstGeom>
         </p:spPr>
         <p:txBody>
-          <a:bodyPr anchorCtr="0" anchor="ctr" bIns="91425" lIns="91425" spcFirstLastPara="1" rIns="91425" wrap="square" tIns="91425">
+          <a:bodyPr spcFirstLastPara="1" wrap="square" lIns="91425" tIns="91425" rIns="91425" bIns="91425" anchor="ctr" anchorCtr="0">
             <a:noAutofit/>
           </a:bodyPr>
           <a:lstStyle>
@@ -4853,7 +5062,7 @@
             </a:lvl9pPr>
           </a:lstStyle>
           <a:p>
-            <a:pPr indent="0" lvl="0" marL="0" rtl="0" algn="r">
+            <a:pPr marL="0" lvl="0" indent="0" algn="r" rtl="0">
               <a:spcBef>
                 <a:spcPts val="0"/>
               </a:spcBef>
@@ -4879,11 +5088,11 @@
 </file>
 
 <file path=ppt/slideLayouts/slideLayout5.xml><?xml version="1.0" encoding="utf-8"?>
-<p:sldLayout xmlns:a="http://schemas.openxmlformats.org/drawingml/2006/main" xmlns:r="http://schemas.openxmlformats.org/officeDocument/2006/relationships" xmlns:mc="http://schemas.openxmlformats.org/markup-compatibility/2006" xmlns:mv="urn:schemas-microsoft-com:mac:vml" xmlns:p="http://schemas.openxmlformats.org/presentationml/2006/main" xmlns:c="http://schemas.openxmlformats.org/drawingml/2006/chart" xmlns:dgm="http://schemas.openxmlformats.org/drawingml/2006/diagram" xmlns:o="urn:schemas-microsoft-com:office:office" xmlns:v="urn:schemas-microsoft-com:vml" xmlns:pvml="urn:schemas-microsoft-com:office:powerpoint" xmlns:com="http://schemas.openxmlformats.org/drawingml/2006/compatibility" xmlns:p14="http://schemas.microsoft.com/office/powerpoint/2010/main" xmlns:p15="http://schemas.microsoft.com/office/powerpoint/2012/main" xmlns:ahyp="http://schemas.microsoft.com/office/drawing/2018/hyperlinkcolor" matchingName="Title only" type="titleOnly">
+<p:sldLayout xmlns:a="http://schemas.openxmlformats.org/drawingml/2006/main" xmlns:r="http://schemas.openxmlformats.org/officeDocument/2006/relationships" xmlns:p="http://schemas.openxmlformats.org/presentationml/2006/main" matchingName="Title only" type="titleOnly">
   <p:cSld name="TITLE_ONLY">
     <p:spTree>
       <p:nvGrpSpPr>
-        <p:cNvPr id="25" name="Shape 25"/>
+        <p:cNvPr id="1" name="Shape 25"/>
         <p:cNvGrpSpPr/>
         <p:nvPr/>
       </p:nvGrpSpPr>
@@ -4898,7 +5107,9 @@
       <p:sp>
         <p:nvSpPr>
           <p:cNvPr id="26" name="Google Shape;26;p6"/>
-          <p:cNvSpPr txBox="1"/>
+          <p:cNvSpPr txBox="1">
+            <a:spLocks noGrp="1"/>
+          </p:cNvSpPr>
           <p:nvPr>
             <p:ph type="title"/>
           </p:nvPr>
@@ -4913,7 +5124,7 @@
           </a:prstGeom>
         </p:spPr>
         <p:txBody>
-          <a:bodyPr anchorCtr="0" anchor="t" bIns="91425" lIns="91425" spcFirstLastPara="1" rIns="91425" wrap="square" tIns="91425">
+          <a:bodyPr spcFirstLastPara="1" wrap="square" lIns="91425" tIns="91425" rIns="91425" bIns="91425" anchor="t" anchorCtr="0">
             <a:noAutofit/>
           </a:bodyPr>
           <a:lstStyle>
@@ -5017,15 +5228,19 @@
               <a:defRPr/>
             </a:lvl9pPr>
           </a:lstStyle>
-          <a:p/>
+          <a:p>
+            <a:endParaRPr/>
+          </a:p>
         </p:txBody>
       </p:sp>
       <p:sp>
         <p:nvSpPr>
           <p:cNvPr id="27" name="Google Shape;27;p6"/>
-          <p:cNvSpPr txBox="1"/>
-          <p:nvPr>
-            <p:ph idx="12" type="sldNum"/>
+          <p:cNvSpPr txBox="1">
+            <a:spLocks noGrp="1"/>
+          </p:cNvSpPr>
+          <p:nvPr>
+            <p:ph type="sldNum" idx="12"/>
           </p:nvPr>
         </p:nvSpPr>
         <p:spPr>
@@ -5038,7 +5253,7 @@
           </a:prstGeom>
         </p:spPr>
         <p:txBody>
-          <a:bodyPr anchorCtr="0" anchor="ctr" bIns="91425" lIns="91425" spcFirstLastPara="1" rIns="91425" wrap="square" tIns="91425">
+          <a:bodyPr spcFirstLastPara="1" wrap="square" lIns="91425" tIns="91425" rIns="91425" bIns="91425" anchor="ctr" anchorCtr="0">
             <a:noAutofit/>
           </a:bodyPr>
           <a:lstStyle>
@@ -5080,7 +5295,7 @@
             </a:lvl9pPr>
           </a:lstStyle>
           <a:p>
-            <a:pPr indent="0" lvl="0" marL="0" rtl="0" algn="r">
+            <a:pPr marL="0" lvl="0" indent="0" algn="r" rtl="0">
               <a:spcBef>
                 <a:spcPts val="0"/>
               </a:spcBef>
@@ -5106,11 +5321,11 @@
 </file>
 
 <file path=ppt/slideLayouts/slideLayout6.xml><?xml version="1.0" encoding="utf-8"?>
-<p:sldLayout xmlns:a="http://schemas.openxmlformats.org/drawingml/2006/main" xmlns:r="http://schemas.openxmlformats.org/officeDocument/2006/relationships" xmlns:mc="http://schemas.openxmlformats.org/markup-compatibility/2006" xmlns:mv="urn:schemas-microsoft-com:mac:vml" xmlns:p="http://schemas.openxmlformats.org/presentationml/2006/main" xmlns:c="http://schemas.openxmlformats.org/drawingml/2006/chart" xmlns:dgm="http://schemas.openxmlformats.org/drawingml/2006/diagram" xmlns:o="urn:schemas-microsoft-com:office:office" xmlns:v="urn:schemas-microsoft-com:vml" xmlns:pvml="urn:schemas-microsoft-com:office:powerpoint" xmlns:com="http://schemas.openxmlformats.org/drawingml/2006/compatibility" xmlns:p14="http://schemas.microsoft.com/office/powerpoint/2010/main" xmlns:p15="http://schemas.microsoft.com/office/powerpoint/2012/main" xmlns:ahyp="http://schemas.microsoft.com/office/drawing/2018/hyperlinkcolor" matchingName="One column text">
+<p:sldLayout xmlns:a="http://schemas.openxmlformats.org/drawingml/2006/main" xmlns:r="http://schemas.openxmlformats.org/officeDocument/2006/relationships" xmlns:p="http://schemas.openxmlformats.org/presentationml/2006/main" matchingName="One column text">
   <p:cSld name="ONE_COLUMN_TEXT">
     <p:spTree>
       <p:nvGrpSpPr>
-        <p:cNvPr id="28" name="Shape 28"/>
+        <p:cNvPr id="1" name="Shape 28"/>
         <p:cNvGrpSpPr/>
         <p:nvPr/>
       </p:nvGrpSpPr>
@@ -5125,7 +5340,9 @@
       <p:sp>
         <p:nvSpPr>
           <p:cNvPr id="29" name="Google Shape;29;p7"/>
-          <p:cNvSpPr txBox="1"/>
+          <p:cNvSpPr txBox="1">
+            <a:spLocks noGrp="1"/>
+          </p:cNvSpPr>
           <p:nvPr>
             <p:ph type="title"/>
           </p:nvPr>
@@ -5140,7 +5357,7 @@
           </a:prstGeom>
         </p:spPr>
         <p:txBody>
-          <a:bodyPr anchorCtr="0" anchor="b" bIns="91425" lIns="91425" spcFirstLastPara="1" rIns="91425" wrap="square" tIns="91425">
+          <a:bodyPr spcFirstLastPara="1" wrap="square" lIns="91425" tIns="91425" rIns="91425" bIns="91425" anchor="b" anchorCtr="0">
             <a:noAutofit/>
           </a:bodyPr>
           <a:lstStyle>
@@ -5244,15 +5461,19 @@
               <a:defRPr sz="2400"/>
             </a:lvl9pPr>
           </a:lstStyle>
-          <a:p/>
+          <a:p>
+            <a:endParaRPr/>
+          </a:p>
         </p:txBody>
       </p:sp>
       <p:sp>
         <p:nvSpPr>
           <p:cNvPr id="30" name="Google Shape;30;p7"/>
-          <p:cNvSpPr txBox="1"/>
-          <p:nvPr>
-            <p:ph idx="1" type="body"/>
+          <p:cNvSpPr txBox="1">
+            <a:spLocks noGrp="1"/>
+          </p:cNvSpPr>
+          <p:nvPr>
+            <p:ph type="body" idx="1"/>
           </p:nvPr>
         </p:nvSpPr>
         <p:spPr>
@@ -5265,11 +5486,11 @@
           </a:prstGeom>
         </p:spPr>
         <p:txBody>
-          <a:bodyPr anchorCtr="0" anchor="t" bIns="91425" lIns="91425" spcFirstLastPara="1" rIns="91425" wrap="square" tIns="91425">
+          <a:bodyPr spcFirstLastPara="1" wrap="square" lIns="91425" tIns="91425" rIns="91425" bIns="91425" anchor="t" anchorCtr="0">
             <a:noAutofit/>
           </a:bodyPr>
           <a:lstStyle>
-            <a:lvl1pPr indent="-304800" lvl="0" marL="457200">
+            <a:lvl1pPr marL="457200" lvl="0" indent="-304800">
               <a:spcBef>
                 <a:spcPts val="0"/>
               </a:spcBef>
@@ -5280,7 +5501,7 @@
               <a:buChar char="●"/>
               <a:defRPr sz="1200"/>
             </a:lvl1pPr>
-            <a:lvl2pPr indent="-304800" lvl="1" marL="914400">
+            <a:lvl2pPr marL="914400" lvl="1" indent="-304800">
               <a:spcBef>
                 <a:spcPts val="1600"/>
               </a:spcBef>
@@ -5291,7 +5512,7 @@
               <a:buChar char="○"/>
               <a:defRPr sz="1200"/>
             </a:lvl2pPr>
-            <a:lvl3pPr indent="-304800" lvl="2" marL="1371600">
+            <a:lvl3pPr marL="1371600" lvl="2" indent="-304800">
               <a:spcBef>
                 <a:spcPts val="1600"/>
               </a:spcBef>
@@ -5302,7 +5523,7 @@
               <a:buChar char="■"/>
               <a:defRPr sz="1200"/>
             </a:lvl3pPr>
-            <a:lvl4pPr indent="-304800" lvl="3" marL="1828800">
+            <a:lvl4pPr marL="1828800" lvl="3" indent="-304800">
               <a:spcBef>
                 <a:spcPts val="1600"/>
               </a:spcBef>
@@ -5313,7 +5534,7 @@
               <a:buChar char="●"/>
               <a:defRPr sz="1200"/>
             </a:lvl4pPr>
-            <a:lvl5pPr indent="-304800" lvl="4" marL="2286000">
+            <a:lvl5pPr marL="2286000" lvl="4" indent="-304800">
               <a:spcBef>
                 <a:spcPts val="1600"/>
               </a:spcBef>
@@ -5324,7 +5545,7 @@
               <a:buChar char="○"/>
               <a:defRPr sz="1200"/>
             </a:lvl5pPr>
-            <a:lvl6pPr indent="-304800" lvl="5" marL="2743200">
+            <a:lvl6pPr marL="2743200" lvl="5" indent="-304800">
               <a:spcBef>
                 <a:spcPts val="1600"/>
               </a:spcBef>
@@ -5335,7 +5556,7 @@
               <a:buChar char="■"/>
               <a:defRPr sz="1200"/>
             </a:lvl6pPr>
-            <a:lvl7pPr indent="-304800" lvl="6" marL="3200400">
+            <a:lvl7pPr marL="3200400" lvl="6" indent="-304800">
               <a:spcBef>
                 <a:spcPts val="1600"/>
               </a:spcBef>
@@ -5346,7 +5567,7 @@
               <a:buChar char="●"/>
               <a:defRPr sz="1200"/>
             </a:lvl7pPr>
-            <a:lvl8pPr indent="-304800" lvl="7" marL="3657600">
+            <a:lvl8pPr marL="3657600" lvl="7" indent="-304800">
               <a:spcBef>
                 <a:spcPts val="1600"/>
               </a:spcBef>
@@ -5357,7 +5578,7 @@
               <a:buChar char="○"/>
               <a:defRPr sz="1200"/>
             </a:lvl8pPr>
-            <a:lvl9pPr indent="-304800" lvl="8" marL="4114800">
+            <a:lvl9pPr marL="4114800" lvl="8" indent="-304800">
               <a:spcBef>
                 <a:spcPts val="1600"/>
               </a:spcBef>
@@ -5369,15 +5590,19 @@
               <a:defRPr sz="1200"/>
             </a:lvl9pPr>
           </a:lstStyle>
-          <a:p/>
+          <a:p>
+            <a:endParaRPr/>
+          </a:p>
         </p:txBody>
       </p:sp>
       <p:sp>
         <p:nvSpPr>
           <p:cNvPr id="31" name="Google Shape;31;p7"/>
-          <p:cNvSpPr txBox="1"/>
-          <p:nvPr>
-            <p:ph idx="12" type="sldNum"/>
+          <p:cNvSpPr txBox="1">
+            <a:spLocks noGrp="1"/>
+          </p:cNvSpPr>
+          <p:nvPr>
+            <p:ph type="sldNum" idx="12"/>
           </p:nvPr>
         </p:nvSpPr>
         <p:spPr>
@@ -5390,7 +5615,7 @@
           </a:prstGeom>
         </p:spPr>
         <p:txBody>
-          <a:bodyPr anchorCtr="0" anchor="ctr" bIns="91425" lIns="91425" spcFirstLastPara="1" rIns="91425" wrap="square" tIns="91425">
+          <a:bodyPr spcFirstLastPara="1" wrap="square" lIns="91425" tIns="91425" rIns="91425" bIns="91425" anchor="ctr" anchorCtr="0">
             <a:noAutofit/>
           </a:bodyPr>
           <a:lstStyle>
@@ -5432,7 +5657,7 @@
             </a:lvl9pPr>
           </a:lstStyle>
           <a:p>
-            <a:pPr indent="0" lvl="0" marL="0" rtl="0" algn="r">
+            <a:pPr marL="0" lvl="0" indent="0" algn="r" rtl="0">
               <a:spcBef>
                 <a:spcPts val="0"/>
               </a:spcBef>
@@ -5458,11 +5683,11 @@
 </file>
 
 <file path=ppt/slideLayouts/slideLayout7.xml><?xml version="1.0" encoding="utf-8"?>
-<p:sldLayout xmlns:a="http://schemas.openxmlformats.org/drawingml/2006/main" xmlns:r="http://schemas.openxmlformats.org/officeDocument/2006/relationships" xmlns:mc="http://schemas.openxmlformats.org/markup-compatibility/2006" xmlns:mv="urn:schemas-microsoft-com:mac:vml" xmlns:p="http://schemas.openxmlformats.org/presentationml/2006/main" xmlns:c="http://schemas.openxmlformats.org/drawingml/2006/chart" xmlns:dgm="http://schemas.openxmlformats.org/drawingml/2006/diagram" xmlns:o="urn:schemas-microsoft-com:office:office" xmlns:v="urn:schemas-microsoft-com:vml" xmlns:pvml="urn:schemas-microsoft-com:office:powerpoint" xmlns:com="http://schemas.openxmlformats.org/drawingml/2006/compatibility" xmlns:p14="http://schemas.microsoft.com/office/powerpoint/2010/main" xmlns:p15="http://schemas.microsoft.com/office/powerpoint/2012/main" xmlns:ahyp="http://schemas.microsoft.com/office/drawing/2018/hyperlinkcolor" matchingName="Main point">
+<p:sldLayout xmlns:a="http://schemas.openxmlformats.org/drawingml/2006/main" xmlns:r="http://schemas.openxmlformats.org/officeDocument/2006/relationships" xmlns:p="http://schemas.openxmlformats.org/presentationml/2006/main" matchingName="Main point">
   <p:cSld name="MAIN_POINT">
     <p:spTree>
       <p:nvGrpSpPr>
-        <p:cNvPr id="32" name="Shape 32"/>
+        <p:cNvPr id="1" name="Shape 32"/>
         <p:cNvGrpSpPr/>
         <p:nvPr/>
       </p:nvGrpSpPr>
@@ -5477,7 +5702,9 @@
       <p:sp>
         <p:nvSpPr>
           <p:cNvPr id="33" name="Google Shape;33;p8"/>
-          <p:cNvSpPr txBox="1"/>
+          <p:cNvSpPr txBox="1">
+            <a:spLocks noGrp="1"/>
+          </p:cNvSpPr>
           <p:nvPr>
             <p:ph type="title"/>
           </p:nvPr>
@@ -5492,7 +5719,7 @@
           </a:prstGeom>
         </p:spPr>
         <p:txBody>
-          <a:bodyPr anchorCtr="0" anchor="ctr" bIns="91425" lIns="91425" spcFirstLastPara="1" rIns="91425" wrap="square" tIns="91425">
+          <a:bodyPr spcFirstLastPara="1" wrap="square" lIns="91425" tIns="91425" rIns="91425" bIns="91425" anchor="ctr" anchorCtr="0">
             <a:noAutofit/>
           </a:bodyPr>
           <a:lstStyle>
@@ -5596,15 +5823,19 @@
               <a:defRPr sz="4800"/>
             </a:lvl9pPr>
           </a:lstStyle>
-          <a:p/>
+          <a:p>
+            <a:endParaRPr/>
+          </a:p>
         </p:txBody>
       </p:sp>
       <p:sp>
         <p:nvSpPr>
           <p:cNvPr id="34" name="Google Shape;34;p8"/>
-          <p:cNvSpPr txBox="1"/>
-          <p:nvPr>
-            <p:ph idx="12" type="sldNum"/>
+          <p:cNvSpPr txBox="1">
+            <a:spLocks noGrp="1"/>
+          </p:cNvSpPr>
+          <p:nvPr>
+            <p:ph type="sldNum" idx="12"/>
           </p:nvPr>
         </p:nvSpPr>
         <p:spPr>
@@ -5617,7 +5848,7 @@
           </a:prstGeom>
         </p:spPr>
         <p:txBody>
-          <a:bodyPr anchorCtr="0" anchor="ctr" bIns="91425" lIns="91425" spcFirstLastPara="1" rIns="91425" wrap="square" tIns="91425">
+          <a:bodyPr spcFirstLastPara="1" wrap="square" lIns="91425" tIns="91425" rIns="91425" bIns="91425" anchor="ctr" anchorCtr="0">
             <a:noAutofit/>
           </a:bodyPr>
           <a:lstStyle>
@@ -5659,7 +5890,7 @@
             </a:lvl9pPr>
           </a:lstStyle>
           <a:p>
-            <a:pPr indent="0" lvl="0" marL="0" rtl="0" algn="r">
+            <a:pPr marL="0" lvl="0" indent="0" algn="r" rtl="0">
               <a:spcBef>
                 <a:spcPts val="0"/>
               </a:spcBef>
@@ -5685,11 +5916,11 @@
 </file>
 
 <file path=ppt/slideLayouts/slideLayout8.xml><?xml version="1.0" encoding="utf-8"?>
-<p:sldLayout xmlns:a="http://schemas.openxmlformats.org/drawingml/2006/main" xmlns:r="http://schemas.openxmlformats.org/officeDocument/2006/relationships" xmlns:mc="http://schemas.openxmlformats.org/markup-compatibility/2006" xmlns:mv="urn:schemas-microsoft-com:mac:vml" xmlns:p="http://schemas.openxmlformats.org/presentationml/2006/main" xmlns:c="http://schemas.openxmlformats.org/drawingml/2006/chart" xmlns:dgm="http://schemas.openxmlformats.org/drawingml/2006/diagram" xmlns:o="urn:schemas-microsoft-com:office:office" xmlns:v="urn:schemas-microsoft-com:vml" xmlns:pvml="urn:schemas-microsoft-com:office:powerpoint" xmlns:com="http://schemas.openxmlformats.org/drawingml/2006/compatibility" xmlns:p14="http://schemas.microsoft.com/office/powerpoint/2010/main" xmlns:p15="http://schemas.microsoft.com/office/powerpoint/2012/main" xmlns:ahyp="http://schemas.microsoft.com/office/drawing/2018/hyperlinkcolor" matchingName="Section title and description">
+<p:sldLayout xmlns:a="http://schemas.openxmlformats.org/drawingml/2006/main" xmlns:r="http://schemas.openxmlformats.org/officeDocument/2006/relationships" xmlns:p="http://schemas.openxmlformats.org/presentationml/2006/main" matchingName="Section title and description">
   <p:cSld name="SECTION_TITLE_AND_DESCRIPTION">
     <p:spTree>
       <p:nvGrpSpPr>
-        <p:cNvPr id="35" name="Shape 35"/>
+        <p:cNvPr id="1" name="Shape 35"/>
         <p:cNvGrpSpPr/>
         <p:nvPr/>
       </p:nvGrpSpPr>
@@ -5723,23 +5954,20 @@
           </a:ln>
         </p:spPr>
         <p:txBody>
-          <a:bodyPr anchorCtr="0" anchor="ctr" bIns="91425" lIns="91425" spcFirstLastPara="1" rIns="91425" wrap="square" tIns="91425">
+          <a:bodyPr spcFirstLastPara="1" wrap="square" lIns="91425" tIns="91425" rIns="91425" bIns="91425" anchor="ctr" anchorCtr="0">
             <a:noAutofit/>
           </a:bodyPr>
           <a:lstStyle/>
           <a:p>
-            <a:pPr indent="0" lvl="0" marL="0" rtl="0" algn="l">
-              <a:spcBef>
-                <a:spcPts val="0"/>
-              </a:spcBef>
-              <a:spcAft>
-                <a:spcPts val="0"/>
-              </a:spcAft>
-              <a:buNone/>
-            </a:pPr>
-            <a:r>
-              <a:t/>
-            </a:r>
+            <a:pPr marL="0" lvl="0" indent="0" algn="l" rtl="0">
+              <a:spcBef>
+                <a:spcPts val="0"/>
+              </a:spcBef>
+              <a:spcAft>
+                <a:spcPts val="0"/>
+              </a:spcAft>
+              <a:buNone/>
+            </a:pPr>
             <a:endParaRPr/>
           </a:p>
         </p:txBody>
@@ -5747,7 +5975,9 @@
       <p:sp>
         <p:nvSpPr>
           <p:cNvPr id="37" name="Google Shape;37;p9"/>
-          <p:cNvSpPr txBox="1"/>
+          <p:cNvSpPr txBox="1">
+            <a:spLocks noGrp="1"/>
+          </p:cNvSpPr>
           <p:nvPr>
             <p:ph type="title"/>
           </p:nvPr>
@@ -5762,7 +5992,7 @@
           </a:prstGeom>
         </p:spPr>
         <p:txBody>
-          <a:bodyPr anchorCtr="0" anchor="b" bIns="91425" lIns="91425" spcFirstLastPara="1" rIns="91425" wrap="square" tIns="91425">
+          <a:bodyPr spcFirstLastPara="1" wrap="square" lIns="91425" tIns="91425" rIns="91425" bIns="91425" anchor="b" anchorCtr="0">
             <a:noAutofit/>
           </a:bodyPr>
           <a:lstStyle>
@@ -5866,15 +6096,19 @@
               <a:defRPr sz="4200"/>
             </a:lvl9pPr>
           </a:lstStyle>
-          <a:p/>
+          <a:p>
+            <a:endParaRPr/>
+          </a:p>
         </p:txBody>
       </p:sp>
       <p:sp>
         <p:nvSpPr>
           <p:cNvPr id="38" name="Google Shape;38;p9"/>
-          <p:cNvSpPr txBox="1"/>
-          <p:nvPr>
-            <p:ph idx="1" type="subTitle"/>
+          <p:cNvSpPr txBox="1">
+            <a:spLocks noGrp="1"/>
+          </p:cNvSpPr>
+          <p:nvPr>
+            <p:ph type="subTitle" idx="1"/>
           </p:nvPr>
         </p:nvSpPr>
         <p:spPr>
@@ -5887,7 +6121,7 @@
           </a:prstGeom>
         </p:spPr>
         <p:txBody>
-          <a:bodyPr anchorCtr="0" anchor="t" bIns="91425" lIns="91425" spcFirstLastPara="1" rIns="91425" wrap="square" tIns="91425">
+          <a:bodyPr spcFirstLastPara="1" wrap="square" lIns="91425" tIns="91425" rIns="91425" bIns="91425" anchor="t" anchorCtr="0">
             <a:noAutofit/>
           </a:bodyPr>
           <a:lstStyle>
@@ -6018,15 +6252,19 @@
               <a:defRPr sz="2100"/>
             </a:lvl9pPr>
           </a:lstStyle>
-          <a:p/>
+          <a:p>
+            <a:endParaRPr/>
+          </a:p>
         </p:txBody>
       </p:sp>
       <p:sp>
         <p:nvSpPr>
           <p:cNvPr id="39" name="Google Shape;39;p9"/>
-          <p:cNvSpPr txBox="1"/>
-          <p:nvPr>
-            <p:ph idx="2" type="body"/>
+          <p:cNvSpPr txBox="1">
+            <a:spLocks noGrp="1"/>
+          </p:cNvSpPr>
+          <p:nvPr>
+            <p:ph type="body" idx="2"/>
           </p:nvPr>
         </p:nvSpPr>
         <p:spPr>
@@ -6039,11 +6277,11 @@
           </a:prstGeom>
         </p:spPr>
         <p:txBody>
-          <a:bodyPr anchorCtr="0" anchor="ctr" bIns="91425" lIns="91425" spcFirstLastPara="1" rIns="91425" wrap="square" tIns="91425">
+          <a:bodyPr spcFirstLastPara="1" wrap="square" lIns="91425" tIns="91425" rIns="91425" bIns="91425" anchor="ctr" anchorCtr="0">
             <a:noAutofit/>
           </a:bodyPr>
           <a:lstStyle>
-            <a:lvl1pPr indent="-342900" lvl="0" marL="457200">
+            <a:lvl1pPr marL="457200" lvl="0" indent="-342900">
               <a:spcBef>
                 <a:spcPts val="0"/>
               </a:spcBef>
@@ -6054,7 +6292,7 @@
               <a:buChar char="●"/>
               <a:defRPr/>
             </a:lvl1pPr>
-            <a:lvl2pPr indent="-317500" lvl="1" marL="914400">
+            <a:lvl2pPr marL="914400" lvl="1" indent="-317500">
               <a:spcBef>
                 <a:spcPts val="1600"/>
               </a:spcBef>
@@ -6065,7 +6303,7 @@
               <a:buChar char="○"/>
               <a:defRPr/>
             </a:lvl2pPr>
-            <a:lvl3pPr indent="-317500" lvl="2" marL="1371600">
+            <a:lvl3pPr marL="1371600" lvl="2" indent="-317500">
               <a:spcBef>
                 <a:spcPts val="1600"/>
               </a:spcBef>
@@ -6076,7 +6314,7 @@
               <a:buChar char="■"/>
               <a:defRPr/>
             </a:lvl3pPr>
-            <a:lvl4pPr indent="-317500" lvl="3" marL="1828800">
+            <a:lvl4pPr marL="1828800" lvl="3" indent="-317500">
               <a:spcBef>
                 <a:spcPts val="1600"/>
               </a:spcBef>
@@ -6087,7 +6325,7 @@
               <a:buChar char="●"/>
               <a:defRPr/>
             </a:lvl4pPr>
-            <a:lvl5pPr indent="-317500" lvl="4" marL="2286000">
+            <a:lvl5pPr marL="2286000" lvl="4" indent="-317500">
               <a:spcBef>
                 <a:spcPts val="1600"/>
               </a:spcBef>
@@ -6098,7 +6336,7 @@
               <a:buChar char="○"/>
               <a:defRPr/>
             </a:lvl5pPr>
-            <a:lvl6pPr indent="-317500" lvl="5" marL="2743200">
+            <a:lvl6pPr marL="2743200" lvl="5" indent="-317500">
               <a:spcBef>
                 <a:spcPts val="1600"/>
               </a:spcBef>
@@ -6109,7 +6347,7 @@
               <a:buChar char="■"/>
               <a:defRPr/>
             </a:lvl6pPr>
-            <a:lvl7pPr indent="-317500" lvl="6" marL="3200400">
+            <a:lvl7pPr marL="3200400" lvl="6" indent="-317500">
               <a:spcBef>
                 <a:spcPts val="1600"/>
               </a:spcBef>
@@ -6120,7 +6358,7 @@
               <a:buChar char="●"/>
               <a:defRPr/>
             </a:lvl7pPr>
-            <a:lvl8pPr indent="-317500" lvl="7" marL="3657600">
+            <a:lvl8pPr marL="3657600" lvl="7" indent="-317500">
               <a:spcBef>
                 <a:spcPts val="1600"/>
               </a:spcBef>
@@ -6131,7 +6369,7 @@
               <a:buChar char="○"/>
               <a:defRPr/>
             </a:lvl8pPr>
-            <a:lvl9pPr indent="-317500" lvl="8" marL="4114800">
+            <a:lvl9pPr marL="4114800" lvl="8" indent="-317500">
               <a:spcBef>
                 <a:spcPts val="1600"/>
               </a:spcBef>
@@ -6143,15 +6381,19 @@
               <a:defRPr/>
             </a:lvl9pPr>
           </a:lstStyle>
-          <a:p/>
+          <a:p>
+            <a:endParaRPr/>
+          </a:p>
         </p:txBody>
       </p:sp>
       <p:sp>
         <p:nvSpPr>
           <p:cNvPr id="40" name="Google Shape;40;p9"/>
-          <p:cNvSpPr txBox="1"/>
-          <p:nvPr>
-            <p:ph idx="12" type="sldNum"/>
+          <p:cNvSpPr txBox="1">
+            <a:spLocks noGrp="1"/>
+          </p:cNvSpPr>
+          <p:nvPr>
+            <p:ph type="sldNum" idx="12"/>
           </p:nvPr>
         </p:nvSpPr>
         <p:spPr>
@@ -6164,7 +6406,7 @@
           </a:prstGeom>
         </p:spPr>
         <p:txBody>
-          <a:bodyPr anchorCtr="0" anchor="ctr" bIns="91425" lIns="91425" spcFirstLastPara="1" rIns="91425" wrap="square" tIns="91425">
+          <a:bodyPr spcFirstLastPara="1" wrap="square" lIns="91425" tIns="91425" rIns="91425" bIns="91425" anchor="ctr" anchorCtr="0">
             <a:noAutofit/>
           </a:bodyPr>
           <a:lstStyle>
@@ -6206,7 +6448,7 @@
             </a:lvl9pPr>
           </a:lstStyle>
           <a:p>
-            <a:pPr indent="0" lvl="0" marL="0" rtl="0" algn="r">
+            <a:pPr marL="0" lvl="0" indent="0" algn="r" rtl="0">
               <a:spcBef>
                 <a:spcPts val="0"/>
               </a:spcBef>
@@ -6232,11 +6474,11 @@
 </file>
 
 <file path=ppt/slideLayouts/slideLayout9.xml><?xml version="1.0" encoding="utf-8"?>
-<p:sldLayout xmlns:a="http://schemas.openxmlformats.org/drawingml/2006/main" xmlns:r="http://schemas.openxmlformats.org/officeDocument/2006/relationships" xmlns:mc="http://schemas.openxmlformats.org/markup-compatibility/2006" xmlns:mv="urn:schemas-microsoft-com:mac:vml" xmlns:p="http://schemas.openxmlformats.org/presentationml/2006/main" xmlns:c="http://schemas.openxmlformats.org/drawingml/2006/chart" xmlns:dgm="http://schemas.openxmlformats.org/drawingml/2006/diagram" xmlns:o="urn:schemas-microsoft-com:office:office" xmlns:v="urn:schemas-microsoft-com:vml" xmlns:pvml="urn:schemas-microsoft-com:office:powerpoint" xmlns:com="http://schemas.openxmlformats.org/drawingml/2006/compatibility" xmlns:p14="http://schemas.microsoft.com/office/powerpoint/2010/main" xmlns:p15="http://schemas.microsoft.com/office/powerpoint/2012/main" xmlns:ahyp="http://schemas.microsoft.com/office/drawing/2018/hyperlinkcolor" matchingName="Caption">
+<p:sldLayout xmlns:a="http://schemas.openxmlformats.org/drawingml/2006/main" xmlns:r="http://schemas.openxmlformats.org/officeDocument/2006/relationships" xmlns:p="http://schemas.openxmlformats.org/presentationml/2006/main" matchingName="Caption">
   <p:cSld name="CAPTION_ONLY">
     <p:spTree>
       <p:nvGrpSpPr>
-        <p:cNvPr id="41" name="Shape 41"/>
+        <p:cNvPr id="1" name="Shape 41"/>
         <p:cNvGrpSpPr/>
         <p:nvPr/>
       </p:nvGrpSpPr>
@@ -6251,9 +6493,11 @@
       <p:sp>
         <p:nvSpPr>
           <p:cNvPr id="42" name="Google Shape;42;p10"/>
-          <p:cNvSpPr txBox="1"/>
-          <p:nvPr>
-            <p:ph idx="1" type="body"/>
+          <p:cNvSpPr txBox="1">
+            <a:spLocks noGrp="1"/>
+          </p:cNvSpPr>
+          <p:nvPr>
+            <p:ph type="body" idx="1"/>
           </p:nvPr>
         </p:nvSpPr>
         <p:spPr>
@@ -6266,11 +6510,11 @@
           </a:prstGeom>
         </p:spPr>
         <p:txBody>
-          <a:bodyPr anchorCtr="0" anchor="ctr" bIns="91425" lIns="91425" spcFirstLastPara="1" rIns="91425" wrap="square" tIns="91425">
+          <a:bodyPr spcFirstLastPara="1" wrap="square" lIns="91425" tIns="91425" rIns="91425" bIns="91425" anchor="ctr" anchorCtr="0">
             <a:noAutofit/>
           </a:bodyPr>
           <a:lstStyle>
-            <a:lvl1pPr indent="-228600" lvl="0" marL="457200">
+            <a:lvl1pPr marL="457200" lvl="0" indent="-228600">
               <a:lnSpc>
                 <a:spcPct val="100000"/>
               </a:lnSpc>
@@ -6285,15 +6529,19 @@
               <a:defRPr/>
             </a:lvl1pPr>
           </a:lstStyle>
-          <a:p/>
+          <a:p>
+            <a:endParaRPr/>
+          </a:p>
         </p:txBody>
       </p:sp>
       <p:sp>
         <p:nvSpPr>
           <p:cNvPr id="43" name="Google Shape;43;p10"/>
-          <p:cNvSpPr txBox="1"/>
-          <p:nvPr>
-            <p:ph idx="12" type="sldNum"/>
+          <p:cNvSpPr txBox="1">
+            <a:spLocks noGrp="1"/>
+          </p:cNvSpPr>
+          <p:nvPr>
+            <p:ph type="sldNum" idx="12"/>
           </p:nvPr>
         </p:nvSpPr>
         <p:spPr>
@@ -6306,7 +6554,7 @@
           </a:prstGeom>
         </p:spPr>
         <p:txBody>
-          <a:bodyPr anchorCtr="0" anchor="ctr" bIns="91425" lIns="91425" spcFirstLastPara="1" rIns="91425" wrap="square" tIns="91425">
+          <a:bodyPr spcFirstLastPara="1" wrap="square" lIns="91425" tIns="91425" rIns="91425" bIns="91425" anchor="ctr" anchorCtr="0">
             <a:noAutofit/>
           </a:bodyPr>
           <a:lstStyle>
@@ -6348,7 +6596,7 @@
             </a:lvl9pPr>
           </a:lstStyle>
           <a:p>
-            <a:pPr indent="0" lvl="0" marL="0" rtl="0" algn="r">
+            <a:pPr marL="0" lvl="0" indent="0" algn="r" rtl="0">
               <a:spcBef>
                 <a:spcPts val="0"/>
               </a:spcBef>
@@ -6374,18 +6622,19 @@
 </file>
 
 <file path=ppt/slideMasters/slideMaster1.xml><?xml version="1.0" encoding="utf-8"?>
-<p:sldMaster xmlns:a="http://schemas.openxmlformats.org/drawingml/2006/main" xmlns:r="http://schemas.openxmlformats.org/officeDocument/2006/relationships" xmlns:mc="http://schemas.openxmlformats.org/markup-compatibility/2006" xmlns:mv="urn:schemas-microsoft-com:mac:vml" xmlns:p="http://schemas.openxmlformats.org/presentationml/2006/main" xmlns:c="http://schemas.openxmlformats.org/drawingml/2006/chart" xmlns:dgm="http://schemas.openxmlformats.org/drawingml/2006/diagram" xmlns:o="urn:schemas-microsoft-com:office:office" xmlns:v="urn:schemas-microsoft-com:vml" xmlns:pvml="urn:schemas-microsoft-com:office:powerpoint" xmlns:com="http://schemas.openxmlformats.org/drawingml/2006/compatibility" xmlns:p14="http://schemas.microsoft.com/office/powerpoint/2010/main" xmlns:p15="http://schemas.microsoft.com/office/powerpoint/2012/main" xmlns:ahyp="http://schemas.microsoft.com/office/drawing/2018/hyperlinkcolor">
+<p:sldMaster xmlns:a="http://schemas.openxmlformats.org/drawingml/2006/main" xmlns:r="http://schemas.openxmlformats.org/officeDocument/2006/relationships" xmlns:p="http://schemas.openxmlformats.org/presentationml/2006/main">
   <p:cSld name="simple-light-2">
     <p:bg>
       <p:bgPr>
         <a:solidFill>
           <a:schemeClr val="lt1"/>
         </a:solidFill>
+        <a:effectLst/>
       </p:bgPr>
     </p:bg>
     <p:spTree>
       <p:nvGrpSpPr>
-        <p:cNvPr id="5" name="Shape 5"/>
+        <p:cNvPr id="1" name="Shape 5"/>
         <p:cNvGrpSpPr/>
         <p:nvPr/>
       </p:nvGrpSpPr>
@@ -6400,7 +6649,9 @@
       <p:sp>
         <p:nvSpPr>
           <p:cNvPr id="6" name="Google Shape;6;p1"/>
-          <p:cNvSpPr txBox="1"/>
+          <p:cNvSpPr txBox="1">
+            <a:spLocks noGrp="1"/>
+          </p:cNvSpPr>
           <p:nvPr>
             <p:ph type="title"/>
           </p:nvPr>
@@ -6419,7 +6670,7 @@
           </a:ln>
         </p:spPr>
         <p:txBody>
-          <a:bodyPr anchorCtr="0" anchor="t" bIns="91425" lIns="91425" spcFirstLastPara="1" rIns="91425" wrap="square" tIns="91425">
+          <a:bodyPr spcFirstLastPara="1" wrap="square" lIns="91425" tIns="91425" rIns="91425" bIns="91425" anchor="t" anchorCtr="0">
             <a:noAutofit/>
           </a:bodyPr>
           <a:lstStyle>
@@ -6586,15 +6837,19 @@
               </a:defRPr>
             </a:lvl9pPr>
           </a:lstStyle>
-          <a:p/>
+          <a:p>
+            <a:endParaRPr/>
+          </a:p>
         </p:txBody>
       </p:sp>
       <p:sp>
         <p:nvSpPr>
           <p:cNvPr id="7" name="Google Shape;7;p1"/>
-          <p:cNvSpPr txBox="1"/>
-          <p:nvPr>
-            <p:ph idx="1" type="body"/>
+          <p:cNvSpPr txBox="1">
+            <a:spLocks noGrp="1"/>
+          </p:cNvSpPr>
+          <p:nvPr>
+            <p:ph type="body" idx="1"/>
           </p:nvPr>
         </p:nvSpPr>
         <p:spPr>
@@ -6611,11 +6866,11 @@
           </a:ln>
         </p:spPr>
         <p:txBody>
-          <a:bodyPr anchorCtr="0" anchor="t" bIns="91425" lIns="91425" spcFirstLastPara="1" rIns="91425" wrap="square" tIns="91425">
+          <a:bodyPr spcFirstLastPara="1" wrap="square" lIns="91425" tIns="91425" rIns="91425" bIns="91425" anchor="t" anchorCtr="0">
             <a:noAutofit/>
           </a:bodyPr>
           <a:lstStyle>
-            <a:lvl1pPr indent="-342900" lvl="0" marL="457200">
+            <a:lvl1pPr marL="457200" lvl="0" indent="-342900">
               <a:lnSpc>
                 <a:spcPct val="115000"/>
               </a:lnSpc>
@@ -6636,7 +6891,7 @@
                 </a:solidFill>
               </a:defRPr>
             </a:lvl1pPr>
-            <a:lvl2pPr indent="-317500" lvl="1" marL="914400">
+            <a:lvl2pPr marL="914400" lvl="1" indent="-317500">
               <a:lnSpc>
                 <a:spcPct val="115000"/>
               </a:lnSpc>
@@ -6657,7 +6912,7 @@
                 </a:solidFill>
               </a:defRPr>
             </a:lvl2pPr>
-            <a:lvl3pPr indent="-317500" lvl="2" marL="1371600">
+            <a:lvl3pPr marL="1371600" lvl="2" indent="-317500">
               <a:lnSpc>
                 <a:spcPct val="115000"/>
               </a:lnSpc>
@@ -6678,7 +6933,7 @@
                 </a:solidFill>
               </a:defRPr>
             </a:lvl3pPr>
-            <a:lvl4pPr indent="-317500" lvl="3" marL="1828800">
+            <a:lvl4pPr marL="1828800" lvl="3" indent="-317500">
               <a:lnSpc>
                 <a:spcPct val="115000"/>
               </a:lnSpc>
@@ -6699,7 +6954,7 @@
                 </a:solidFill>
               </a:defRPr>
             </a:lvl4pPr>
-            <a:lvl5pPr indent="-317500" lvl="4" marL="2286000">
+            <a:lvl5pPr marL="2286000" lvl="4" indent="-317500">
               <a:lnSpc>
                 <a:spcPct val="115000"/>
               </a:lnSpc>
@@ -6720,7 +6975,7 @@
                 </a:solidFill>
               </a:defRPr>
             </a:lvl5pPr>
-            <a:lvl6pPr indent="-317500" lvl="5" marL="2743200">
+            <a:lvl6pPr marL="2743200" lvl="5" indent="-317500">
               <a:lnSpc>
                 <a:spcPct val="115000"/>
               </a:lnSpc>
@@ -6741,7 +6996,7 @@
                 </a:solidFill>
               </a:defRPr>
             </a:lvl6pPr>
-            <a:lvl7pPr indent="-317500" lvl="6" marL="3200400">
+            <a:lvl7pPr marL="3200400" lvl="6" indent="-317500">
               <a:lnSpc>
                 <a:spcPct val="115000"/>
               </a:lnSpc>
@@ -6762,7 +7017,7 @@
                 </a:solidFill>
               </a:defRPr>
             </a:lvl7pPr>
-            <a:lvl8pPr indent="-317500" lvl="7" marL="3657600">
+            <a:lvl8pPr marL="3657600" lvl="7" indent="-317500">
               <a:lnSpc>
                 <a:spcPct val="115000"/>
               </a:lnSpc>
@@ -6783,7 +7038,7 @@
                 </a:solidFill>
               </a:defRPr>
             </a:lvl8pPr>
-            <a:lvl9pPr indent="-317500" lvl="8" marL="4114800">
+            <a:lvl9pPr marL="4114800" lvl="8" indent="-317500">
               <a:lnSpc>
                 <a:spcPct val="115000"/>
               </a:lnSpc>
@@ -6805,15 +7060,19 @@
               </a:defRPr>
             </a:lvl9pPr>
           </a:lstStyle>
-          <a:p/>
+          <a:p>
+            <a:endParaRPr/>
+          </a:p>
         </p:txBody>
       </p:sp>
       <p:sp>
         <p:nvSpPr>
           <p:cNvPr id="8" name="Google Shape;8;p1"/>
-          <p:cNvSpPr txBox="1"/>
-          <p:nvPr>
-            <p:ph idx="12" type="sldNum"/>
+          <p:cNvSpPr txBox="1">
+            <a:spLocks noGrp="1"/>
+          </p:cNvSpPr>
+          <p:nvPr>
+            <p:ph type="sldNum" idx="12"/>
           </p:nvPr>
         </p:nvSpPr>
         <p:spPr>
@@ -6830,7 +7089,7 @@
           </a:ln>
         </p:spPr>
         <p:txBody>
-          <a:bodyPr anchorCtr="0" anchor="ctr" bIns="91425" lIns="91425" spcFirstLastPara="1" rIns="91425" wrap="square" tIns="91425">
+          <a:bodyPr spcFirstLastPara="1" wrap="square" lIns="91425" tIns="91425" rIns="91425" bIns="91425" anchor="ctr" anchorCtr="0">
             <a:noAutofit/>
           </a:bodyPr>
           <a:lstStyle>
@@ -6908,7 +7167,7 @@
             </a:lvl9pPr>
           </a:lstStyle>
           <a:p>
-            <a:pPr indent="0" lvl="0" marL="0" rtl="0" algn="r">
+            <a:pPr marL="0" lvl="0" indent="0" algn="r" rtl="0">
               <a:spcBef>
                 <a:spcPts val="0"/>
               </a:spcBef>
@@ -6927,7 +7186,7 @@
       </p:sp>
     </p:spTree>
   </p:cSld>
-  <p:clrMap accent1="accent1" accent2="accent2" accent3="accent3" accent4="accent4" accent5="accent5" accent6="accent6" bg1="lt1" bg2="dk2" tx1="dk1" tx2="lt2" folHlink="folHlink" hlink="hlink"/>
+  <p:clrMap bg1="lt1" tx1="dk1" bg2="dk2" tx2="lt2" accent1="accent1" accent2="accent2" accent3="accent3" accent4="accent4" accent5="accent5" accent6="accent6" hlink="hlink" folHlink="folHlink"/>
   <p:sldLayoutIdLst>
     <p:sldLayoutId id="2147483648" r:id="rId1"/>
     <p:sldLayoutId id="2147483649" r:id="rId2"/>
@@ -6941,10 +7200,10 @@
     <p:sldLayoutId id="2147483657" r:id="rId10"/>
     <p:sldLayoutId id="2147483658" r:id="rId11"/>
   </p:sldLayoutIdLst>
-  <p:hf dt="0" ftr="0" hdr="0" sldNum="0"/>
+  <p:hf sldNum="0" hdr="0" ftr="0" dt="0"/>
   <p:txStyles>
     <p:titleStyle>
-      <a:defPPr lvl="0" marR="0" rtl="0" algn="l">
+      <a:defPPr marR="0" lvl="0" algn="l" rtl="0">
         <a:lnSpc>
           <a:spcPct val="100000"/>
         </a:lnSpc>
@@ -6955,7 +7214,7 @@
           <a:spcPts val="0"/>
         </a:spcAft>
       </a:defPPr>
-      <a:lvl1pPr lvl="0" marR="0" rtl="0" algn="l">
+      <a:lvl1pPr marR="0" lvl="0" algn="l" rtl="0">
         <a:lnSpc>
           <a:spcPct val="100000"/>
         </a:lnSpc>
@@ -6969,7 +7228,7 @@
           <a:srgbClr val="000000"/>
         </a:buClr>
         <a:buFont typeface="Arial"/>
-        <a:defRPr b="0" i="0" sz="1400" u="none" cap="none" strike="noStrike">
+        <a:defRPr sz="1400" b="0" i="0" u="none" strike="noStrike" cap="none">
           <a:solidFill>
             <a:srgbClr val="000000"/>
           </a:solidFill>
@@ -6979,7 +7238,7 @@
           <a:sym typeface="Arial"/>
         </a:defRPr>
       </a:lvl1pPr>
-      <a:lvl2pPr lvl="1" marR="0" rtl="0" algn="l">
+      <a:lvl2pPr marR="0" lvl="1" algn="l" rtl="0">
         <a:lnSpc>
           <a:spcPct val="100000"/>
         </a:lnSpc>
@@ -6993,7 +7252,7 @@
           <a:srgbClr val="000000"/>
         </a:buClr>
         <a:buFont typeface="Arial"/>
-        <a:defRPr b="0" i="0" sz="1400" u="none" cap="none" strike="noStrike">
+        <a:defRPr sz="1400" b="0" i="0" u="none" strike="noStrike" cap="none">
           <a:solidFill>
             <a:srgbClr val="000000"/>
           </a:solidFill>
@@ -7003,7 +7262,7 @@
           <a:sym typeface="Arial"/>
         </a:defRPr>
       </a:lvl2pPr>
-      <a:lvl3pPr lvl="2" marR="0" rtl="0" algn="l">
+      <a:lvl3pPr marR="0" lvl="2" algn="l" rtl="0">
         <a:lnSpc>
           <a:spcPct val="100000"/>
         </a:lnSpc>
@@ -7017,7 +7276,7 @@
           <a:srgbClr val="000000"/>
         </a:buClr>
         <a:buFont typeface="Arial"/>
-        <a:defRPr b="0" i="0" sz="1400" u="none" cap="none" strike="noStrike">
+        <a:defRPr sz="1400" b="0" i="0" u="none" strike="noStrike" cap="none">
           <a:solidFill>
             <a:srgbClr val="000000"/>
           </a:solidFill>
@@ -7027,7 +7286,7 @@
           <a:sym typeface="Arial"/>
         </a:defRPr>
       </a:lvl3pPr>
-      <a:lvl4pPr lvl="3" marR="0" rtl="0" algn="l">
+      <a:lvl4pPr marR="0" lvl="3" algn="l" rtl="0">
         <a:lnSpc>
           <a:spcPct val="100000"/>
         </a:lnSpc>
@@ -7041,7 +7300,7 @@
           <a:srgbClr val="000000"/>
         </a:buClr>
         <a:buFont typeface="Arial"/>
-        <a:defRPr b="0" i="0" sz="1400" u="none" cap="none" strike="noStrike">
+        <a:defRPr sz="1400" b="0" i="0" u="none" strike="noStrike" cap="none">
           <a:solidFill>
             <a:srgbClr val="000000"/>
           </a:solidFill>
@@ -7051,7 +7310,7 @@
           <a:sym typeface="Arial"/>
         </a:defRPr>
       </a:lvl4pPr>
-      <a:lvl5pPr lvl="4" marR="0" rtl="0" algn="l">
+      <a:lvl5pPr marR="0" lvl="4" algn="l" rtl="0">
         <a:lnSpc>
           <a:spcPct val="100000"/>
         </a:lnSpc>
@@ -7065,7 +7324,7 @@
           <a:srgbClr val="000000"/>
         </a:buClr>
         <a:buFont typeface="Arial"/>
-        <a:defRPr b="0" i="0" sz="1400" u="none" cap="none" strike="noStrike">
+        <a:defRPr sz="1400" b="0" i="0" u="none" strike="noStrike" cap="none">
           <a:solidFill>
             <a:srgbClr val="000000"/>
           </a:solidFill>
@@ -7075,7 +7334,7 @@
           <a:sym typeface="Arial"/>
         </a:defRPr>
       </a:lvl5pPr>
-      <a:lvl6pPr lvl="5" marR="0" rtl="0" algn="l">
+      <a:lvl6pPr marR="0" lvl="5" algn="l" rtl="0">
         <a:lnSpc>
           <a:spcPct val="100000"/>
         </a:lnSpc>
@@ -7089,7 +7348,7 @@
           <a:srgbClr val="000000"/>
         </a:buClr>
         <a:buFont typeface="Arial"/>
-        <a:defRPr b="0" i="0" sz="1400" u="none" cap="none" strike="noStrike">
+        <a:defRPr sz="1400" b="0" i="0" u="none" strike="noStrike" cap="none">
           <a:solidFill>
             <a:srgbClr val="000000"/>
           </a:solidFill>
@@ -7099,7 +7358,7 @@
           <a:sym typeface="Arial"/>
         </a:defRPr>
       </a:lvl6pPr>
-      <a:lvl7pPr lvl="6" marR="0" rtl="0" algn="l">
+      <a:lvl7pPr marR="0" lvl="6" algn="l" rtl="0">
         <a:lnSpc>
           <a:spcPct val="100000"/>
         </a:lnSpc>
@@ -7113,7 +7372,7 @@
           <a:srgbClr val="000000"/>
         </a:buClr>
         <a:buFont typeface="Arial"/>
-        <a:defRPr b="0" i="0" sz="1400" u="none" cap="none" strike="noStrike">
+        <a:defRPr sz="1400" b="0" i="0" u="none" strike="noStrike" cap="none">
           <a:solidFill>
             <a:srgbClr val="000000"/>
           </a:solidFill>
@@ -7123,7 +7382,7 @@
           <a:sym typeface="Arial"/>
         </a:defRPr>
       </a:lvl7pPr>
-      <a:lvl8pPr lvl="7" marR="0" rtl="0" algn="l">
+      <a:lvl8pPr marR="0" lvl="7" algn="l" rtl="0">
         <a:lnSpc>
           <a:spcPct val="100000"/>
         </a:lnSpc>
@@ -7137,7 +7396,7 @@
           <a:srgbClr val="000000"/>
         </a:buClr>
         <a:buFont typeface="Arial"/>
-        <a:defRPr b="0" i="0" sz="1400" u="none" cap="none" strike="noStrike">
+        <a:defRPr sz="1400" b="0" i="0" u="none" strike="noStrike" cap="none">
           <a:solidFill>
             <a:srgbClr val="000000"/>
           </a:solidFill>
@@ -7147,7 +7406,7 @@
           <a:sym typeface="Arial"/>
         </a:defRPr>
       </a:lvl8pPr>
-      <a:lvl9pPr lvl="8" marR="0" rtl="0" algn="l">
+      <a:lvl9pPr marR="0" lvl="8" algn="l" rtl="0">
         <a:lnSpc>
           <a:spcPct val="100000"/>
         </a:lnSpc>
@@ -7161,7 +7420,7 @@
           <a:srgbClr val="000000"/>
         </a:buClr>
         <a:buFont typeface="Arial"/>
-        <a:defRPr b="0" i="0" sz="1400" u="none" cap="none" strike="noStrike">
+        <a:defRPr sz="1400" b="0" i="0" u="none" strike="noStrike" cap="none">
           <a:solidFill>
             <a:srgbClr val="000000"/>
           </a:solidFill>
@@ -7173,7 +7432,7 @@
       </a:lvl9pPr>
     </p:titleStyle>
     <p:bodyStyle>
-      <a:defPPr lvl="0" marR="0" rtl="0" algn="l">
+      <a:defPPr marR="0" lvl="0" algn="l" rtl="0">
         <a:lnSpc>
           <a:spcPct val="100000"/>
         </a:lnSpc>
@@ -7184,7 +7443,7 @@
           <a:spcPts val="0"/>
         </a:spcAft>
       </a:defPPr>
-      <a:lvl1pPr lvl="0" marR="0" rtl="0" algn="l">
+      <a:lvl1pPr marR="0" lvl="0" algn="l" rtl="0">
         <a:lnSpc>
           <a:spcPct val="100000"/>
         </a:lnSpc>
@@ -7198,7 +7457,7 @@
           <a:srgbClr val="000000"/>
         </a:buClr>
         <a:buFont typeface="Arial"/>
-        <a:defRPr b="0" i="0" sz="1400" u="none" cap="none" strike="noStrike">
+        <a:defRPr sz="1400" b="0" i="0" u="none" strike="noStrike" cap="none">
           <a:solidFill>
             <a:srgbClr val="000000"/>
           </a:solidFill>
@@ -7208,7 +7467,7 @@
           <a:sym typeface="Arial"/>
         </a:defRPr>
       </a:lvl1pPr>
-      <a:lvl2pPr lvl="1" marR="0" rtl="0" algn="l">
+      <a:lvl2pPr marR="0" lvl="1" algn="l" rtl="0">
         <a:lnSpc>
           <a:spcPct val="100000"/>
         </a:lnSpc>
@@ -7222,7 +7481,7 @@
           <a:srgbClr val="000000"/>
         </a:buClr>
         <a:buFont typeface="Arial"/>
-        <a:defRPr b="0" i="0" sz="1400" u="none" cap="none" strike="noStrike">
+        <a:defRPr sz="1400" b="0" i="0" u="none" strike="noStrike" cap="none">
           <a:solidFill>
             <a:srgbClr val="000000"/>
           </a:solidFill>
@@ -7232,7 +7491,7 @@
           <a:sym typeface="Arial"/>
         </a:defRPr>
       </a:lvl2pPr>
-      <a:lvl3pPr lvl="2" marR="0" rtl="0" algn="l">
+      <a:lvl3pPr marR="0" lvl="2" algn="l" rtl="0">
         <a:lnSpc>
           <a:spcPct val="100000"/>
         </a:lnSpc>
@@ -7246,7 +7505,7 @@
           <a:srgbClr val="000000"/>
         </a:buClr>
         <a:buFont typeface="Arial"/>
-        <a:defRPr b="0" i="0" sz="1400" u="none" cap="none" strike="noStrike">
+        <a:defRPr sz="1400" b="0" i="0" u="none" strike="noStrike" cap="none">
           <a:solidFill>
             <a:srgbClr val="000000"/>
           </a:solidFill>
@@ -7256,7 +7515,7 @@
           <a:sym typeface="Arial"/>
         </a:defRPr>
       </a:lvl3pPr>
-      <a:lvl4pPr lvl="3" marR="0" rtl="0" algn="l">
+      <a:lvl4pPr marR="0" lvl="3" algn="l" rtl="0">
         <a:lnSpc>
           <a:spcPct val="100000"/>
         </a:lnSpc>
@@ -7270,7 +7529,7 @@
           <a:srgbClr val="000000"/>
         </a:buClr>
         <a:buFont typeface="Arial"/>
-        <a:defRPr b="0" i="0" sz="1400" u="none" cap="none" strike="noStrike">
+        <a:defRPr sz="1400" b="0" i="0" u="none" strike="noStrike" cap="none">
           <a:solidFill>
             <a:srgbClr val="000000"/>
           </a:solidFill>
@@ -7280,7 +7539,7 @@
           <a:sym typeface="Arial"/>
         </a:defRPr>
       </a:lvl4pPr>
-      <a:lvl5pPr lvl="4" marR="0" rtl="0" algn="l">
+      <a:lvl5pPr marR="0" lvl="4" algn="l" rtl="0">
         <a:lnSpc>
           <a:spcPct val="100000"/>
         </a:lnSpc>
@@ -7294,7 +7553,7 @@
           <a:srgbClr val="000000"/>
         </a:buClr>
         <a:buFont typeface="Arial"/>
-        <a:defRPr b="0" i="0" sz="1400" u="none" cap="none" strike="noStrike">
+        <a:defRPr sz="1400" b="0" i="0" u="none" strike="noStrike" cap="none">
           <a:solidFill>
             <a:srgbClr val="000000"/>
           </a:solidFill>
@@ -7304,7 +7563,7 @@
           <a:sym typeface="Arial"/>
         </a:defRPr>
       </a:lvl5pPr>
-      <a:lvl6pPr lvl="5" marR="0" rtl="0" algn="l">
+      <a:lvl6pPr marR="0" lvl="5" algn="l" rtl="0">
         <a:lnSpc>
           <a:spcPct val="100000"/>
         </a:lnSpc>
@@ -7318,7 +7577,7 @@
           <a:srgbClr val="000000"/>
         </a:buClr>
         <a:buFont typeface="Arial"/>
-        <a:defRPr b="0" i="0" sz="1400" u="none" cap="none" strike="noStrike">
+        <a:defRPr sz="1400" b="0" i="0" u="none" strike="noStrike" cap="none">
           <a:solidFill>
             <a:srgbClr val="000000"/>
           </a:solidFill>
@@ -7328,7 +7587,7 @@
           <a:sym typeface="Arial"/>
         </a:defRPr>
       </a:lvl6pPr>
-      <a:lvl7pPr lvl="6" marR="0" rtl="0" algn="l">
+      <a:lvl7pPr marR="0" lvl="6" algn="l" rtl="0">
         <a:lnSpc>
           <a:spcPct val="100000"/>
         </a:lnSpc>
@@ -7342,7 +7601,7 @@
           <a:srgbClr val="000000"/>
         </a:buClr>
         <a:buFont typeface="Arial"/>
-        <a:defRPr b="0" i="0" sz="1400" u="none" cap="none" strike="noStrike">
+        <a:defRPr sz="1400" b="0" i="0" u="none" strike="noStrike" cap="none">
           <a:solidFill>
             <a:srgbClr val="000000"/>
           </a:solidFill>
@@ -7352,7 +7611,7 @@
           <a:sym typeface="Arial"/>
         </a:defRPr>
       </a:lvl7pPr>
-      <a:lvl8pPr lvl="7" marR="0" rtl="0" algn="l">
+      <a:lvl8pPr marR="0" lvl="7" algn="l" rtl="0">
         <a:lnSpc>
           <a:spcPct val="100000"/>
         </a:lnSpc>
@@ -7366,7 +7625,7 @@
           <a:srgbClr val="000000"/>
         </a:buClr>
         <a:buFont typeface="Arial"/>
-        <a:defRPr b="0" i="0" sz="1400" u="none" cap="none" strike="noStrike">
+        <a:defRPr sz="1400" b="0" i="0" u="none" strike="noStrike" cap="none">
           <a:solidFill>
             <a:srgbClr val="000000"/>
           </a:solidFill>
@@ -7376,7 +7635,7 @@
           <a:sym typeface="Arial"/>
         </a:defRPr>
       </a:lvl8pPr>
-      <a:lvl9pPr lvl="8" marR="0" rtl="0" algn="l">
+      <a:lvl9pPr marR="0" lvl="8" algn="l" rtl="0">
         <a:lnSpc>
           <a:spcPct val="100000"/>
         </a:lnSpc>
@@ -7390,7 +7649,7 @@
           <a:srgbClr val="000000"/>
         </a:buClr>
         <a:buFont typeface="Arial"/>
-        <a:defRPr b="0" i="0" sz="1400" u="none" cap="none" strike="noStrike">
+        <a:defRPr sz="1400" b="0" i="0" u="none" strike="noStrike" cap="none">
           <a:solidFill>
             <a:srgbClr val="000000"/>
           </a:solidFill>
@@ -7402,7 +7661,7 @@
       </a:lvl9pPr>
     </p:bodyStyle>
     <p:otherStyle>
-      <a:defPPr lvl="0" marR="0" rtl="0" algn="l">
+      <a:defPPr marR="0" lvl="0" algn="l" rtl="0">
         <a:lnSpc>
           <a:spcPct val="100000"/>
         </a:lnSpc>
@@ -7413,7 +7672,7 @@
           <a:spcPts val="0"/>
         </a:spcAft>
       </a:defPPr>
-      <a:lvl1pPr lvl="0" marR="0" rtl="0" algn="l">
+      <a:lvl1pPr marR="0" lvl="0" algn="l" rtl="0">
         <a:lnSpc>
           <a:spcPct val="100000"/>
         </a:lnSpc>
@@ -7427,7 +7686,7 @@
           <a:srgbClr val="000000"/>
         </a:buClr>
         <a:buFont typeface="Arial"/>
-        <a:defRPr b="0" i="0" sz="1400" u="none" cap="none" strike="noStrike">
+        <a:defRPr sz="1400" b="0" i="0" u="none" strike="noStrike" cap="none">
           <a:solidFill>
             <a:srgbClr val="000000"/>
           </a:solidFill>
@@ -7437,7 +7696,7 @@
           <a:sym typeface="Arial"/>
         </a:defRPr>
       </a:lvl1pPr>
-      <a:lvl2pPr lvl="1" marR="0" rtl="0" algn="l">
+      <a:lvl2pPr marR="0" lvl="1" algn="l" rtl="0">
         <a:lnSpc>
           <a:spcPct val="100000"/>
         </a:lnSpc>
@@ -7451,7 +7710,7 @@
           <a:srgbClr val="000000"/>
         </a:buClr>
         <a:buFont typeface="Arial"/>
-        <a:defRPr b="0" i="0" sz="1400" u="none" cap="none" strike="noStrike">
+        <a:defRPr sz="1400" b="0" i="0" u="none" strike="noStrike" cap="none">
           <a:solidFill>
             <a:srgbClr val="000000"/>
           </a:solidFill>
@@ -7461,7 +7720,7 @@
           <a:sym typeface="Arial"/>
         </a:defRPr>
       </a:lvl2pPr>
-      <a:lvl3pPr lvl="2" marR="0" rtl="0" algn="l">
+      <a:lvl3pPr marR="0" lvl="2" algn="l" rtl="0">
         <a:lnSpc>
           <a:spcPct val="100000"/>
         </a:lnSpc>
@@ -7475,7 +7734,7 @@
           <a:srgbClr val="000000"/>
         </a:buClr>
         <a:buFont typeface="Arial"/>
-        <a:defRPr b="0" i="0" sz="1400" u="none" cap="none" strike="noStrike">
+        <a:defRPr sz="1400" b="0" i="0" u="none" strike="noStrike" cap="none">
           <a:solidFill>
             <a:srgbClr val="000000"/>
           </a:solidFill>
@@ -7485,7 +7744,7 @@
           <a:sym typeface="Arial"/>
         </a:defRPr>
       </a:lvl3pPr>
-      <a:lvl4pPr lvl="3" marR="0" rtl="0" algn="l">
+      <a:lvl4pPr marR="0" lvl="3" algn="l" rtl="0">
         <a:lnSpc>
           <a:spcPct val="100000"/>
         </a:lnSpc>
@@ -7499,7 +7758,7 @@
           <a:srgbClr val="000000"/>
         </a:buClr>
         <a:buFont typeface="Arial"/>
-        <a:defRPr b="0" i="0" sz="1400" u="none" cap="none" strike="noStrike">
+        <a:defRPr sz="1400" b="0" i="0" u="none" strike="noStrike" cap="none">
           <a:solidFill>
             <a:srgbClr val="000000"/>
           </a:solidFill>
@@ -7509,7 +7768,7 @@
           <a:sym typeface="Arial"/>
         </a:defRPr>
       </a:lvl4pPr>
-      <a:lvl5pPr lvl="4" marR="0" rtl="0" algn="l">
+      <a:lvl5pPr marR="0" lvl="4" algn="l" rtl="0">
         <a:lnSpc>
           <a:spcPct val="100000"/>
         </a:lnSpc>
@@ -7523,7 +7782,7 @@
           <a:srgbClr val="000000"/>
         </a:buClr>
         <a:buFont typeface="Arial"/>
-        <a:defRPr b="0" i="0" sz="1400" u="none" cap="none" strike="noStrike">
+        <a:defRPr sz="1400" b="0" i="0" u="none" strike="noStrike" cap="none">
           <a:solidFill>
             <a:srgbClr val="000000"/>
           </a:solidFill>
@@ -7533,7 +7792,7 @@
           <a:sym typeface="Arial"/>
         </a:defRPr>
       </a:lvl5pPr>
-      <a:lvl6pPr lvl="5" marR="0" rtl="0" algn="l">
+      <a:lvl6pPr marR="0" lvl="5" algn="l" rtl="0">
         <a:lnSpc>
           <a:spcPct val="100000"/>
         </a:lnSpc>
@@ -7547,7 +7806,7 @@
           <a:srgbClr val="000000"/>
         </a:buClr>
         <a:buFont typeface="Arial"/>
-        <a:defRPr b="0" i="0" sz="1400" u="none" cap="none" strike="noStrike">
+        <a:defRPr sz="1400" b="0" i="0" u="none" strike="noStrike" cap="none">
           <a:solidFill>
             <a:srgbClr val="000000"/>
           </a:solidFill>
@@ -7557,7 +7816,7 @@
           <a:sym typeface="Arial"/>
         </a:defRPr>
       </a:lvl6pPr>
-      <a:lvl7pPr lvl="6" marR="0" rtl="0" algn="l">
+      <a:lvl7pPr marR="0" lvl="6" algn="l" rtl="0">
         <a:lnSpc>
           <a:spcPct val="100000"/>
         </a:lnSpc>
@@ -7571,7 +7830,7 @@
           <a:srgbClr val="000000"/>
         </a:buClr>
         <a:buFont typeface="Arial"/>
-        <a:defRPr b="0" i="0" sz="1400" u="none" cap="none" strike="noStrike">
+        <a:defRPr sz="1400" b="0" i="0" u="none" strike="noStrike" cap="none">
           <a:solidFill>
             <a:srgbClr val="000000"/>
           </a:solidFill>
@@ -7581,7 +7840,7 @@
           <a:sym typeface="Arial"/>
         </a:defRPr>
       </a:lvl7pPr>
-      <a:lvl8pPr lvl="7" marR="0" rtl="0" algn="l">
+      <a:lvl8pPr marR="0" lvl="7" algn="l" rtl="0">
         <a:lnSpc>
           <a:spcPct val="100000"/>
         </a:lnSpc>
@@ -7595,7 +7854,7 @@
           <a:srgbClr val="000000"/>
         </a:buClr>
         <a:buFont typeface="Arial"/>
-        <a:defRPr b="0" i="0" sz="1400" u="none" cap="none" strike="noStrike">
+        <a:defRPr sz="1400" b="0" i="0" u="none" strike="noStrike" cap="none">
           <a:solidFill>
             <a:srgbClr val="000000"/>
           </a:solidFill>
@@ -7605,7 +7864,7 @@
           <a:sym typeface="Arial"/>
         </a:defRPr>
       </a:lvl8pPr>
-      <a:lvl9pPr lvl="8" marR="0" rtl="0" algn="l">
+      <a:lvl9pPr marR="0" lvl="8" algn="l" rtl="0">
         <a:lnSpc>
           <a:spcPct val="100000"/>
         </a:lnSpc>
@@ -7619,7 +7878,7 @@
           <a:srgbClr val="000000"/>
         </a:buClr>
         <a:buFont typeface="Arial"/>
-        <a:defRPr b="0" i="0" sz="1400" u="none" cap="none" strike="noStrike">
+        <a:defRPr sz="1400" b="0" i="0" u="none" strike="noStrike" cap="none">
           <a:solidFill>
             <a:srgbClr val="000000"/>
           </a:solidFill>
@@ -7635,11 +7894,11 @@
 </file>
 
 <file path=ppt/slides/slide1.xml><?xml version="1.0" encoding="utf-8"?>
-<p:sld xmlns:a="http://schemas.openxmlformats.org/drawingml/2006/main" xmlns:r="http://schemas.openxmlformats.org/officeDocument/2006/relationships" xmlns:mc="http://schemas.openxmlformats.org/markup-compatibility/2006" xmlns:mv="urn:schemas-microsoft-com:mac:vml" xmlns:p="http://schemas.openxmlformats.org/presentationml/2006/main" xmlns:c="http://schemas.openxmlformats.org/drawingml/2006/chart" xmlns:dgm="http://schemas.openxmlformats.org/drawingml/2006/diagram" xmlns:o="urn:schemas-microsoft-com:office:office" xmlns:v="urn:schemas-microsoft-com:vml" xmlns:pvml="urn:schemas-microsoft-com:office:powerpoint" xmlns:com="http://schemas.openxmlformats.org/drawingml/2006/compatibility" xmlns:p14="http://schemas.microsoft.com/office/powerpoint/2010/main" xmlns:p15="http://schemas.microsoft.com/office/powerpoint/2012/main" xmlns:ahyp="http://schemas.microsoft.com/office/drawing/2018/hyperlinkcolor">
+<p:sld xmlns:a="http://schemas.openxmlformats.org/drawingml/2006/main" xmlns:r="http://schemas.openxmlformats.org/officeDocument/2006/relationships" xmlns:p="http://schemas.openxmlformats.org/presentationml/2006/main">
   <p:cSld>
     <p:spTree>
       <p:nvGrpSpPr>
-        <p:cNvPr id="53" name="Shape 53"/>
+        <p:cNvPr id="1" name="Shape 53"/>
         <p:cNvGrpSpPr/>
         <p:nvPr/>
       </p:nvGrpSpPr>
@@ -7654,7 +7913,9 @@
       <p:sp>
         <p:nvSpPr>
           <p:cNvPr id="54" name="Google Shape;54;p13"/>
-          <p:cNvSpPr txBox="1"/>
+          <p:cNvSpPr txBox="1">
+            <a:spLocks noGrp="1"/>
+          </p:cNvSpPr>
           <p:nvPr>
             <p:ph type="ctrTitle"/>
           </p:nvPr>
@@ -7669,12 +7930,12 @@
           </a:prstGeom>
         </p:spPr>
         <p:txBody>
-          <a:bodyPr anchorCtr="0" anchor="b" bIns="91425" lIns="91425" spcFirstLastPara="1" rIns="91425" wrap="square" tIns="91425">
+          <a:bodyPr spcFirstLastPara="1" wrap="square" lIns="91425" tIns="91425" rIns="91425" bIns="91425" anchor="b" anchorCtr="0">
             <a:noAutofit/>
           </a:bodyPr>
           <a:lstStyle/>
           <a:p>
-            <a:pPr indent="0" lvl="0" marL="0" rtl="0" algn="ctr">
+            <a:pPr marL="0" lvl="0" indent="0" algn="ctr" rtl="0">
               <a:spcBef>
                 <a:spcPts val="0"/>
               </a:spcBef>
@@ -7694,9 +7955,11 @@
       <p:sp>
         <p:nvSpPr>
           <p:cNvPr id="55" name="Google Shape;55;p13"/>
-          <p:cNvSpPr txBox="1"/>
-          <p:nvPr>
-            <p:ph idx="1" type="subTitle"/>
+          <p:cNvSpPr txBox="1">
+            <a:spLocks noGrp="1"/>
+          </p:cNvSpPr>
+          <p:nvPr>
+            <p:ph type="subTitle" idx="1"/>
           </p:nvPr>
         </p:nvSpPr>
         <p:spPr>
@@ -7709,30 +7972,21 @@
           </a:prstGeom>
         </p:spPr>
         <p:txBody>
-          <a:bodyPr anchorCtr="0" anchor="t" bIns="91425" lIns="91425" spcFirstLastPara="1" rIns="91425" wrap="square" tIns="91425">
+          <a:bodyPr spcFirstLastPara="1" wrap="square" lIns="91425" tIns="91425" rIns="91425" bIns="91425" anchor="t" anchorCtr="0">
             <a:noAutofit/>
           </a:bodyPr>
           <a:lstStyle/>
           <a:p>
-            <a:pPr indent="0" lvl="0" marL="0" rtl="0" algn="ctr">
-              <a:spcBef>
-                <a:spcPts val="0"/>
-              </a:spcBef>
-              <a:spcAft>
-                <a:spcPts val="0"/>
-              </a:spcAft>
-              <a:buNone/>
-            </a:pPr>
-            <a:r>
-              <a:rPr lang="en" sz="1100" u="sng">
-                <a:solidFill>
-                  <a:schemeClr val="hlink"/>
-                </a:solidFill>
-                <a:hlinkClick r:id="rId3"/>
-              </a:rPr>
-              <a:t>https://edgeverve.udemy.com/course/api-and-web-service-introduction/learn/lecture/11557472?start=15#overview</a:t>
-            </a:r>
-            <a:endParaRPr/>
+            <a:pPr marL="0" lvl="0" indent="0" algn="ctr" rtl="0">
+              <a:spcBef>
+                <a:spcPts val="0"/>
+              </a:spcBef>
+              <a:spcAft>
+                <a:spcPts val="0"/>
+              </a:spcAft>
+              <a:buNone/>
+            </a:pPr>
+            <a:endParaRPr dirty="0"/>
           </a:p>
         </p:txBody>
       </p:sp>
@@ -7745,11 +7999,11 @@
 </file>
 
 <file path=ppt/slides/slide10.xml><?xml version="1.0" encoding="utf-8"?>
-<p:sld xmlns:a="http://schemas.openxmlformats.org/drawingml/2006/main" xmlns:r="http://schemas.openxmlformats.org/officeDocument/2006/relationships" xmlns:mc="http://schemas.openxmlformats.org/markup-compatibility/2006" xmlns:mv="urn:schemas-microsoft-com:mac:vml" xmlns:p="http://schemas.openxmlformats.org/presentationml/2006/main" xmlns:c="http://schemas.openxmlformats.org/drawingml/2006/chart" xmlns:dgm="http://schemas.openxmlformats.org/drawingml/2006/diagram" xmlns:o="urn:schemas-microsoft-com:office:office" xmlns:v="urn:schemas-microsoft-com:vml" xmlns:pvml="urn:schemas-microsoft-com:office:powerpoint" xmlns:com="http://schemas.openxmlformats.org/drawingml/2006/compatibility" xmlns:p14="http://schemas.microsoft.com/office/powerpoint/2010/main" xmlns:p15="http://schemas.microsoft.com/office/powerpoint/2012/main" xmlns:ahyp="http://schemas.microsoft.com/office/drawing/2018/hyperlinkcolor">
+<p:sld xmlns:a="http://schemas.openxmlformats.org/drawingml/2006/main" xmlns:r="http://schemas.openxmlformats.org/officeDocument/2006/relationships" xmlns:p="http://schemas.openxmlformats.org/presentationml/2006/main">
   <p:cSld>
     <p:spTree>
       <p:nvGrpSpPr>
-        <p:cNvPr id="110" name="Shape 110"/>
+        <p:cNvPr id="1" name="Shape 110"/>
         <p:cNvGrpSpPr/>
         <p:nvPr/>
       </p:nvGrpSpPr>
@@ -7764,7 +8018,9 @@
       <p:sp>
         <p:nvSpPr>
           <p:cNvPr id="111" name="Google Shape;111;p22"/>
-          <p:cNvSpPr txBox="1"/>
+          <p:cNvSpPr txBox="1">
+            <a:spLocks noGrp="1"/>
+          </p:cNvSpPr>
           <p:nvPr>
             <p:ph type="title"/>
           </p:nvPr>
@@ -7779,23 +8035,20 @@
           </a:prstGeom>
         </p:spPr>
         <p:txBody>
-          <a:bodyPr anchorCtr="0" anchor="t" bIns="91425" lIns="91425" spcFirstLastPara="1" rIns="91425" wrap="square" tIns="91425">
+          <a:bodyPr spcFirstLastPara="1" wrap="square" lIns="91425" tIns="91425" rIns="91425" bIns="91425" anchor="t" anchorCtr="0">
             <a:noAutofit/>
           </a:bodyPr>
           <a:lstStyle/>
           <a:p>
-            <a:pPr indent="0" lvl="0" marL="0" rtl="0" algn="l">
-              <a:spcBef>
-                <a:spcPts val="0"/>
-              </a:spcBef>
-              <a:spcAft>
-                <a:spcPts val="0"/>
-              </a:spcAft>
-              <a:buNone/>
-            </a:pPr>
-            <a:r>
-              <a:t/>
-            </a:r>
+            <a:pPr marL="0" lvl="0" indent="0" algn="l" rtl="0">
+              <a:spcBef>
+                <a:spcPts val="0"/>
+              </a:spcBef>
+              <a:spcAft>
+                <a:spcPts val="0"/>
+              </a:spcAft>
+              <a:buNone/>
+            </a:pPr>
             <a:endParaRPr/>
           </a:p>
         </p:txBody>
@@ -7803,9 +8056,11 @@
       <p:sp>
         <p:nvSpPr>
           <p:cNvPr id="112" name="Google Shape;112;p22"/>
-          <p:cNvSpPr txBox="1"/>
-          <p:nvPr>
-            <p:ph idx="1" type="body"/>
+          <p:cNvSpPr txBox="1">
+            <a:spLocks noGrp="1"/>
+          </p:cNvSpPr>
+          <p:nvPr>
+            <p:ph type="body" idx="1"/>
           </p:nvPr>
         </p:nvSpPr>
         <p:spPr>
@@ -7818,12 +8073,12 @@
           </a:prstGeom>
         </p:spPr>
         <p:txBody>
-          <a:bodyPr anchorCtr="0" anchor="t" bIns="91425" lIns="91425" spcFirstLastPara="1" rIns="91425" wrap="square" tIns="91425">
+          <a:bodyPr spcFirstLastPara="1" wrap="square" lIns="91425" tIns="91425" rIns="91425" bIns="91425" anchor="t" anchorCtr="0">
             <a:noAutofit/>
           </a:bodyPr>
           <a:lstStyle/>
           <a:p>
-            <a:pPr indent="0" lvl="0" marL="0" rtl="0" algn="l">
+            <a:pPr marL="0" lvl="0" indent="0" algn="l" rtl="0">
               <a:spcBef>
                 <a:spcPts val="0"/>
               </a:spcBef>
@@ -7832,9 +8087,6 @@
               </a:spcAft>
               <a:buNone/>
             </a:pPr>
-            <a:r>
-              <a:t/>
-            </a:r>
             <a:endParaRPr/>
           </a:p>
         </p:txBody>
@@ -7876,11 +8128,11 @@
 </file>
 
 <file path=ppt/slides/slide11.xml><?xml version="1.0" encoding="utf-8"?>
-<p:sld xmlns:a="http://schemas.openxmlformats.org/drawingml/2006/main" xmlns:r="http://schemas.openxmlformats.org/officeDocument/2006/relationships" xmlns:mc="http://schemas.openxmlformats.org/markup-compatibility/2006" xmlns:mv="urn:schemas-microsoft-com:mac:vml" xmlns:p="http://schemas.openxmlformats.org/presentationml/2006/main" xmlns:c="http://schemas.openxmlformats.org/drawingml/2006/chart" xmlns:dgm="http://schemas.openxmlformats.org/drawingml/2006/diagram" xmlns:o="urn:schemas-microsoft-com:office:office" xmlns:v="urn:schemas-microsoft-com:vml" xmlns:pvml="urn:schemas-microsoft-com:office:powerpoint" xmlns:com="http://schemas.openxmlformats.org/drawingml/2006/compatibility" xmlns:p14="http://schemas.microsoft.com/office/powerpoint/2010/main" xmlns:p15="http://schemas.microsoft.com/office/powerpoint/2012/main" xmlns:ahyp="http://schemas.microsoft.com/office/drawing/2018/hyperlinkcolor">
+<p:sld xmlns:a="http://schemas.openxmlformats.org/drawingml/2006/main" xmlns:r="http://schemas.openxmlformats.org/officeDocument/2006/relationships" xmlns:p="http://schemas.openxmlformats.org/presentationml/2006/main">
   <p:cSld>
     <p:spTree>
       <p:nvGrpSpPr>
-        <p:cNvPr id="117" name="Shape 117"/>
+        <p:cNvPr id="1" name="Shape 117"/>
         <p:cNvGrpSpPr/>
         <p:nvPr/>
       </p:nvGrpSpPr>
@@ -7895,7 +8147,9 @@
       <p:sp>
         <p:nvSpPr>
           <p:cNvPr id="118" name="Google Shape;118;p23"/>
-          <p:cNvSpPr txBox="1"/>
+          <p:cNvSpPr txBox="1">
+            <a:spLocks noGrp="1"/>
+          </p:cNvSpPr>
           <p:nvPr>
             <p:ph type="title"/>
           </p:nvPr>
@@ -7910,23 +8164,20 @@
           </a:prstGeom>
         </p:spPr>
         <p:txBody>
-          <a:bodyPr anchorCtr="0" anchor="t" bIns="91425" lIns="91425" spcFirstLastPara="1" rIns="91425" wrap="square" tIns="91425">
+          <a:bodyPr spcFirstLastPara="1" wrap="square" lIns="91425" tIns="91425" rIns="91425" bIns="91425" anchor="t" anchorCtr="0">
             <a:noAutofit/>
           </a:bodyPr>
           <a:lstStyle/>
           <a:p>
-            <a:pPr indent="0" lvl="0" marL="0" rtl="0" algn="l">
-              <a:spcBef>
-                <a:spcPts val="0"/>
-              </a:spcBef>
-              <a:spcAft>
-                <a:spcPts val="0"/>
-              </a:spcAft>
-              <a:buNone/>
-            </a:pPr>
-            <a:r>
-              <a:t/>
-            </a:r>
+            <a:pPr marL="0" lvl="0" indent="0" algn="l" rtl="0">
+              <a:spcBef>
+                <a:spcPts val="0"/>
+              </a:spcBef>
+              <a:spcAft>
+                <a:spcPts val="0"/>
+              </a:spcAft>
+              <a:buNone/>
+            </a:pPr>
             <a:endParaRPr/>
           </a:p>
         </p:txBody>
@@ -7934,9 +8185,11 @@
       <p:sp>
         <p:nvSpPr>
           <p:cNvPr id="119" name="Google Shape;119;p23"/>
-          <p:cNvSpPr txBox="1"/>
-          <p:nvPr>
-            <p:ph idx="1" type="body"/>
+          <p:cNvSpPr txBox="1">
+            <a:spLocks noGrp="1"/>
+          </p:cNvSpPr>
+          <p:nvPr>
+            <p:ph type="body" idx="1"/>
           </p:nvPr>
         </p:nvSpPr>
         <p:spPr>
@@ -7949,12 +8202,12 @@
           </a:prstGeom>
         </p:spPr>
         <p:txBody>
-          <a:bodyPr anchorCtr="0" anchor="t" bIns="91425" lIns="91425" spcFirstLastPara="1" rIns="91425" wrap="square" tIns="91425">
+          <a:bodyPr spcFirstLastPara="1" wrap="square" lIns="91425" tIns="91425" rIns="91425" bIns="91425" anchor="t" anchorCtr="0">
             <a:noAutofit/>
           </a:bodyPr>
           <a:lstStyle/>
           <a:p>
-            <a:pPr indent="0" lvl="0" marL="0" rtl="0" algn="l">
+            <a:pPr marL="0" lvl="0" indent="0" algn="l" rtl="0">
               <a:spcBef>
                 <a:spcPts val="0"/>
               </a:spcBef>
@@ -7963,9 +8216,6 @@
               </a:spcAft>
               <a:buNone/>
             </a:pPr>
-            <a:r>
-              <a:t/>
-            </a:r>
             <a:endParaRPr/>
           </a:p>
         </p:txBody>
@@ -8007,11 +8257,11 @@
 </file>
 
 <file path=ppt/slides/slide12.xml><?xml version="1.0" encoding="utf-8"?>
-<p:sld xmlns:a="http://schemas.openxmlformats.org/drawingml/2006/main" xmlns:r="http://schemas.openxmlformats.org/officeDocument/2006/relationships" xmlns:mc="http://schemas.openxmlformats.org/markup-compatibility/2006" xmlns:mv="urn:schemas-microsoft-com:mac:vml" xmlns:p="http://schemas.openxmlformats.org/presentationml/2006/main" xmlns:c="http://schemas.openxmlformats.org/drawingml/2006/chart" xmlns:dgm="http://schemas.openxmlformats.org/drawingml/2006/diagram" xmlns:o="urn:schemas-microsoft-com:office:office" xmlns:v="urn:schemas-microsoft-com:vml" xmlns:pvml="urn:schemas-microsoft-com:office:powerpoint" xmlns:com="http://schemas.openxmlformats.org/drawingml/2006/compatibility" xmlns:p14="http://schemas.microsoft.com/office/powerpoint/2010/main" xmlns:p15="http://schemas.microsoft.com/office/powerpoint/2012/main" xmlns:ahyp="http://schemas.microsoft.com/office/drawing/2018/hyperlinkcolor">
+<p:sld xmlns:a="http://schemas.openxmlformats.org/drawingml/2006/main" xmlns:r="http://schemas.openxmlformats.org/officeDocument/2006/relationships" xmlns:p="http://schemas.openxmlformats.org/presentationml/2006/main">
   <p:cSld>
     <p:spTree>
       <p:nvGrpSpPr>
-        <p:cNvPr id="124" name="Shape 124"/>
+        <p:cNvPr id="1" name="Shape 124"/>
         <p:cNvGrpSpPr/>
         <p:nvPr/>
       </p:nvGrpSpPr>
@@ -8026,7 +8276,9 @@
       <p:sp>
         <p:nvSpPr>
           <p:cNvPr id="125" name="Google Shape;125;p24"/>
-          <p:cNvSpPr txBox="1"/>
+          <p:cNvSpPr txBox="1">
+            <a:spLocks noGrp="1"/>
+          </p:cNvSpPr>
           <p:nvPr>
             <p:ph type="title"/>
           </p:nvPr>
@@ -8041,23 +8293,20 @@
           </a:prstGeom>
         </p:spPr>
         <p:txBody>
-          <a:bodyPr anchorCtr="0" anchor="t" bIns="91425" lIns="91425" spcFirstLastPara="1" rIns="91425" wrap="square" tIns="91425">
+          <a:bodyPr spcFirstLastPara="1" wrap="square" lIns="91425" tIns="91425" rIns="91425" bIns="91425" anchor="t" anchorCtr="0">
             <a:noAutofit/>
           </a:bodyPr>
           <a:lstStyle/>
           <a:p>
-            <a:pPr indent="0" lvl="0" marL="0" rtl="0" algn="l">
-              <a:spcBef>
-                <a:spcPts val="0"/>
-              </a:spcBef>
-              <a:spcAft>
-                <a:spcPts val="0"/>
-              </a:spcAft>
-              <a:buNone/>
-            </a:pPr>
-            <a:r>
-              <a:t/>
-            </a:r>
+            <a:pPr marL="0" lvl="0" indent="0" algn="l" rtl="0">
+              <a:spcBef>
+                <a:spcPts val="0"/>
+              </a:spcBef>
+              <a:spcAft>
+                <a:spcPts val="0"/>
+              </a:spcAft>
+              <a:buNone/>
+            </a:pPr>
             <a:endParaRPr/>
           </a:p>
         </p:txBody>
@@ -8065,9 +8314,11 @@
       <p:sp>
         <p:nvSpPr>
           <p:cNvPr id="126" name="Google Shape;126;p24"/>
-          <p:cNvSpPr txBox="1"/>
-          <p:nvPr>
-            <p:ph idx="1" type="body"/>
+          <p:cNvSpPr txBox="1">
+            <a:spLocks noGrp="1"/>
+          </p:cNvSpPr>
+          <p:nvPr>
+            <p:ph type="body" idx="1"/>
           </p:nvPr>
         </p:nvSpPr>
         <p:spPr>
@@ -8080,12 +8331,12 @@
           </a:prstGeom>
         </p:spPr>
         <p:txBody>
-          <a:bodyPr anchorCtr="0" anchor="t" bIns="91425" lIns="91425" spcFirstLastPara="1" rIns="91425" wrap="square" tIns="91425">
+          <a:bodyPr spcFirstLastPara="1" wrap="square" lIns="91425" tIns="91425" rIns="91425" bIns="91425" anchor="t" anchorCtr="0">
             <a:noAutofit/>
           </a:bodyPr>
           <a:lstStyle/>
           <a:p>
-            <a:pPr indent="0" lvl="0" marL="0" rtl="0" algn="l">
+            <a:pPr marL="0" lvl="0" indent="0" algn="l" rtl="0">
               <a:spcBef>
                 <a:spcPts val="0"/>
               </a:spcBef>
@@ -8094,9 +8345,6 @@
               </a:spcAft>
               <a:buNone/>
             </a:pPr>
-            <a:r>
-              <a:t/>
-            </a:r>
             <a:endParaRPr/>
           </a:p>
         </p:txBody>
@@ -8138,11 +8386,11 @@
 </file>
 
 <file path=ppt/slides/slide13.xml><?xml version="1.0" encoding="utf-8"?>
-<p:sld xmlns:a="http://schemas.openxmlformats.org/drawingml/2006/main" xmlns:r="http://schemas.openxmlformats.org/officeDocument/2006/relationships" xmlns:mc="http://schemas.openxmlformats.org/markup-compatibility/2006" xmlns:mv="urn:schemas-microsoft-com:mac:vml" xmlns:p="http://schemas.openxmlformats.org/presentationml/2006/main" xmlns:c="http://schemas.openxmlformats.org/drawingml/2006/chart" xmlns:dgm="http://schemas.openxmlformats.org/drawingml/2006/diagram" xmlns:o="urn:schemas-microsoft-com:office:office" xmlns:v="urn:schemas-microsoft-com:vml" xmlns:pvml="urn:schemas-microsoft-com:office:powerpoint" xmlns:com="http://schemas.openxmlformats.org/drawingml/2006/compatibility" xmlns:p14="http://schemas.microsoft.com/office/powerpoint/2010/main" xmlns:p15="http://schemas.microsoft.com/office/powerpoint/2012/main" xmlns:ahyp="http://schemas.microsoft.com/office/drawing/2018/hyperlinkcolor">
+<p:sld xmlns:a="http://schemas.openxmlformats.org/drawingml/2006/main" xmlns:r="http://schemas.openxmlformats.org/officeDocument/2006/relationships" xmlns:p="http://schemas.openxmlformats.org/presentationml/2006/main">
   <p:cSld>
     <p:spTree>
       <p:nvGrpSpPr>
-        <p:cNvPr id="131" name="Shape 131"/>
+        <p:cNvPr id="1" name="Shape 131"/>
         <p:cNvGrpSpPr/>
         <p:nvPr/>
       </p:nvGrpSpPr>
@@ -8157,7 +8405,9 @@
       <p:sp>
         <p:nvSpPr>
           <p:cNvPr id="132" name="Google Shape;132;p25"/>
-          <p:cNvSpPr txBox="1"/>
+          <p:cNvSpPr txBox="1">
+            <a:spLocks noGrp="1"/>
+          </p:cNvSpPr>
           <p:nvPr>
             <p:ph type="title"/>
           </p:nvPr>
@@ -8172,12 +8422,12 @@
           </a:prstGeom>
         </p:spPr>
         <p:txBody>
-          <a:bodyPr anchorCtr="0" anchor="t" bIns="91425" lIns="91425" spcFirstLastPara="1" rIns="91425" wrap="square" tIns="91425">
+          <a:bodyPr spcFirstLastPara="1" wrap="square" lIns="91425" tIns="91425" rIns="91425" bIns="91425" anchor="t" anchorCtr="0">
             <a:noAutofit/>
           </a:bodyPr>
           <a:lstStyle/>
           <a:p>
-            <a:pPr indent="0" lvl="0" marL="0" rtl="0" algn="l">
+            <a:pPr marL="0" lvl="0" indent="0" algn="l" rtl="0">
               <a:spcBef>
                 <a:spcPts val="0"/>
               </a:spcBef>
@@ -8197,9 +8447,11 @@
       <p:sp>
         <p:nvSpPr>
           <p:cNvPr id="133" name="Google Shape;133;p25"/>
-          <p:cNvSpPr txBox="1"/>
-          <p:nvPr>
-            <p:ph idx="1" type="body"/>
+          <p:cNvSpPr txBox="1">
+            <a:spLocks noGrp="1"/>
+          </p:cNvSpPr>
+          <p:nvPr>
+            <p:ph type="body" idx="1"/>
           </p:nvPr>
         </p:nvSpPr>
         <p:spPr>
@@ -8212,12 +8464,12 @@
           </a:prstGeom>
         </p:spPr>
         <p:txBody>
-          <a:bodyPr anchorCtr="0" anchor="t" bIns="91425" lIns="91425" spcFirstLastPara="1" rIns="91425" wrap="square" tIns="91425">
+          <a:bodyPr spcFirstLastPara="1" wrap="square" lIns="91425" tIns="91425" rIns="91425" bIns="91425" anchor="t" anchorCtr="0">
             <a:noAutofit/>
           </a:bodyPr>
           <a:lstStyle/>
           <a:p>
-            <a:pPr indent="0" lvl="0" marL="0" rtl="0" algn="l">
+            <a:pPr marL="0" lvl="0" indent="0" algn="l" rtl="0">
               <a:spcBef>
                 <a:spcPts val="0"/>
               </a:spcBef>
@@ -8226,9 +8478,6 @@
               </a:spcAft>
               <a:buNone/>
             </a:pPr>
-            <a:r>
-              <a:t/>
-            </a:r>
             <a:endParaRPr/>
           </a:p>
         </p:txBody>
@@ -8270,11 +8519,11 @@
 </file>
 
 <file path=ppt/slides/slide14.xml><?xml version="1.0" encoding="utf-8"?>
-<p:sld xmlns:a="http://schemas.openxmlformats.org/drawingml/2006/main" xmlns:r="http://schemas.openxmlformats.org/officeDocument/2006/relationships" xmlns:mc="http://schemas.openxmlformats.org/markup-compatibility/2006" xmlns:mv="urn:schemas-microsoft-com:mac:vml" xmlns:p="http://schemas.openxmlformats.org/presentationml/2006/main" xmlns:c="http://schemas.openxmlformats.org/drawingml/2006/chart" xmlns:dgm="http://schemas.openxmlformats.org/drawingml/2006/diagram" xmlns:o="urn:schemas-microsoft-com:office:office" xmlns:v="urn:schemas-microsoft-com:vml" xmlns:pvml="urn:schemas-microsoft-com:office:powerpoint" xmlns:com="http://schemas.openxmlformats.org/drawingml/2006/compatibility" xmlns:p14="http://schemas.microsoft.com/office/powerpoint/2010/main" xmlns:p15="http://schemas.microsoft.com/office/powerpoint/2012/main" xmlns:ahyp="http://schemas.microsoft.com/office/drawing/2018/hyperlinkcolor">
+<p:sld xmlns:a="http://schemas.openxmlformats.org/drawingml/2006/main" xmlns:r="http://schemas.openxmlformats.org/officeDocument/2006/relationships" xmlns:p="http://schemas.openxmlformats.org/presentationml/2006/main">
   <p:cSld>
     <p:spTree>
       <p:nvGrpSpPr>
-        <p:cNvPr id="138" name="Shape 138"/>
+        <p:cNvPr id="1" name="Shape 138"/>
         <p:cNvGrpSpPr/>
         <p:nvPr/>
       </p:nvGrpSpPr>
@@ -8289,7 +8538,9 @@
       <p:sp>
         <p:nvSpPr>
           <p:cNvPr id="139" name="Google Shape;139;p26"/>
-          <p:cNvSpPr txBox="1"/>
+          <p:cNvSpPr txBox="1">
+            <a:spLocks noGrp="1"/>
+          </p:cNvSpPr>
           <p:nvPr>
             <p:ph type="title"/>
           </p:nvPr>
@@ -8304,12 +8555,12 @@
           </a:prstGeom>
         </p:spPr>
         <p:txBody>
-          <a:bodyPr anchorCtr="0" anchor="t" bIns="91425" lIns="91425" spcFirstLastPara="1" rIns="91425" wrap="square" tIns="91425">
+          <a:bodyPr spcFirstLastPara="1" wrap="square" lIns="91425" tIns="91425" rIns="91425" bIns="91425" anchor="t" anchorCtr="0">
             <a:noAutofit/>
           </a:bodyPr>
           <a:lstStyle/>
           <a:p>
-            <a:pPr indent="0" lvl="0" marL="0" rtl="0" algn="l">
+            <a:pPr marL="0" lvl="0" indent="0" algn="l" rtl="0">
               <a:spcBef>
                 <a:spcPts val="0"/>
               </a:spcBef>
@@ -8329,9 +8580,11 @@
       <p:sp>
         <p:nvSpPr>
           <p:cNvPr id="140" name="Google Shape;140;p26"/>
-          <p:cNvSpPr txBox="1"/>
-          <p:nvPr>
-            <p:ph idx="1" type="body"/>
+          <p:cNvSpPr txBox="1">
+            <a:spLocks noGrp="1"/>
+          </p:cNvSpPr>
+          <p:nvPr>
+            <p:ph type="body" idx="1"/>
           </p:nvPr>
         </p:nvSpPr>
         <p:spPr>
@@ -8344,12 +8597,12 @@
           </a:prstGeom>
         </p:spPr>
         <p:txBody>
-          <a:bodyPr anchorCtr="0" anchor="t" bIns="91425" lIns="91425" spcFirstLastPara="1" rIns="91425" wrap="square" tIns="91425">
+          <a:bodyPr spcFirstLastPara="1" wrap="square" lIns="91425" tIns="91425" rIns="91425" bIns="91425" anchor="t" anchorCtr="0">
             <a:noAutofit/>
           </a:bodyPr>
           <a:lstStyle/>
           <a:p>
-            <a:pPr indent="0" lvl="0" marL="0" rtl="0" algn="l">
+            <a:pPr marL="0" lvl="0" indent="0" algn="l" rtl="0">
               <a:spcBef>
                 <a:spcPts val="0"/>
               </a:spcBef>
@@ -8358,9 +8611,6 @@
               </a:spcAft>
               <a:buNone/>
             </a:pPr>
-            <a:r>
-              <a:t/>
-            </a:r>
             <a:endParaRPr/>
           </a:p>
         </p:txBody>
@@ -8402,11 +8652,11 @@
 </file>
 
 <file path=ppt/slides/slide15.xml><?xml version="1.0" encoding="utf-8"?>
-<p:sld xmlns:a="http://schemas.openxmlformats.org/drawingml/2006/main" xmlns:r="http://schemas.openxmlformats.org/officeDocument/2006/relationships" xmlns:mc="http://schemas.openxmlformats.org/markup-compatibility/2006" xmlns:mv="urn:schemas-microsoft-com:mac:vml" xmlns:p="http://schemas.openxmlformats.org/presentationml/2006/main" xmlns:c="http://schemas.openxmlformats.org/drawingml/2006/chart" xmlns:dgm="http://schemas.openxmlformats.org/drawingml/2006/diagram" xmlns:o="urn:schemas-microsoft-com:office:office" xmlns:v="urn:schemas-microsoft-com:vml" xmlns:pvml="urn:schemas-microsoft-com:office:powerpoint" xmlns:com="http://schemas.openxmlformats.org/drawingml/2006/compatibility" xmlns:p14="http://schemas.microsoft.com/office/powerpoint/2010/main" xmlns:p15="http://schemas.microsoft.com/office/powerpoint/2012/main" xmlns:ahyp="http://schemas.microsoft.com/office/drawing/2018/hyperlinkcolor">
+<p:sld xmlns:a="http://schemas.openxmlformats.org/drawingml/2006/main" xmlns:r="http://schemas.openxmlformats.org/officeDocument/2006/relationships" xmlns:p="http://schemas.openxmlformats.org/presentationml/2006/main">
   <p:cSld>
     <p:spTree>
       <p:nvGrpSpPr>
-        <p:cNvPr id="145" name="Shape 145"/>
+        <p:cNvPr id="1" name="Shape 145"/>
         <p:cNvGrpSpPr/>
         <p:nvPr/>
       </p:nvGrpSpPr>
@@ -8421,7 +8671,9 @@
       <p:sp>
         <p:nvSpPr>
           <p:cNvPr id="146" name="Google Shape;146;p27"/>
-          <p:cNvSpPr txBox="1"/>
+          <p:cNvSpPr txBox="1">
+            <a:spLocks noGrp="1"/>
+          </p:cNvSpPr>
           <p:nvPr>
             <p:ph type="title"/>
           </p:nvPr>
@@ -8436,23 +8688,20 @@
           </a:prstGeom>
         </p:spPr>
         <p:txBody>
-          <a:bodyPr anchorCtr="0" anchor="t" bIns="91425" lIns="91425" spcFirstLastPara="1" rIns="91425" wrap="square" tIns="91425">
+          <a:bodyPr spcFirstLastPara="1" wrap="square" lIns="91425" tIns="91425" rIns="91425" bIns="91425" anchor="t" anchorCtr="0">
             <a:noAutofit/>
           </a:bodyPr>
           <a:lstStyle/>
           <a:p>
-            <a:pPr indent="0" lvl="0" marL="0" rtl="0" algn="l">
-              <a:spcBef>
-                <a:spcPts val="0"/>
-              </a:spcBef>
-              <a:spcAft>
-                <a:spcPts val="0"/>
-              </a:spcAft>
-              <a:buNone/>
-            </a:pPr>
-            <a:r>
-              <a:t/>
-            </a:r>
+            <a:pPr marL="0" lvl="0" indent="0" algn="l" rtl="0">
+              <a:spcBef>
+                <a:spcPts val="0"/>
+              </a:spcBef>
+              <a:spcAft>
+                <a:spcPts val="0"/>
+              </a:spcAft>
+              <a:buNone/>
+            </a:pPr>
             <a:endParaRPr/>
           </a:p>
         </p:txBody>
@@ -8460,9 +8709,11 @@
       <p:sp>
         <p:nvSpPr>
           <p:cNvPr id="147" name="Google Shape;147;p27"/>
-          <p:cNvSpPr txBox="1"/>
-          <p:nvPr>
-            <p:ph idx="1" type="body"/>
+          <p:cNvSpPr txBox="1">
+            <a:spLocks noGrp="1"/>
+          </p:cNvSpPr>
+          <p:nvPr>
+            <p:ph type="body" idx="1"/>
           </p:nvPr>
         </p:nvSpPr>
         <p:spPr>
@@ -8475,12 +8726,12 @@
           </a:prstGeom>
         </p:spPr>
         <p:txBody>
-          <a:bodyPr anchorCtr="0" anchor="t" bIns="91425" lIns="91425" spcFirstLastPara="1" rIns="91425" wrap="square" tIns="91425">
+          <a:bodyPr spcFirstLastPara="1" wrap="square" lIns="91425" tIns="91425" rIns="91425" bIns="91425" anchor="t" anchorCtr="0">
             <a:noAutofit/>
           </a:bodyPr>
           <a:lstStyle/>
           <a:p>
-            <a:pPr indent="0" lvl="0" marL="0" rtl="0" algn="l">
+            <a:pPr marL="0" lvl="0" indent="0" algn="l" rtl="0">
               <a:spcBef>
                 <a:spcPts val="0"/>
               </a:spcBef>
@@ -8496,7 +8747,7 @@
             <a:endParaRPr/>
           </a:p>
           <a:p>
-            <a:pPr indent="0" lvl="0" marL="0" rtl="0" algn="l">
+            <a:pPr marL="0" lvl="0" indent="0" algn="l" rtl="0">
               <a:spcBef>
                 <a:spcPts val="1600"/>
               </a:spcBef>
@@ -8505,13 +8756,10 @@
               </a:spcAft>
               <a:buNone/>
             </a:pPr>
-            <a:r>
-              <a:t/>
-            </a:r>
-            <a:endParaRPr/>
-          </a:p>
-          <a:p>
-            <a:pPr indent="0" lvl="0" marL="0" rtl="0" algn="l">
+            <a:endParaRPr/>
+          </a:p>
+          <a:p>
+            <a:pPr marL="0" lvl="0" indent="0" algn="l" rtl="0">
               <a:spcBef>
                 <a:spcPts val="1600"/>
               </a:spcBef>
@@ -8520,9 +8768,6 @@
               </a:spcAft>
               <a:buNone/>
             </a:pPr>
-            <a:r>
-              <a:t/>
-            </a:r>
             <a:endParaRPr/>
           </a:p>
         </p:txBody>
@@ -8536,11 +8781,11 @@
 </file>
 
 <file path=ppt/slides/slide16.xml><?xml version="1.0" encoding="utf-8"?>
-<p:sld xmlns:a="http://schemas.openxmlformats.org/drawingml/2006/main" xmlns:r="http://schemas.openxmlformats.org/officeDocument/2006/relationships" xmlns:mc="http://schemas.openxmlformats.org/markup-compatibility/2006" xmlns:mv="urn:schemas-microsoft-com:mac:vml" xmlns:p="http://schemas.openxmlformats.org/presentationml/2006/main" xmlns:c="http://schemas.openxmlformats.org/drawingml/2006/chart" xmlns:dgm="http://schemas.openxmlformats.org/drawingml/2006/diagram" xmlns:o="urn:schemas-microsoft-com:office:office" xmlns:v="urn:schemas-microsoft-com:vml" xmlns:pvml="urn:schemas-microsoft-com:office:powerpoint" xmlns:com="http://schemas.openxmlformats.org/drawingml/2006/compatibility" xmlns:p14="http://schemas.microsoft.com/office/powerpoint/2010/main" xmlns:p15="http://schemas.microsoft.com/office/powerpoint/2012/main" xmlns:ahyp="http://schemas.microsoft.com/office/drawing/2018/hyperlinkcolor">
+<p:sld xmlns:a="http://schemas.openxmlformats.org/drawingml/2006/main" xmlns:r="http://schemas.openxmlformats.org/officeDocument/2006/relationships" xmlns:p="http://schemas.openxmlformats.org/presentationml/2006/main">
   <p:cSld>
     <p:spTree>
       <p:nvGrpSpPr>
-        <p:cNvPr id="151" name="Shape 151"/>
+        <p:cNvPr id="1" name="Shape 151"/>
         <p:cNvGrpSpPr/>
         <p:nvPr/>
       </p:nvGrpSpPr>
@@ -8555,7 +8800,9 @@
       <p:sp>
         <p:nvSpPr>
           <p:cNvPr id="152" name="Google Shape;152;p28"/>
-          <p:cNvSpPr txBox="1"/>
+          <p:cNvSpPr txBox="1">
+            <a:spLocks noGrp="1"/>
+          </p:cNvSpPr>
           <p:nvPr>
             <p:ph type="title"/>
           </p:nvPr>
@@ -8570,23 +8817,20 @@
           </a:prstGeom>
         </p:spPr>
         <p:txBody>
-          <a:bodyPr anchorCtr="0" anchor="t" bIns="91425" lIns="91425" spcFirstLastPara="1" rIns="91425" wrap="square" tIns="91425">
+          <a:bodyPr spcFirstLastPara="1" wrap="square" lIns="91425" tIns="91425" rIns="91425" bIns="91425" anchor="t" anchorCtr="0">
             <a:noAutofit/>
           </a:bodyPr>
           <a:lstStyle/>
           <a:p>
-            <a:pPr indent="0" lvl="0" marL="0" rtl="0" algn="l">
-              <a:spcBef>
-                <a:spcPts val="0"/>
-              </a:spcBef>
-              <a:spcAft>
-                <a:spcPts val="0"/>
-              </a:spcAft>
-              <a:buNone/>
-            </a:pPr>
-            <a:r>
-              <a:t/>
-            </a:r>
+            <a:pPr marL="0" lvl="0" indent="0" algn="l" rtl="0">
+              <a:spcBef>
+                <a:spcPts val="0"/>
+              </a:spcBef>
+              <a:spcAft>
+                <a:spcPts val="0"/>
+              </a:spcAft>
+              <a:buNone/>
+            </a:pPr>
             <a:endParaRPr/>
           </a:p>
         </p:txBody>
@@ -8594,9 +8838,11 @@
       <p:sp>
         <p:nvSpPr>
           <p:cNvPr id="153" name="Google Shape;153;p28"/>
-          <p:cNvSpPr txBox="1"/>
-          <p:nvPr>
-            <p:ph idx="1" type="body"/>
+          <p:cNvSpPr txBox="1">
+            <a:spLocks noGrp="1"/>
+          </p:cNvSpPr>
+          <p:nvPr>
+            <p:ph type="body" idx="1"/>
           </p:nvPr>
         </p:nvSpPr>
         <p:spPr>
@@ -8609,12 +8855,12 @@
           </a:prstGeom>
         </p:spPr>
         <p:txBody>
-          <a:bodyPr anchorCtr="0" anchor="t" bIns="91425" lIns="91425" spcFirstLastPara="1" rIns="91425" wrap="square" tIns="91425">
+          <a:bodyPr spcFirstLastPara="1" wrap="square" lIns="91425" tIns="91425" rIns="91425" bIns="91425" anchor="t" anchorCtr="0">
             <a:noAutofit/>
           </a:bodyPr>
           <a:lstStyle/>
           <a:p>
-            <a:pPr indent="0" lvl="0" marL="0" rtl="0" algn="l">
+            <a:pPr marL="0" lvl="0" indent="0" algn="l" rtl="0">
               <a:spcBef>
                 <a:spcPts val="0"/>
               </a:spcBef>
@@ -8635,7 +8881,7 @@
             <a:endParaRPr/>
           </a:p>
           <a:p>
-            <a:pPr indent="0" lvl="0" marL="0" rtl="0" algn="l">
+            <a:pPr marL="0" lvl="0" indent="0" algn="l" rtl="0">
               <a:spcBef>
                 <a:spcPts val="1600"/>
               </a:spcBef>
@@ -8656,7 +8902,7 @@
             <a:endParaRPr/>
           </a:p>
           <a:p>
-            <a:pPr indent="0" lvl="0" marL="0" rtl="0" algn="l">
+            <a:pPr marL="0" lvl="0" indent="0" algn="l" rtl="0">
               <a:spcBef>
                 <a:spcPts val="1600"/>
               </a:spcBef>
@@ -8677,7 +8923,7 @@
             <a:endParaRPr/>
           </a:p>
           <a:p>
-            <a:pPr indent="0" lvl="0" marL="0" rtl="0" algn="l">
+            <a:pPr marL="0" lvl="0" indent="0" algn="l" rtl="0">
               <a:spcBef>
                 <a:spcPts val="1600"/>
               </a:spcBef>
@@ -8698,7 +8944,7 @@
             <a:endParaRPr/>
           </a:p>
           <a:p>
-            <a:pPr indent="0" lvl="0" marL="0" rtl="0" algn="l">
+            <a:pPr marL="0" lvl="0" indent="0" algn="l" rtl="0">
               <a:spcBef>
                 <a:spcPts val="1600"/>
               </a:spcBef>
@@ -8719,7 +8965,7 @@
             <a:endParaRPr/>
           </a:p>
           <a:p>
-            <a:pPr indent="0" lvl="0" marL="0" rtl="0" algn="l">
+            <a:pPr marL="0" lvl="0" indent="0" algn="l" rtl="0">
               <a:spcBef>
                 <a:spcPts val="1600"/>
               </a:spcBef>
@@ -8740,7 +8986,7 @@
             <a:endParaRPr/>
           </a:p>
           <a:p>
-            <a:pPr indent="0" lvl="0" marL="0" rtl="0" algn="l">
+            <a:pPr marL="0" lvl="0" indent="0" algn="l" rtl="0">
               <a:spcBef>
                 <a:spcPts val="1600"/>
               </a:spcBef>
@@ -8761,7 +9007,7 @@
             <a:endParaRPr/>
           </a:p>
           <a:p>
-            <a:pPr indent="0" lvl="0" marL="0" rtl="0" algn="l">
+            <a:pPr marL="0" lvl="0" indent="0" algn="l" rtl="0">
               <a:spcBef>
                 <a:spcPts val="1600"/>
               </a:spcBef>
@@ -8782,7 +9028,7 @@
             <a:endParaRPr/>
           </a:p>
           <a:p>
-            <a:pPr indent="0" lvl="0" marL="0" rtl="0" algn="l">
+            <a:pPr marL="0" lvl="0" indent="0" algn="l" rtl="0">
               <a:spcBef>
                 <a:spcPts val="1600"/>
               </a:spcBef>
@@ -8803,7 +9049,7 @@
             <a:endParaRPr/>
           </a:p>
           <a:p>
-            <a:pPr indent="0" lvl="0" marL="0" rtl="0" algn="l">
+            <a:pPr marL="0" lvl="0" indent="0" algn="l" rtl="0">
               <a:spcBef>
                 <a:spcPts val="1600"/>
               </a:spcBef>
@@ -8812,9 +9058,6 @@
               </a:spcAft>
               <a:buNone/>
             </a:pPr>
-            <a:r>
-              <a:t/>
-            </a:r>
             <a:endParaRPr/>
           </a:p>
         </p:txBody>
@@ -8828,11 +9071,11 @@
 </file>
 
 <file path=ppt/slides/slide17.xml><?xml version="1.0" encoding="utf-8"?>
-<p:sld xmlns:a="http://schemas.openxmlformats.org/drawingml/2006/main" xmlns:r="http://schemas.openxmlformats.org/officeDocument/2006/relationships" xmlns:mc="http://schemas.openxmlformats.org/markup-compatibility/2006" xmlns:mv="urn:schemas-microsoft-com:mac:vml" xmlns:p="http://schemas.openxmlformats.org/presentationml/2006/main" xmlns:c="http://schemas.openxmlformats.org/drawingml/2006/chart" xmlns:dgm="http://schemas.openxmlformats.org/drawingml/2006/diagram" xmlns:o="urn:schemas-microsoft-com:office:office" xmlns:v="urn:schemas-microsoft-com:vml" xmlns:pvml="urn:schemas-microsoft-com:office:powerpoint" xmlns:com="http://schemas.openxmlformats.org/drawingml/2006/compatibility" xmlns:p14="http://schemas.microsoft.com/office/powerpoint/2010/main" xmlns:p15="http://schemas.microsoft.com/office/powerpoint/2012/main" xmlns:ahyp="http://schemas.microsoft.com/office/drawing/2018/hyperlinkcolor">
+<p:sld xmlns:a="http://schemas.openxmlformats.org/drawingml/2006/main" xmlns:r="http://schemas.openxmlformats.org/officeDocument/2006/relationships" xmlns:p="http://schemas.openxmlformats.org/presentationml/2006/main">
   <p:cSld>
     <p:spTree>
       <p:nvGrpSpPr>
-        <p:cNvPr id="157" name="Shape 157"/>
+        <p:cNvPr id="1" name="Shape 157"/>
         <p:cNvGrpSpPr/>
         <p:nvPr/>
       </p:nvGrpSpPr>
@@ -8847,7 +9090,9 @@
       <p:sp>
         <p:nvSpPr>
           <p:cNvPr id="158" name="Google Shape;158;p29"/>
-          <p:cNvSpPr txBox="1"/>
+          <p:cNvSpPr txBox="1">
+            <a:spLocks noGrp="1"/>
+          </p:cNvSpPr>
           <p:nvPr>
             <p:ph type="title"/>
           </p:nvPr>
@@ -8862,23 +9107,20 @@
           </a:prstGeom>
         </p:spPr>
         <p:txBody>
-          <a:bodyPr anchorCtr="0" anchor="t" bIns="91425" lIns="91425" spcFirstLastPara="1" rIns="91425" wrap="square" tIns="91425">
+          <a:bodyPr spcFirstLastPara="1" wrap="square" lIns="91425" tIns="91425" rIns="91425" bIns="91425" anchor="t" anchorCtr="0">
             <a:noAutofit/>
           </a:bodyPr>
           <a:lstStyle/>
           <a:p>
-            <a:pPr indent="0" lvl="0" marL="0" rtl="0" algn="l">
-              <a:spcBef>
-                <a:spcPts val="0"/>
-              </a:spcBef>
-              <a:spcAft>
-                <a:spcPts val="0"/>
-              </a:spcAft>
-              <a:buNone/>
-            </a:pPr>
-            <a:r>
-              <a:t/>
-            </a:r>
+            <a:pPr marL="0" lvl="0" indent="0" algn="l" rtl="0">
+              <a:spcBef>
+                <a:spcPts val="0"/>
+              </a:spcBef>
+              <a:spcAft>
+                <a:spcPts val="0"/>
+              </a:spcAft>
+              <a:buNone/>
+            </a:pPr>
             <a:endParaRPr/>
           </a:p>
         </p:txBody>
@@ -8886,9 +9128,11 @@
       <p:sp>
         <p:nvSpPr>
           <p:cNvPr id="159" name="Google Shape;159;p29"/>
-          <p:cNvSpPr txBox="1"/>
-          <p:nvPr>
-            <p:ph idx="1" type="body"/>
+          <p:cNvSpPr txBox="1">
+            <a:spLocks noGrp="1"/>
+          </p:cNvSpPr>
+          <p:nvPr>
+            <p:ph type="body" idx="1"/>
           </p:nvPr>
         </p:nvSpPr>
         <p:spPr>
@@ -8901,12 +9145,12 @@
           </a:prstGeom>
         </p:spPr>
         <p:txBody>
-          <a:bodyPr anchorCtr="0" anchor="t" bIns="91425" lIns="91425" spcFirstLastPara="1" rIns="91425" wrap="square" tIns="91425">
+          <a:bodyPr spcFirstLastPara="1" wrap="square" lIns="91425" tIns="91425" rIns="91425" bIns="91425" anchor="t" anchorCtr="0">
             <a:noAutofit/>
           </a:bodyPr>
           <a:lstStyle/>
           <a:p>
-            <a:pPr indent="0" lvl="0" marL="0" rtl="0" algn="l">
+            <a:pPr marL="0" lvl="0" indent="0" algn="l" rtl="0">
               <a:spcBef>
                 <a:spcPts val="0"/>
               </a:spcBef>
@@ -8915,9 +9159,6 @@
               </a:spcAft>
               <a:buNone/>
             </a:pPr>
-            <a:r>
-              <a:t/>
-            </a:r>
             <a:endParaRPr/>
           </a:p>
         </p:txBody>
@@ -8959,11 +9200,11 @@
 </file>
 
 <file path=ppt/slides/slide18.xml><?xml version="1.0" encoding="utf-8"?>
-<p:sld xmlns:a="http://schemas.openxmlformats.org/drawingml/2006/main" xmlns:r="http://schemas.openxmlformats.org/officeDocument/2006/relationships" xmlns:mc="http://schemas.openxmlformats.org/markup-compatibility/2006" xmlns:mv="urn:schemas-microsoft-com:mac:vml" xmlns:p="http://schemas.openxmlformats.org/presentationml/2006/main" xmlns:c="http://schemas.openxmlformats.org/drawingml/2006/chart" xmlns:dgm="http://schemas.openxmlformats.org/drawingml/2006/diagram" xmlns:o="urn:schemas-microsoft-com:office:office" xmlns:v="urn:schemas-microsoft-com:vml" xmlns:pvml="urn:schemas-microsoft-com:office:powerpoint" xmlns:com="http://schemas.openxmlformats.org/drawingml/2006/compatibility" xmlns:p14="http://schemas.microsoft.com/office/powerpoint/2010/main" xmlns:p15="http://schemas.microsoft.com/office/powerpoint/2012/main" xmlns:ahyp="http://schemas.microsoft.com/office/drawing/2018/hyperlinkcolor">
+<p:sld xmlns:a="http://schemas.openxmlformats.org/drawingml/2006/main" xmlns:r="http://schemas.openxmlformats.org/officeDocument/2006/relationships" xmlns:p="http://schemas.openxmlformats.org/presentationml/2006/main">
   <p:cSld>
     <p:spTree>
       <p:nvGrpSpPr>
-        <p:cNvPr id="164" name="Shape 164"/>
+        <p:cNvPr id="1" name="Shape 164"/>
         <p:cNvGrpSpPr/>
         <p:nvPr/>
       </p:nvGrpSpPr>
@@ -8978,7 +9219,9 @@
       <p:sp>
         <p:nvSpPr>
           <p:cNvPr id="165" name="Google Shape;165;p30"/>
-          <p:cNvSpPr txBox="1"/>
+          <p:cNvSpPr txBox="1">
+            <a:spLocks noGrp="1"/>
+          </p:cNvSpPr>
           <p:nvPr>
             <p:ph type="title"/>
           </p:nvPr>
@@ -8993,23 +9236,20 @@
           </a:prstGeom>
         </p:spPr>
         <p:txBody>
-          <a:bodyPr anchorCtr="0" anchor="t" bIns="91425" lIns="91425" spcFirstLastPara="1" rIns="91425" wrap="square" tIns="91425">
+          <a:bodyPr spcFirstLastPara="1" wrap="square" lIns="91425" tIns="91425" rIns="91425" bIns="91425" anchor="t" anchorCtr="0">
             <a:noAutofit/>
           </a:bodyPr>
           <a:lstStyle/>
           <a:p>
-            <a:pPr indent="0" lvl="0" marL="0" rtl="0" algn="l">
-              <a:spcBef>
-                <a:spcPts val="0"/>
-              </a:spcBef>
-              <a:spcAft>
-                <a:spcPts val="0"/>
-              </a:spcAft>
-              <a:buNone/>
-            </a:pPr>
-            <a:r>
-              <a:t/>
-            </a:r>
+            <a:pPr marL="0" lvl="0" indent="0" algn="l" rtl="0">
+              <a:spcBef>
+                <a:spcPts val="0"/>
+              </a:spcBef>
+              <a:spcAft>
+                <a:spcPts val="0"/>
+              </a:spcAft>
+              <a:buNone/>
+            </a:pPr>
             <a:endParaRPr/>
           </a:p>
         </p:txBody>
@@ -9017,9 +9257,11 @@
       <p:sp>
         <p:nvSpPr>
           <p:cNvPr id="166" name="Google Shape;166;p30"/>
-          <p:cNvSpPr txBox="1"/>
-          <p:nvPr>
-            <p:ph idx="1" type="body"/>
+          <p:cNvSpPr txBox="1">
+            <a:spLocks noGrp="1"/>
+          </p:cNvSpPr>
+          <p:nvPr>
+            <p:ph type="body" idx="1"/>
           </p:nvPr>
         </p:nvSpPr>
         <p:spPr>
@@ -9032,12 +9274,12 @@
           </a:prstGeom>
         </p:spPr>
         <p:txBody>
-          <a:bodyPr anchorCtr="0" anchor="t" bIns="91425" lIns="91425" spcFirstLastPara="1" rIns="91425" wrap="square" tIns="91425">
+          <a:bodyPr spcFirstLastPara="1" wrap="square" lIns="91425" tIns="91425" rIns="91425" bIns="91425" anchor="t" anchorCtr="0">
             <a:noAutofit/>
           </a:bodyPr>
           <a:lstStyle/>
           <a:p>
-            <a:pPr indent="0" lvl="0" marL="0" rtl="0" algn="l">
+            <a:pPr marL="0" lvl="0" indent="0" algn="l" rtl="0">
               <a:spcBef>
                 <a:spcPts val="0"/>
               </a:spcBef>
@@ -9046,9 +9288,6 @@
               </a:spcAft>
               <a:buNone/>
             </a:pPr>
-            <a:r>
-              <a:t/>
-            </a:r>
             <a:endParaRPr/>
           </a:p>
         </p:txBody>
@@ -9090,11 +9329,11 @@
 </file>
 
 <file path=ppt/slides/slide19.xml><?xml version="1.0" encoding="utf-8"?>
-<p:sld xmlns:a="http://schemas.openxmlformats.org/drawingml/2006/main" xmlns:r="http://schemas.openxmlformats.org/officeDocument/2006/relationships" xmlns:mc="http://schemas.openxmlformats.org/markup-compatibility/2006" xmlns:mv="urn:schemas-microsoft-com:mac:vml" xmlns:p="http://schemas.openxmlformats.org/presentationml/2006/main" xmlns:c="http://schemas.openxmlformats.org/drawingml/2006/chart" xmlns:dgm="http://schemas.openxmlformats.org/drawingml/2006/diagram" xmlns:o="urn:schemas-microsoft-com:office:office" xmlns:v="urn:schemas-microsoft-com:vml" xmlns:pvml="urn:schemas-microsoft-com:office:powerpoint" xmlns:com="http://schemas.openxmlformats.org/drawingml/2006/compatibility" xmlns:p14="http://schemas.microsoft.com/office/powerpoint/2010/main" xmlns:p15="http://schemas.microsoft.com/office/powerpoint/2012/main" xmlns:ahyp="http://schemas.microsoft.com/office/drawing/2018/hyperlinkcolor">
+<p:sld xmlns:a="http://schemas.openxmlformats.org/drawingml/2006/main" xmlns:r="http://schemas.openxmlformats.org/officeDocument/2006/relationships" xmlns:p="http://schemas.openxmlformats.org/presentationml/2006/main">
   <p:cSld>
     <p:spTree>
       <p:nvGrpSpPr>
-        <p:cNvPr id="171" name="Shape 171"/>
+        <p:cNvPr id="1" name="Shape 171"/>
         <p:cNvGrpSpPr/>
         <p:nvPr/>
       </p:nvGrpSpPr>
@@ -9109,7 +9348,9 @@
       <p:sp>
         <p:nvSpPr>
           <p:cNvPr id="172" name="Google Shape;172;p31"/>
-          <p:cNvSpPr txBox="1"/>
+          <p:cNvSpPr txBox="1">
+            <a:spLocks noGrp="1"/>
+          </p:cNvSpPr>
           <p:nvPr>
             <p:ph type="title"/>
           </p:nvPr>
@@ -9124,12 +9365,12 @@
           </a:prstGeom>
         </p:spPr>
         <p:txBody>
-          <a:bodyPr anchorCtr="0" anchor="t" bIns="91425" lIns="91425" spcFirstLastPara="1" rIns="91425" wrap="square" tIns="91425">
+          <a:bodyPr spcFirstLastPara="1" wrap="square" lIns="91425" tIns="91425" rIns="91425" bIns="91425" anchor="t" anchorCtr="0">
             <a:noAutofit/>
           </a:bodyPr>
           <a:lstStyle/>
           <a:p>
-            <a:pPr indent="0" lvl="0" marL="0" rtl="0" algn="l">
+            <a:pPr marL="0" lvl="0" indent="0" algn="l" rtl="0">
               <a:spcBef>
                 <a:spcPts val="0"/>
               </a:spcBef>
@@ -9149,9 +9390,11 @@
       <p:sp>
         <p:nvSpPr>
           <p:cNvPr id="173" name="Google Shape;173;p31"/>
-          <p:cNvSpPr txBox="1"/>
-          <p:nvPr>
-            <p:ph idx="1" type="body"/>
+          <p:cNvSpPr txBox="1">
+            <a:spLocks noGrp="1"/>
+          </p:cNvSpPr>
+          <p:nvPr>
+            <p:ph type="body" idx="1"/>
           </p:nvPr>
         </p:nvSpPr>
         <p:spPr>
@@ -9164,12 +9407,12 @@
           </a:prstGeom>
         </p:spPr>
         <p:txBody>
-          <a:bodyPr anchorCtr="0" anchor="t" bIns="91425" lIns="91425" spcFirstLastPara="1" rIns="91425" wrap="square" tIns="91425">
+          <a:bodyPr spcFirstLastPara="1" wrap="square" lIns="91425" tIns="91425" rIns="91425" bIns="91425" anchor="t" anchorCtr="0">
             <a:noAutofit/>
           </a:bodyPr>
           <a:lstStyle/>
           <a:p>
-            <a:pPr indent="0" lvl="0" marL="0" rtl="0" algn="l">
+            <a:pPr marL="0" lvl="0" indent="0" algn="l" rtl="0">
               <a:spcBef>
                 <a:spcPts val="0"/>
               </a:spcBef>
@@ -9178,9 +9421,6 @@
               </a:spcAft>
               <a:buNone/>
             </a:pPr>
-            <a:r>
-              <a:t/>
-            </a:r>
             <a:endParaRPr/>
           </a:p>
         </p:txBody>
@@ -9222,11 +9462,11 @@
 </file>
 
 <file path=ppt/slides/slide2.xml><?xml version="1.0" encoding="utf-8"?>
-<p:sld xmlns:a="http://schemas.openxmlformats.org/drawingml/2006/main" xmlns:r="http://schemas.openxmlformats.org/officeDocument/2006/relationships" xmlns:mc="http://schemas.openxmlformats.org/markup-compatibility/2006" xmlns:mv="urn:schemas-microsoft-com:mac:vml" xmlns:p="http://schemas.openxmlformats.org/presentationml/2006/main" xmlns:c="http://schemas.openxmlformats.org/drawingml/2006/chart" xmlns:dgm="http://schemas.openxmlformats.org/drawingml/2006/diagram" xmlns:o="urn:schemas-microsoft-com:office:office" xmlns:v="urn:schemas-microsoft-com:vml" xmlns:pvml="urn:schemas-microsoft-com:office:powerpoint" xmlns:com="http://schemas.openxmlformats.org/drawingml/2006/compatibility" xmlns:p14="http://schemas.microsoft.com/office/powerpoint/2010/main" xmlns:p15="http://schemas.microsoft.com/office/powerpoint/2012/main" xmlns:ahyp="http://schemas.microsoft.com/office/drawing/2018/hyperlinkcolor">
+<p:sld xmlns:a="http://schemas.openxmlformats.org/drawingml/2006/main" xmlns:r="http://schemas.openxmlformats.org/officeDocument/2006/relationships" xmlns:p="http://schemas.openxmlformats.org/presentationml/2006/main">
   <p:cSld>
     <p:spTree>
       <p:nvGrpSpPr>
-        <p:cNvPr id="59" name="Shape 59"/>
+        <p:cNvPr id="1" name="Shape 59"/>
         <p:cNvGrpSpPr/>
         <p:nvPr/>
       </p:nvGrpSpPr>
@@ -9241,7 +9481,9 @@
       <p:sp>
         <p:nvSpPr>
           <p:cNvPr id="60" name="Google Shape;60;p14"/>
-          <p:cNvSpPr txBox="1"/>
+          <p:cNvSpPr txBox="1">
+            <a:spLocks noGrp="1"/>
+          </p:cNvSpPr>
           <p:nvPr>
             <p:ph type="title"/>
           </p:nvPr>
@@ -9256,12 +9498,12 @@
           </a:prstGeom>
         </p:spPr>
         <p:txBody>
-          <a:bodyPr anchorCtr="0" anchor="t" bIns="91425" lIns="91425" spcFirstLastPara="1" rIns="91425" wrap="square" tIns="91425">
+          <a:bodyPr spcFirstLastPara="1" wrap="square" lIns="91425" tIns="91425" rIns="91425" bIns="91425" anchor="t" anchorCtr="0">
             <a:noAutofit/>
           </a:bodyPr>
           <a:lstStyle/>
           <a:p>
-            <a:pPr indent="0" lvl="0" marL="0" rtl="0" algn="l">
+            <a:pPr marL="0" lvl="0" indent="0" algn="l" rtl="0">
               <a:spcBef>
                 <a:spcPts val="0"/>
               </a:spcBef>
@@ -9281,9 +9523,11 @@
       <p:sp>
         <p:nvSpPr>
           <p:cNvPr id="61" name="Google Shape;61;p14"/>
-          <p:cNvSpPr txBox="1"/>
-          <p:nvPr>
-            <p:ph idx="1" type="body"/>
+          <p:cNvSpPr txBox="1">
+            <a:spLocks noGrp="1"/>
+          </p:cNvSpPr>
+          <p:nvPr>
+            <p:ph type="body" idx="1"/>
           </p:nvPr>
         </p:nvSpPr>
         <p:spPr>
@@ -9296,12 +9540,12 @@
           </a:prstGeom>
         </p:spPr>
         <p:txBody>
-          <a:bodyPr anchorCtr="0" anchor="t" bIns="91425" lIns="91425" spcFirstLastPara="1" rIns="91425" wrap="square" tIns="91425">
+          <a:bodyPr spcFirstLastPara="1" wrap="square" lIns="91425" tIns="91425" rIns="91425" bIns="91425" anchor="t" anchorCtr="0">
             <a:noAutofit/>
           </a:bodyPr>
           <a:lstStyle/>
           <a:p>
-            <a:pPr indent="0" lvl="0" marL="0" rtl="0" algn="l">
+            <a:pPr marL="0" lvl="0" indent="0" algn="l" rtl="0">
               <a:spcBef>
                 <a:spcPts val="0"/>
               </a:spcBef>
@@ -9310,9 +9554,6 @@
               </a:spcAft>
               <a:buNone/>
             </a:pPr>
-            <a:r>
-              <a:t/>
-            </a:r>
             <a:endParaRPr/>
           </a:p>
         </p:txBody>
@@ -9326,11 +9567,11 @@
 </file>
 
 <file path=ppt/slides/slide20.xml><?xml version="1.0" encoding="utf-8"?>
-<p:sld xmlns:a="http://schemas.openxmlformats.org/drawingml/2006/main" xmlns:r="http://schemas.openxmlformats.org/officeDocument/2006/relationships" xmlns:mc="http://schemas.openxmlformats.org/markup-compatibility/2006" xmlns:mv="urn:schemas-microsoft-com:mac:vml" xmlns:p="http://schemas.openxmlformats.org/presentationml/2006/main" xmlns:c="http://schemas.openxmlformats.org/drawingml/2006/chart" xmlns:dgm="http://schemas.openxmlformats.org/drawingml/2006/diagram" xmlns:o="urn:schemas-microsoft-com:office:office" xmlns:v="urn:schemas-microsoft-com:vml" xmlns:pvml="urn:schemas-microsoft-com:office:powerpoint" xmlns:com="http://schemas.openxmlformats.org/drawingml/2006/compatibility" xmlns:p14="http://schemas.microsoft.com/office/powerpoint/2010/main" xmlns:p15="http://schemas.microsoft.com/office/powerpoint/2012/main" xmlns:ahyp="http://schemas.microsoft.com/office/drawing/2018/hyperlinkcolor">
+<p:sld xmlns:a="http://schemas.openxmlformats.org/drawingml/2006/main" xmlns:r="http://schemas.openxmlformats.org/officeDocument/2006/relationships" xmlns:p="http://schemas.openxmlformats.org/presentationml/2006/main">
   <p:cSld>
     <p:spTree>
       <p:nvGrpSpPr>
-        <p:cNvPr id="178" name="Shape 178"/>
+        <p:cNvPr id="1" name="Shape 178"/>
         <p:cNvGrpSpPr/>
         <p:nvPr/>
       </p:nvGrpSpPr>
@@ -9345,7 +9586,9 @@
       <p:sp>
         <p:nvSpPr>
           <p:cNvPr id="179" name="Google Shape;179;p32"/>
-          <p:cNvSpPr txBox="1"/>
+          <p:cNvSpPr txBox="1">
+            <a:spLocks noGrp="1"/>
+          </p:cNvSpPr>
           <p:nvPr>
             <p:ph type="title"/>
           </p:nvPr>
@@ -9360,12 +9603,12 @@
           </a:prstGeom>
         </p:spPr>
         <p:txBody>
-          <a:bodyPr anchorCtr="0" anchor="t" bIns="91425" lIns="91425" spcFirstLastPara="1" rIns="91425" wrap="square" tIns="91425">
+          <a:bodyPr spcFirstLastPara="1" wrap="square" lIns="91425" tIns="91425" rIns="91425" bIns="91425" anchor="t" anchorCtr="0">
             <a:noAutofit/>
           </a:bodyPr>
           <a:lstStyle/>
           <a:p>
-            <a:pPr indent="0" lvl="0" marL="0" rtl="0" algn="l">
+            <a:pPr marL="0" lvl="0" indent="0" algn="l" rtl="0">
               <a:spcBef>
                 <a:spcPts val="0"/>
               </a:spcBef>
@@ -9385,9 +9628,11 @@
       <p:sp>
         <p:nvSpPr>
           <p:cNvPr id="180" name="Google Shape;180;p32"/>
-          <p:cNvSpPr txBox="1"/>
-          <p:nvPr>
-            <p:ph idx="1" type="body"/>
+          <p:cNvSpPr txBox="1">
+            <a:spLocks noGrp="1"/>
+          </p:cNvSpPr>
+          <p:nvPr>
+            <p:ph type="body" idx="1"/>
           </p:nvPr>
         </p:nvSpPr>
         <p:spPr>
@@ -9400,12 +9645,12 @@
           </a:prstGeom>
         </p:spPr>
         <p:txBody>
-          <a:bodyPr anchorCtr="0" anchor="t" bIns="91425" lIns="91425" spcFirstLastPara="1" rIns="91425" wrap="square" tIns="91425">
+          <a:bodyPr spcFirstLastPara="1" wrap="square" lIns="91425" tIns="91425" rIns="91425" bIns="91425" anchor="t" anchorCtr="0">
             <a:noAutofit/>
           </a:bodyPr>
           <a:lstStyle/>
           <a:p>
-            <a:pPr indent="0" lvl="0" marL="0" rtl="0" algn="l">
+            <a:pPr marL="0" lvl="0" indent="0" algn="l" rtl="0">
               <a:spcBef>
                 <a:spcPts val="0"/>
               </a:spcBef>
@@ -9414,9 +9659,6 @@
               </a:spcAft>
               <a:buNone/>
             </a:pPr>
-            <a:r>
-              <a:t/>
-            </a:r>
             <a:endParaRPr/>
           </a:p>
         </p:txBody>
@@ -9458,11 +9700,11 @@
 </file>
 
 <file path=ppt/slides/slide21.xml><?xml version="1.0" encoding="utf-8"?>
-<p:sld xmlns:a="http://schemas.openxmlformats.org/drawingml/2006/main" xmlns:r="http://schemas.openxmlformats.org/officeDocument/2006/relationships" xmlns:mc="http://schemas.openxmlformats.org/markup-compatibility/2006" xmlns:mv="urn:schemas-microsoft-com:mac:vml" xmlns:p="http://schemas.openxmlformats.org/presentationml/2006/main" xmlns:c="http://schemas.openxmlformats.org/drawingml/2006/chart" xmlns:dgm="http://schemas.openxmlformats.org/drawingml/2006/diagram" xmlns:o="urn:schemas-microsoft-com:office:office" xmlns:v="urn:schemas-microsoft-com:vml" xmlns:pvml="urn:schemas-microsoft-com:office:powerpoint" xmlns:com="http://schemas.openxmlformats.org/drawingml/2006/compatibility" xmlns:p14="http://schemas.microsoft.com/office/powerpoint/2010/main" xmlns:p15="http://schemas.microsoft.com/office/powerpoint/2012/main" xmlns:ahyp="http://schemas.microsoft.com/office/drawing/2018/hyperlinkcolor">
+<p:sld xmlns:a="http://schemas.openxmlformats.org/drawingml/2006/main" xmlns:r="http://schemas.openxmlformats.org/officeDocument/2006/relationships" xmlns:p="http://schemas.openxmlformats.org/presentationml/2006/main">
   <p:cSld>
     <p:spTree>
       <p:nvGrpSpPr>
-        <p:cNvPr id="185" name="Shape 185"/>
+        <p:cNvPr id="1" name="Shape 185"/>
         <p:cNvGrpSpPr/>
         <p:nvPr/>
       </p:nvGrpSpPr>
@@ -9477,7 +9719,9 @@
       <p:sp>
         <p:nvSpPr>
           <p:cNvPr id="186" name="Google Shape;186;p33"/>
-          <p:cNvSpPr txBox="1"/>
+          <p:cNvSpPr txBox="1">
+            <a:spLocks noGrp="1"/>
+          </p:cNvSpPr>
           <p:nvPr>
             <p:ph type="title"/>
           </p:nvPr>
@@ -9492,12 +9736,12 @@
           </a:prstGeom>
         </p:spPr>
         <p:txBody>
-          <a:bodyPr anchorCtr="0" anchor="t" bIns="91425" lIns="91425" spcFirstLastPara="1" rIns="91425" wrap="square" tIns="91425">
+          <a:bodyPr spcFirstLastPara="1" wrap="square" lIns="91425" tIns="91425" rIns="91425" bIns="91425" anchor="t" anchorCtr="0">
             <a:noAutofit/>
           </a:bodyPr>
           <a:lstStyle/>
           <a:p>
-            <a:pPr indent="0" lvl="0" marL="0" rtl="0" algn="l">
+            <a:pPr marL="0" lvl="0" indent="0" algn="l" rtl="0">
               <a:spcBef>
                 <a:spcPts val="0"/>
               </a:spcBef>
@@ -9517,9 +9761,11 @@
       <p:sp>
         <p:nvSpPr>
           <p:cNvPr id="187" name="Google Shape;187;p33"/>
-          <p:cNvSpPr txBox="1"/>
-          <p:nvPr>
-            <p:ph idx="1" type="body"/>
+          <p:cNvSpPr txBox="1">
+            <a:spLocks noGrp="1"/>
+          </p:cNvSpPr>
+          <p:nvPr>
+            <p:ph type="body" idx="1"/>
           </p:nvPr>
         </p:nvSpPr>
         <p:spPr>
@@ -9532,12 +9778,12 @@
           </a:prstGeom>
         </p:spPr>
         <p:txBody>
-          <a:bodyPr anchorCtr="0" anchor="t" bIns="91425" lIns="91425" spcFirstLastPara="1" rIns="91425" wrap="square" tIns="91425">
+          <a:bodyPr spcFirstLastPara="1" wrap="square" lIns="91425" tIns="91425" rIns="91425" bIns="91425" anchor="t" anchorCtr="0">
             <a:noAutofit/>
           </a:bodyPr>
           <a:lstStyle/>
           <a:p>
-            <a:pPr indent="-342900" lvl="0" marL="457200" rtl="0" algn="l">
+            <a:pPr marL="457200" lvl="0" indent="-342900" algn="l" rtl="0">
               <a:spcBef>
                 <a:spcPts val="0"/>
               </a:spcBef>
@@ -9564,11 +9810,11 @@
 </file>
 
 <file path=ppt/slides/slide22.xml><?xml version="1.0" encoding="utf-8"?>
-<p:sld xmlns:a="http://schemas.openxmlformats.org/drawingml/2006/main" xmlns:r="http://schemas.openxmlformats.org/officeDocument/2006/relationships" xmlns:mc="http://schemas.openxmlformats.org/markup-compatibility/2006" xmlns:mv="urn:schemas-microsoft-com:mac:vml" xmlns:p="http://schemas.openxmlformats.org/presentationml/2006/main" xmlns:c="http://schemas.openxmlformats.org/drawingml/2006/chart" xmlns:dgm="http://schemas.openxmlformats.org/drawingml/2006/diagram" xmlns:o="urn:schemas-microsoft-com:office:office" xmlns:v="urn:schemas-microsoft-com:vml" xmlns:pvml="urn:schemas-microsoft-com:office:powerpoint" xmlns:com="http://schemas.openxmlformats.org/drawingml/2006/compatibility" xmlns:p14="http://schemas.microsoft.com/office/powerpoint/2010/main" xmlns:p15="http://schemas.microsoft.com/office/powerpoint/2012/main" xmlns:ahyp="http://schemas.microsoft.com/office/drawing/2018/hyperlinkcolor">
+<p:sld xmlns:a="http://schemas.openxmlformats.org/drawingml/2006/main" xmlns:r="http://schemas.openxmlformats.org/officeDocument/2006/relationships" xmlns:p="http://schemas.openxmlformats.org/presentationml/2006/main">
   <p:cSld>
     <p:spTree>
       <p:nvGrpSpPr>
-        <p:cNvPr id="191" name="Shape 191"/>
+        <p:cNvPr id="1" name="Shape 191"/>
         <p:cNvGrpSpPr/>
         <p:nvPr/>
       </p:nvGrpSpPr>
@@ -9583,7 +9829,9 @@
       <p:sp>
         <p:nvSpPr>
           <p:cNvPr id="192" name="Google Shape;192;p34"/>
-          <p:cNvSpPr txBox="1"/>
+          <p:cNvSpPr txBox="1">
+            <a:spLocks noGrp="1"/>
+          </p:cNvSpPr>
           <p:nvPr>
             <p:ph type="title"/>
           </p:nvPr>
@@ -9598,23 +9846,20 @@
           </a:prstGeom>
         </p:spPr>
         <p:txBody>
-          <a:bodyPr anchorCtr="0" anchor="t" bIns="91425" lIns="91425" spcFirstLastPara="1" rIns="91425" wrap="square" tIns="91425">
+          <a:bodyPr spcFirstLastPara="1" wrap="square" lIns="91425" tIns="91425" rIns="91425" bIns="91425" anchor="t" anchorCtr="0">
             <a:noAutofit/>
           </a:bodyPr>
           <a:lstStyle/>
           <a:p>
-            <a:pPr indent="0" lvl="0" marL="0" rtl="0" algn="l">
-              <a:spcBef>
-                <a:spcPts val="0"/>
-              </a:spcBef>
-              <a:spcAft>
-                <a:spcPts val="0"/>
-              </a:spcAft>
-              <a:buNone/>
-            </a:pPr>
-            <a:r>
-              <a:t/>
-            </a:r>
+            <a:pPr marL="0" lvl="0" indent="0" algn="l" rtl="0">
+              <a:spcBef>
+                <a:spcPts val="0"/>
+              </a:spcBef>
+              <a:spcAft>
+                <a:spcPts val="0"/>
+              </a:spcAft>
+              <a:buNone/>
+            </a:pPr>
             <a:endParaRPr/>
           </a:p>
         </p:txBody>
@@ -9622,9 +9867,11 @@
       <p:sp>
         <p:nvSpPr>
           <p:cNvPr id="193" name="Google Shape;193;p34"/>
-          <p:cNvSpPr txBox="1"/>
-          <p:nvPr>
-            <p:ph idx="1" type="body"/>
+          <p:cNvSpPr txBox="1">
+            <a:spLocks noGrp="1"/>
+          </p:cNvSpPr>
+          <p:nvPr>
+            <p:ph type="body" idx="1"/>
           </p:nvPr>
         </p:nvSpPr>
         <p:spPr>
@@ -9637,12 +9884,12 @@
           </a:prstGeom>
         </p:spPr>
         <p:txBody>
-          <a:bodyPr anchorCtr="0" anchor="t" bIns="91425" lIns="91425" spcFirstLastPara="1" rIns="91425" wrap="square" tIns="91425">
+          <a:bodyPr spcFirstLastPara="1" wrap="square" lIns="91425" tIns="91425" rIns="91425" bIns="91425" anchor="t" anchorCtr="0">
             <a:noAutofit/>
           </a:bodyPr>
           <a:lstStyle/>
           <a:p>
-            <a:pPr indent="0" lvl="0" marL="0" rtl="0" algn="l">
+            <a:pPr marL="0" lvl="0" indent="0" algn="l" rtl="0">
               <a:spcBef>
                 <a:spcPts val="0"/>
               </a:spcBef>
@@ -9651,9 +9898,6 @@
               </a:spcAft>
               <a:buNone/>
             </a:pPr>
-            <a:r>
-              <a:t/>
-            </a:r>
             <a:endParaRPr/>
           </a:p>
         </p:txBody>
@@ -9667,11 +9911,11 @@
 </file>
 
 <file path=ppt/slides/slide23.xml><?xml version="1.0" encoding="utf-8"?>
-<p:sld xmlns:a="http://schemas.openxmlformats.org/drawingml/2006/main" xmlns:r="http://schemas.openxmlformats.org/officeDocument/2006/relationships" xmlns:mc="http://schemas.openxmlformats.org/markup-compatibility/2006" xmlns:mv="urn:schemas-microsoft-com:mac:vml" xmlns:p="http://schemas.openxmlformats.org/presentationml/2006/main" xmlns:c="http://schemas.openxmlformats.org/drawingml/2006/chart" xmlns:dgm="http://schemas.openxmlformats.org/drawingml/2006/diagram" xmlns:o="urn:schemas-microsoft-com:office:office" xmlns:v="urn:schemas-microsoft-com:vml" xmlns:pvml="urn:schemas-microsoft-com:office:powerpoint" xmlns:com="http://schemas.openxmlformats.org/drawingml/2006/compatibility" xmlns:p14="http://schemas.microsoft.com/office/powerpoint/2010/main" xmlns:p15="http://schemas.microsoft.com/office/powerpoint/2012/main" xmlns:ahyp="http://schemas.microsoft.com/office/drawing/2018/hyperlinkcolor">
+<p:sld xmlns:a="http://schemas.openxmlformats.org/drawingml/2006/main" xmlns:r="http://schemas.openxmlformats.org/officeDocument/2006/relationships" xmlns:p="http://schemas.openxmlformats.org/presentationml/2006/main">
   <p:cSld>
     <p:spTree>
       <p:nvGrpSpPr>
-        <p:cNvPr id="197" name="Shape 197"/>
+        <p:cNvPr id="1" name="Shape 197"/>
         <p:cNvGrpSpPr/>
         <p:nvPr/>
       </p:nvGrpSpPr>
@@ -9686,7 +9930,9 @@
       <p:sp>
         <p:nvSpPr>
           <p:cNvPr id="198" name="Google Shape;198;p35"/>
-          <p:cNvSpPr txBox="1"/>
+          <p:cNvSpPr txBox="1">
+            <a:spLocks noGrp="1"/>
+          </p:cNvSpPr>
           <p:nvPr>
             <p:ph type="title"/>
           </p:nvPr>
@@ -9701,23 +9947,20 @@
           </a:prstGeom>
         </p:spPr>
         <p:txBody>
-          <a:bodyPr anchorCtr="0" anchor="t" bIns="91425" lIns="91425" spcFirstLastPara="1" rIns="91425" wrap="square" tIns="91425">
+          <a:bodyPr spcFirstLastPara="1" wrap="square" lIns="91425" tIns="91425" rIns="91425" bIns="91425" anchor="t" anchorCtr="0">
             <a:noAutofit/>
           </a:bodyPr>
           <a:lstStyle/>
           <a:p>
-            <a:pPr indent="0" lvl="0" marL="0" rtl="0" algn="l">
-              <a:spcBef>
-                <a:spcPts val="0"/>
-              </a:spcBef>
-              <a:spcAft>
-                <a:spcPts val="0"/>
-              </a:spcAft>
-              <a:buNone/>
-            </a:pPr>
-            <a:r>
-              <a:t/>
-            </a:r>
+            <a:pPr marL="0" lvl="0" indent="0" algn="l" rtl="0">
+              <a:spcBef>
+                <a:spcPts val="0"/>
+              </a:spcBef>
+              <a:spcAft>
+                <a:spcPts val="0"/>
+              </a:spcAft>
+              <a:buNone/>
+            </a:pPr>
             <a:endParaRPr/>
           </a:p>
         </p:txBody>
@@ -9725,9 +9968,11 @@
       <p:sp>
         <p:nvSpPr>
           <p:cNvPr id="199" name="Google Shape;199;p35"/>
-          <p:cNvSpPr txBox="1"/>
-          <p:nvPr>
-            <p:ph idx="1" type="body"/>
+          <p:cNvSpPr txBox="1">
+            <a:spLocks noGrp="1"/>
+          </p:cNvSpPr>
+          <p:nvPr>
+            <p:ph type="body" idx="1"/>
           </p:nvPr>
         </p:nvSpPr>
         <p:spPr>
@@ -9740,12 +9985,12 @@
           </a:prstGeom>
         </p:spPr>
         <p:txBody>
-          <a:bodyPr anchorCtr="0" anchor="t" bIns="91425" lIns="91425" spcFirstLastPara="1" rIns="91425" wrap="square" tIns="91425">
+          <a:bodyPr spcFirstLastPara="1" wrap="square" lIns="91425" tIns="91425" rIns="91425" bIns="91425" anchor="t" anchorCtr="0">
             <a:noAutofit/>
           </a:bodyPr>
           <a:lstStyle/>
           <a:p>
-            <a:pPr indent="0" lvl="0" marL="0" rtl="0" algn="l">
+            <a:pPr marL="0" lvl="0" indent="0" algn="l" rtl="0">
               <a:spcBef>
                 <a:spcPts val="0"/>
               </a:spcBef>
@@ -9754,9 +9999,6 @@
               </a:spcAft>
               <a:buNone/>
             </a:pPr>
-            <a:r>
-              <a:t/>
-            </a:r>
             <a:endParaRPr/>
           </a:p>
         </p:txBody>
@@ -9770,11 +10012,11 @@
 </file>
 
 <file path=ppt/slides/slide3.xml><?xml version="1.0" encoding="utf-8"?>
-<p:sld xmlns:a="http://schemas.openxmlformats.org/drawingml/2006/main" xmlns:r="http://schemas.openxmlformats.org/officeDocument/2006/relationships" xmlns:mc="http://schemas.openxmlformats.org/markup-compatibility/2006" xmlns:mv="urn:schemas-microsoft-com:mac:vml" xmlns:p="http://schemas.openxmlformats.org/presentationml/2006/main" xmlns:c="http://schemas.openxmlformats.org/drawingml/2006/chart" xmlns:dgm="http://schemas.openxmlformats.org/drawingml/2006/diagram" xmlns:o="urn:schemas-microsoft-com:office:office" xmlns:v="urn:schemas-microsoft-com:vml" xmlns:pvml="urn:schemas-microsoft-com:office:powerpoint" xmlns:com="http://schemas.openxmlformats.org/drawingml/2006/compatibility" xmlns:p14="http://schemas.microsoft.com/office/powerpoint/2010/main" xmlns:p15="http://schemas.microsoft.com/office/powerpoint/2012/main" xmlns:ahyp="http://schemas.microsoft.com/office/drawing/2018/hyperlinkcolor">
+<p:sld xmlns:a="http://schemas.openxmlformats.org/drawingml/2006/main" xmlns:r="http://schemas.openxmlformats.org/officeDocument/2006/relationships" xmlns:p="http://schemas.openxmlformats.org/presentationml/2006/main">
   <p:cSld>
     <p:spTree>
       <p:nvGrpSpPr>
-        <p:cNvPr id="65" name="Shape 65"/>
+        <p:cNvPr id="1" name="Shape 65"/>
         <p:cNvGrpSpPr/>
         <p:nvPr/>
       </p:nvGrpSpPr>
@@ -9789,7 +10031,9 @@
       <p:sp>
         <p:nvSpPr>
           <p:cNvPr id="66" name="Google Shape;66;p15"/>
-          <p:cNvSpPr txBox="1"/>
+          <p:cNvSpPr txBox="1">
+            <a:spLocks noGrp="1"/>
+          </p:cNvSpPr>
           <p:nvPr>
             <p:ph type="title"/>
           </p:nvPr>
@@ -9804,12 +10048,12 @@
           </a:prstGeom>
         </p:spPr>
         <p:txBody>
-          <a:bodyPr anchorCtr="0" anchor="t" bIns="91425" lIns="91425" spcFirstLastPara="1" rIns="91425" wrap="square" tIns="91425">
+          <a:bodyPr spcFirstLastPara="1" wrap="square" lIns="91425" tIns="91425" rIns="91425" bIns="91425" anchor="t" anchorCtr="0">
             <a:noAutofit/>
           </a:bodyPr>
           <a:lstStyle/>
           <a:p>
-            <a:pPr indent="0" lvl="0" marL="0" rtl="0" algn="l">
+            <a:pPr marL="0" lvl="0" indent="0" algn="l" rtl="0">
               <a:spcBef>
                 <a:spcPts val="0"/>
               </a:spcBef>
@@ -9829,9 +10073,11 @@
       <p:sp>
         <p:nvSpPr>
           <p:cNvPr id="67" name="Google Shape;67;p15"/>
-          <p:cNvSpPr txBox="1"/>
-          <p:nvPr>
-            <p:ph idx="1" type="body"/>
+          <p:cNvSpPr txBox="1">
+            <a:spLocks noGrp="1"/>
+          </p:cNvSpPr>
+          <p:nvPr>
+            <p:ph type="body" idx="1"/>
           </p:nvPr>
         </p:nvSpPr>
         <p:spPr>
@@ -9844,12 +10090,12 @@
           </a:prstGeom>
         </p:spPr>
         <p:txBody>
-          <a:bodyPr anchorCtr="0" anchor="t" bIns="91425" lIns="91425" spcFirstLastPara="1" rIns="91425" wrap="square" tIns="91425">
+          <a:bodyPr spcFirstLastPara="1" wrap="square" lIns="91425" tIns="91425" rIns="91425" bIns="91425" anchor="t" anchorCtr="0">
             <a:noAutofit/>
           </a:bodyPr>
           <a:lstStyle/>
           <a:p>
-            <a:pPr indent="0" lvl="0" marL="0" rtl="0" algn="l">
+            <a:pPr marL="0" lvl="0" indent="0" algn="l" rtl="0">
               <a:spcBef>
                 <a:spcPts val="0"/>
               </a:spcBef>
@@ -9865,7 +10111,7 @@
             <a:endParaRPr/>
           </a:p>
           <a:p>
-            <a:pPr indent="0" lvl="0" marL="0" rtl="0" algn="l">
+            <a:pPr marL="0" lvl="0" indent="0" algn="l" rtl="0">
               <a:spcBef>
                 <a:spcPts val="1600"/>
               </a:spcBef>
@@ -9881,7 +10127,7 @@
             <a:endParaRPr/>
           </a:p>
           <a:p>
-            <a:pPr indent="0" lvl="0" marL="0" rtl="0" algn="l">
+            <a:pPr marL="0" lvl="0" indent="0" algn="l" rtl="0">
               <a:spcBef>
                 <a:spcPts val="1600"/>
               </a:spcBef>
@@ -9897,7 +10143,7 @@
             <a:endParaRPr/>
           </a:p>
           <a:p>
-            <a:pPr indent="0" lvl="0" marL="0" rtl="0" algn="l">
+            <a:pPr marL="0" lvl="0" indent="0" algn="l" rtl="0">
               <a:spcBef>
                 <a:spcPts val="1600"/>
               </a:spcBef>
@@ -9906,13 +10152,10 @@
               </a:spcAft>
               <a:buNone/>
             </a:pPr>
-            <a:r>
-              <a:t/>
-            </a:r>
-            <a:endParaRPr/>
-          </a:p>
-          <a:p>
-            <a:pPr indent="0" lvl="0" marL="0" rtl="0" algn="l">
+            <a:endParaRPr/>
+          </a:p>
+          <a:p>
+            <a:pPr marL="0" lvl="0" indent="0" algn="l" rtl="0">
               <a:spcBef>
                 <a:spcPts val="1600"/>
               </a:spcBef>
@@ -9928,7 +10171,7 @@
             <a:endParaRPr/>
           </a:p>
           <a:p>
-            <a:pPr indent="0" lvl="0" marL="0" rtl="0" algn="l">
+            <a:pPr marL="0" lvl="0" indent="0" algn="l" rtl="0">
               <a:spcBef>
                 <a:spcPts val="1600"/>
               </a:spcBef>
@@ -9944,7 +10187,7 @@
             <a:endParaRPr/>
           </a:p>
           <a:p>
-            <a:pPr indent="0" lvl="0" marL="0" rtl="0" algn="l">
+            <a:pPr marL="0" lvl="0" indent="0" algn="l" rtl="0">
               <a:spcBef>
                 <a:spcPts val="1600"/>
               </a:spcBef>
@@ -9953,9 +10196,6 @@
               </a:spcAft>
               <a:buNone/>
             </a:pPr>
-            <a:r>
-              <a:t/>
-            </a:r>
             <a:endParaRPr/>
           </a:p>
         </p:txBody>
@@ -9969,11 +10209,11 @@
 </file>
 
 <file path=ppt/slides/slide4.xml><?xml version="1.0" encoding="utf-8"?>
-<p:sld xmlns:a="http://schemas.openxmlformats.org/drawingml/2006/main" xmlns:r="http://schemas.openxmlformats.org/officeDocument/2006/relationships" xmlns:mc="http://schemas.openxmlformats.org/markup-compatibility/2006" xmlns:mv="urn:schemas-microsoft-com:mac:vml" xmlns:p="http://schemas.openxmlformats.org/presentationml/2006/main" xmlns:c="http://schemas.openxmlformats.org/drawingml/2006/chart" xmlns:dgm="http://schemas.openxmlformats.org/drawingml/2006/diagram" xmlns:o="urn:schemas-microsoft-com:office:office" xmlns:v="urn:schemas-microsoft-com:vml" xmlns:pvml="urn:schemas-microsoft-com:office:powerpoint" xmlns:com="http://schemas.openxmlformats.org/drawingml/2006/compatibility" xmlns:p14="http://schemas.microsoft.com/office/powerpoint/2010/main" xmlns:p15="http://schemas.microsoft.com/office/powerpoint/2012/main" xmlns:ahyp="http://schemas.microsoft.com/office/drawing/2018/hyperlinkcolor">
+<p:sld xmlns:a="http://schemas.openxmlformats.org/drawingml/2006/main" xmlns:r="http://schemas.openxmlformats.org/officeDocument/2006/relationships" xmlns:p="http://schemas.openxmlformats.org/presentationml/2006/main">
   <p:cSld>
     <p:spTree>
       <p:nvGrpSpPr>
-        <p:cNvPr id="71" name="Shape 71"/>
+        <p:cNvPr id="1" name="Shape 71"/>
         <p:cNvGrpSpPr/>
         <p:nvPr/>
       </p:nvGrpSpPr>
@@ -9988,7 +10228,9 @@
       <p:sp>
         <p:nvSpPr>
           <p:cNvPr id="72" name="Google Shape;72;p16"/>
-          <p:cNvSpPr txBox="1"/>
+          <p:cNvSpPr txBox="1">
+            <a:spLocks noGrp="1"/>
+          </p:cNvSpPr>
           <p:nvPr>
             <p:ph type="title"/>
           </p:nvPr>
@@ -10003,12 +10245,12 @@
           </a:prstGeom>
         </p:spPr>
         <p:txBody>
-          <a:bodyPr anchorCtr="0" anchor="t" bIns="91425" lIns="91425" spcFirstLastPara="1" rIns="91425" wrap="square" tIns="91425">
+          <a:bodyPr spcFirstLastPara="1" wrap="square" lIns="91425" tIns="91425" rIns="91425" bIns="91425" anchor="t" anchorCtr="0">
             <a:noAutofit/>
           </a:bodyPr>
           <a:lstStyle/>
           <a:p>
-            <a:pPr indent="0" lvl="0" marL="0" rtl="0" algn="l">
+            <a:pPr marL="0" lvl="0" indent="0" algn="l" rtl="0">
               <a:spcBef>
                 <a:spcPts val="0"/>
               </a:spcBef>
@@ -10028,9 +10270,11 @@
       <p:sp>
         <p:nvSpPr>
           <p:cNvPr id="73" name="Google Shape;73;p16"/>
-          <p:cNvSpPr txBox="1"/>
-          <p:nvPr>
-            <p:ph idx="1" type="body"/>
+          <p:cNvSpPr txBox="1">
+            <a:spLocks noGrp="1"/>
+          </p:cNvSpPr>
+          <p:nvPr>
+            <p:ph type="body" idx="1"/>
           </p:nvPr>
         </p:nvSpPr>
         <p:spPr>
@@ -10043,12 +10287,12 @@
           </a:prstGeom>
         </p:spPr>
         <p:txBody>
-          <a:bodyPr anchorCtr="0" anchor="t" bIns="91425" lIns="91425" spcFirstLastPara="1" rIns="91425" wrap="square" tIns="91425">
+          <a:bodyPr spcFirstLastPara="1" wrap="square" lIns="91425" tIns="91425" rIns="91425" bIns="91425" anchor="t" anchorCtr="0">
             <a:noAutofit/>
           </a:bodyPr>
           <a:lstStyle/>
           <a:p>
-            <a:pPr indent="0" lvl="0" marL="0" rtl="0" algn="l">
+            <a:pPr marL="0" lvl="0" indent="0" algn="l" rtl="0">
               <a:spcBef>
                 <a:spcPts val="0"/>
               </a:spcBef>
@@ -10064,7 +10308,7 @@
             <a:endParaRPr/>
           </a:p>
           <a:p>
-            <a:pPr indent="0" lvl="0" marL="0" rtl="0" algn="l">
+            <a:pPr marL="0" lvl="0" indent="0" algn="l" rtl="0">
               <a:spcBef>
                 <a:spcPts val="1600"/>
               </a:spcBef>
@@ -10075,16 +10319,12 @@
             </a:pPr>
             <a:r>
               <a:rPr lang="en"/>
-              <a:t>Platform</a:t>
+              <a:t>Platform independent</a:t>
             </a:r>
-            <a:r>
-              <a:rPr lang="en"/>
-              <a:t> independent</a:t>
-            </a:r>
-            <a:endParaRPr/>
-          </a:p>
-          <a:p>
-            <a:pPr indent="0" lvl="0" marL="0" rtl="0" algn="l">
+            <a:endParaRPr/>
+          </a:p>
+          <a:p>
+            <a:pPr marL="0" lvl="0" indent="0" algn="l" rtl="0">
               <a:spcBef>
                 <a:spcPts val="1600"/>
               </a:spcBef>
@@ -10110,11 +10350,11 @@
 </file>
 
 <file path=ppt/slides/slide5.xml><?xml version="1.0" encoding="utf-8"?>
-<p:sld xmlns:a="http://schemas.openxmlformats.org/drawingml/2006/main" xmlns:r="http://schemas.openxmlformats.org/officeDocument/2006/relationships" xmlns:mc="http://schemas.openxmlformats.org/markup-compatibility/2006" xmlns:mv="urn:schemas-microsoft-com:mac:vml" xmlns:p="http://schemas.openxmlformats.org/presentationml/2006/main" xmlns:c="http://schemas.openxmlformats.org/drawingml/2006/chart" xmlns:dgm="http://schemas.openxmlformats.org/drawingml/2006/diagram" xmlns:o="urn:schemas-microsoft-com:office:office" xmlns:v="urn:schemas-microsoft-com:vml" xmlns:pvml="urn:schemas-microsoft-com:office:powerpoint" xmlns:com="http://schemas.openxmlformats.org/drawingml/2006/compatibility" xmlns:p14="http://schemas.microsoft.com/office/powerpoint/2010/main" xmlns:p15="http://schemas.microsoft.com/office/powerpoint/2012/main" xmlns:ahyp="http://schemas.microsoft.com/office/drawing/2018/hyperlinkcolor">
+<p:sld xmlns:a="http://schemas.openxmlformats.org/drawingml/2006/main" xmlns:r="http://schemas.openxmlformats.org/officeDocument/2006/relationships" xmlns:p="http://schemas.openxmlformats.org/presentationml/2006/main">
   <p:cSld>
     <p:spTree>
       <p:nvGrpSpPr>
-        <p:cNvPr id="77" name="Shape 77"/>
+        <p:cNvPr id="1" name="Shape 77"/>
         <p:cNvGrpSpPr/>
         <p:nvPr/>
       </p:nvGrpSpPr>
@@ -10129,7 +10369,9 @@
       <p:sp>
         <p:nvSpPr>
           <p:cNvPr id="78" name="Google Shape;78;p17"/>
-          <p:cNvSpPr txBox="1"/>
+          <p:cNvSpPr txBox="1">
+            <a:spLocks noGrp="1"/>
+          </p:cNvSpPr>
           <p:nvPr>
             <p:ph type="title"/>
           </p:nvPr>
@@ -10144,12 +10386,12 @@
           </a:prstGeom>
         </p:spPr>
         <p:txBody>
-          <a:bodyPr anchorCtr="0" anchor="t" bIns="91425" lIns="91425" spcFirstLastPara="1" rIns="91425" wrap="square" tIns="91425">
+          <a:bodyPr spcFirstLastPara="1" wrap="square" lIns="91425" tIns="91425" rIns="91425" bIns="91425" anchor="t" anchorCtr="0">
             <a:noAutofit/>
           </a:bodyPr>
           <a:lstStyle/>
           <a:p>
-            <a:pPr indent="0" lvl="0" marL="0" rtl="0" algn="l">
+            <a:pPr marL="0" lvl="0" indent="0" algn="l" rtl="0">
               <a:spcBef>
                 <a:spcPts val="0"/>
               </a:spcBef>
@@ -10160,12 +10402,8 @@
             </a:pPr>
             <a:r>
               <a:rPr lang="en"/>
-              <a:t>API </a:t>
+              <a:t>API Transaction</a:t>
             </a:r>
-            <a:r>
-              <a:rPr lang="en"/>
-              <a:t>Transaction</a:t>
-            </a:r>
             <a:endParaRPr/>
           </a:p>
         </p:txBody>
@@ -10173,9 +10411,11 @@
       <p:sp>
         <p:nvSpPr>
           <p:cNvPr id="79" name="Google Shape;79;p17"/>
-          <p:cNvSpPr txBox="1"/>
-          <p:nvPr>
-            <p:ph idx="1" type="body"/>
+          <p:cNvSpPr txBox="1">
+            <a:spLocks noGrp="1"/>
+          </p:cNvSpPr>
+          <p:nvPr>
+            <p:ph type="body" idx="1"/>
           </p:nvPr>
         </p:nvSpPr>
         <p:spPr>
@@ -10188,12 +10428,12 @@
           </a:prstGeom>
         </p:spPr>
         <p:txBody>
-          <a:bodyPr anchorCtr="0" anchor="t" bIns="91425" lIns="91425" spcFirstLastPara="1" rIns="91425" wrap="square" tIns="91425">
+          <a:bodyPr spcFirstLastPara="1" wrap="square" lIns="91425" tIns="91425" rIns="91425" bIns="91425" anchor="t" anchorCtr="0">
             <a:noAutofit/>
           </a:bodyPr>
           <a:lstStyle/>
           <a:p>
-            <a:pPr indent="0" lvl="0" marL="0" rtl="0" algn="l">
+            <a:pPr marL="0" lvl="0" indent="0" algn="l" rtl="0">
               <a:spcBef>
                 <a:spcPts val="0"/>
               </a:spcBef>
@@ -10209,7 +10449,7 @@
             <a:endParaRPr/>
           </a:p>
           <a:p>
-            <a:pPr indent="0" lvl="0" marL="0" rtl="0" algn="l">
+            <a:pPr marL="0" lvl="0" indent="0" algn="l" rtl="0">
               <a:spcBef>
                 <a:spcPts val="1600"/>
               </a:spcBef>
@@ -10225,7 +10465,7 @@
             <a:endParaRPr/>
           </a:p>
           <a:p>
-            <a:pPr indent="0" lvl="0" marL="0" rtl="0" algn="l">
+            <a:pPr marL="0" lvl="0" indent="0" algn="l" rtl="0">
               <a:spcBef>
                 <a:spcPts val="1600"/>
               </a:spcBef>
@@ -10251,11 +10491,11 @@
 </file>
 
 <file path=ppt/slides/slide6.xml><?xml version="1.0" encoding="utf-8"?>
-<p:sld xmlns:a="http://schemas.openxmlformats.org/drawingml/2006/main" xmlns:r="http://schemas.openxmlformats.org/officeDocument/2006/relationships" xmlns:mc="http://schemas.openxmlformats.org/markup-compatibility/2006" xmlns:mv="urn:schemas-microsoft-com:mac:vml" xmlns:p="http://schemas.openxmlformats.org/presentationml/2006/main" xmlns:c="http://schemas.openxmlformats.org/drawingml/2006/chart" xmlns:dgm="http://schemas.openxmlformats.org/drawingml/2006/diagram" xmlns:o="urn:schemas-microsoft-com:office:office" xmlns:v="urn:schemas-microsoft-com:vml" xmlns:pvml="urn:schemas-microsoft-com:office:powerpoint" xmlns:com="http://schemas.openxmlformats.org/drawingml/2006/compatibility" xmlns:p14="http://schemas.microsoft.com/office/powerpoint/2010/main" xmlns:p15="http://schemas.microsoft.com/office/powerpoint/2012/main" xmlns:ahyp="http://schemas.microsoft.com/office/drawing/2018/hyperlinkcolor">
+<p:sld xmlns:a="http://schemas.openxmlformats.org/drawingml/2006/main" xmlns:r="http://schemas.openxmlformats.org/officeDocument/2006/relationships" xmlns:p="http://schemas.openxmlformats.org/presentationml/2006/main">
   <p:cSld>
     <p:spTree>
       <p:nvGrpSpPr>
-        <p:cNvPr id="83" name="Shape 83"/>
+        <p:cNvPr id="1" name="Shape 83"/>
         <p:cNvGrpSpPr/>
         <p:nvPr/>
       </p:nvGrpSpPr>
@@ -10270,7 +10510,9 @@
       <p:sp>
         <p:nvSpPr>
           <p:cNvPr id="84" name="Google Shape;84;p18"/>
-          <p:cNvSpPr txBox="1"/>
+          <p:cNvSpPr txBox="1">
+            <a:spLocks noGrp="1"/>
+          </p:cNvSpPr>
           <p:nvPr>
             <p:ph type="title"/>
           </p:nvPr>
@@ -10285,12 +10527,12 @@
           </a:prstGeom>
         </p:spPr>
         <p:txBody>
-          <a:bodyPr anchorCtr="0" anchor="t" bIns="91425" lIns="91425" spcFirstLastPara="1" rIns="91425" wrap="square" tIns="91425">
+          <a:bodyPr spcFirstLastPara="1" wrap="square" lIns="91425" tIns="91425" rIns="91425" bIns="91425" anchor="t" anchorCtr="0">
             <a:noAutofit/>
           </a:bodyPr>
           <a:lstStyle/>
           <a:p>
-            <a:pPr indent="0" lvl="0" marL="0" rtl="0" algn="l">
+            <a:pPr marL="0" lvl="0" indent="0" algn="l" rtl="0">
               <a:spcBef>
                 <a:spcPts val="0"/>
               </a:spcBef>
@@ -10310,9 +10552,11 @@
       <p:sp>
         <p:nvSpPr>
           <p:cNvPr id="85" name="Google Shape;85;p18"/>
-          <p:cNvSpPr txBox="1"/>
-          <p:nvPr>
-            <p:ph idx="1" type="body"/>
+          <p:cNvSpPr txBox="1">
+            <a:spLocks noGrp="1"/>
+          </p:cNvSpPr>
+          <p:nvPr>
+            <p:ph type="body" idx="1"/>
           </p:nvPr>
         </p:nvSpPr>
         <p:spPr>
@@ -10325,12 +10569,12 @@
           </a:prstGeom>
         </p:spPr>
         <p:txBody>
-          <a:bodyPr anchorCtr="0" anchor="t" bIns="91425" lIns="91425" spcFirstLastPara="1" rIns="91425" wrap="square" tIns="91425">
+          <a:bodyPr spcFirstLastPara="1" wrap="square" lIns="91425" tIns="91425" rIns="91425" bIns="91425" anchor="t" anchorCtr="0">
             <a:noAutofit/>
           </a:bodyPr>
           <a:lstStyle/>
           <a:p>
-            <a:pPr indent="0" lvl="0" marL="0" rtl="0" algn="l">
+            <a:pPr marL="0" lvl="0" indent="0" algn="l" rtl="0">
               <a:spcBef>
                 <a:spcPts val="0"/>
               </a:spcBef>
@@ -10346,7 +10590,7 @@
             <a:endParaRPr/>
           </a:p>
           <a:p>
-            <a:pPr indent="0" lvl="0" marL="0" rtl="0" algn="l">
+            <a:pPr marL="0" lvl="0" indent="0" algn="l" rtl="0">
               <a:spcBef>
                 <a:spcPts val="1600"/>
               </a:spcBef>
@@ -10362,7 +10606,7 @@
             <a:endParaRPr/>
           </a:p>
           <a:p>
-            <a:pPr indent="0" lvl="0" marL="0" rtl="0" algn="l">
+            <a:pPr marL="0" lvl="0" indent="0" algn="l" rtl="0">
               <a:spcBef>
                 <a:spcPts val="1600"/>
               </a:spcBef>
@@ -10371,13 +10615,10 @@
               </a:spcAft>
               <a:buNone/>
             </a:pPr>
-            <a:r>
-              <a:t/>
-            </a:r>
-            <a:endParaRPr/>
-          </a:p>
-          <a:p>
-            <a:pPr indent="0" lvl="0" marL="0" rtl="0" algn="l">
+            <a:endParaRPr/>
+          </a:p>
+          <a:p>
+            <a:pPr marL="0" lvl="0" indent="0" algn="l" rtl="0">
               <a:spcBef>
                 <a:spcPts val="1600"/>
               </a:spcBef>
@@ -10393,7 +10634,7 @@
             <a:endParaRPr/>
           </a:p>
           <a:p>
-            <a:pPr indent="0" lvl="0" marL="0" rtl="0" algn="l">
+            <a:pPr marL="0" lvl="0" indent="0" algn="l" rtl="0">
               <a:spcBef>
                 <a:spcPts val="1600"/>
               </a:spcBef>
@@ -10419,11 +10660,11 @@
 </file>
 
 <file path=ppt/slides/slide7.xml><?xml version="1.0" encoding="utf-8"?>
-<p:sld xmlns:a="http://schemas.openxmlformats.org/drawingml/2006/main" xmlns:r="http://schemas.openxmlformats.org/officeDocument/2006/relationships" xmlns:mc="http://schemas.openxmlformats.org/markup-compatibility/2006" xmlns:mv="urn:schemas-microsoft-com:mac:vml" xmlns:p="http://schemas.openxmlformats.org/presentationml/2006/main" xmlns:c="http://schemas.openxmlformats.org/drawingml/2006/chart" xmlns:dgm="http://schemas.openxmlformats.org/drawingml/2006/diagram" xmlns:o="urn:schemas-microsoft-com:office:office" xmlns:v="urn:schemas-microsoft-com:vml" xmlns:pvml="urn:schemas-microsoft-com:office:powerpoint" xmlns:com="http://schemas.openxmlformats.org/drawingml/2006/compatibility" xmlns:p14="http://schemas.microsoft.com/office/powerpoint/2010/main" xmlns:p15="http://schemas.microsoft.com/office/powerpoint/2012/main" xmlns:ahyp="http://schemas.microsoft.com/office/drawing/2018/hyperlinkcolor">
+<p:sld xmlns:a="http://schemas.openxmlformats.org/drawingml/2006/main" xmlns:r="http://schemas.openxmlformats.org/officeDocument/2006/relationships" xmlns:p="http://schemas.openxmlformats.org/presentationml/2006/main">
   <p:cSld>
     <p:spTree>
       <p:nvGrpSpPr>
-        <p:cNvPr id="89" name="Shape 89"/>
+        <p:cNvPr id="1" name="Shape 89"/>
         <p:cNvGrpSpPr/>
         <p:nvPr/>
       </p:nvGrpSpPr>
@@ -10438,7 +10679,9 @@
       <p:sp>
         <p:nvSpPr>
           <p:cNvPr id="90" name="Google Shape;90;p19"/>
-          <p:cNvSpPr txBox="1"/>
+          <p:cNvSpPr txBox="1">
+            <a:spLocks noGrp="1"/>
+          </p:cNvSpPr>
           <p:nvPr>
             <p:ph type="title"/>
           </p:nvPr>
@@ -10453,12 +10696,12 @@
           </a:prstGeom>
         </p:spPr>
         <p:txBody>
-          <a:bodyPr anchorCtr="0" anchor="t" bIns="91425" lIns="91425" spcFirstLastPara="1" rIns="91425" wrap="square" tIns="91425">
+          <a:bodyPr spcFirstLastPara="1" wrap="square" lIns="91425" tIns="91425" rIns="91425" bIns="91425" anchor="t" anchorCtr="0">
             <a:noAutofit/>
           </a:bodyPr>
           <a:lstStyle/>
           <a:p>
-            <a:pPr indent="0" lvl="0" marL="0" rtl="0" algn="l">
+            <a:pPr marL="0" lvl="0" indent="0" algn="l" rtl="0">
               <a:spcBef>
                 <a:spcPts val="0"/>
               </a:spcBef>
@@ -10478,9 +10721,11 @@
       <p:sp>
         <p:nvSpPr>
           <p:cNvPr id="91" name="Google Shape;91;p19"/>
-          <p:cNvSpPr txBox="1"/>
-          <p:nvPr>
-            <p:ph idx="1" type="body"/>
+          <p:cNvSpPr txBox="1">
+            <a:spLocks noGrp="1"/>
+          </p:cNvSpPr>
+          <p:nvPr>
+            <p:ph type="body" idx="1"/>
           </p:nvPr>
         </p:nvSpPr>
         <p:spPr>
@@ -10493,12 +10738,12 @@
           </a:prstGeom>
         </p:spPr>
         <p:txBody>
-          <a:bodyPr anchorCtr="0" anchor="t" bIns="91425" lIns="91425" spcFirstLastPara="1" rIns="91425" wrap="square" tIns="91425">
+          <a:bodyPr spcFirstLastPara="1" wrap="square" lIns="91425" tIns="91425" rIns="91425" bIns="91425" anchor="t" anchorCtr="0">
             <a:noAutofit/>
           </a:bodyPr>
           <a:lstStyle/>
           <a:p>
-            <a:pPr indent="0" lvl="0" marL="0" rtl="0" algn="l">
+            <a:pPr marL="0" lvl="0" indent="0" algn="l" rtl="0">
               <a:spcBef>
                 <a:spcPts val="0"/>
               </a:spcBef>
@@ -10509,20 +10754,12 @@
             </a:pPr>
             <a:r>
               <a:rPr lang="en"/>
-              <a:t>Hypertext</a:t>
+              <a:t>Hypertext Transfer Protocol</a:t>
             </a:r>
-            <a:r>
-              <a:rPr lang="en"/>
-              <a:t> Transfer </a:t>
-            </a:r>
-            <a:r>
-              <a:rPr lang="en"/>
-              <a:t>Protocol</a:t>
-            </a:r>
-            <a:endParaRPr/>
-          </a:p>
-          <a:p>
-            <a:pPr indent="0" lvl="0" marL="0" rtl="0" algn="l">
+            <a:endParaRPr/>
+          </a:p>
+          <a:p>
+            <a:pPr marL="0" lvl="0" indent="0" algn="l" rtl="0">
               <a:spcBef>
                 <a:spcPts val="1600"/>
               </a:spcBef>
@@ -10531,13 +10768,10 @@
               </a:spcAft>
               <a:buNone/>
             </a:pPr>
-            <a:r>
-              <a:t/>
-            </a:r>
-            <a:endParaRPr/>
-          </a:p>
-          <a:p>
-            <a:pPr indent="0" lvl="0" marL="0" rtl="0" algn="l">
+            <a:endParaRPr/>
+          </a:p>
+          <a:p>
+            <a:pPr marL="0" lvl="0" indent="0" algn="l" rtl="0">
               <a:spcBef>
                 <a:spcPts val="1600"/>
               </a:spcBef>
@@ -10553,7 +10787,7 @@
             <a:endParaRPr/>
           </a:p>
           <a:p>
-            <a:pPr indent="0" lvl="0" marL="0" rtl="0" algn="l">
+            <a:pPr marL="0" lvl="0" indent="0" algn="l" rtl="0">
               <a:spcBef>
                 <a:spcPts val="1600"/>
               </a:spcBef>
@@ -10569,7 +10803,7 @@
             <a:endParaRPr/>
           </a:p>
           <a:p>
-            <a:pPr indent="0" lvl="0" marL="0" rtl="0" algn="l">
+            <a:pPr marL="0" lvl="0" indent="0" algn="l" rtl="0">
               <a:spcBef>
                 <a:spcPts val="1600"/>
               </a:spcBef>
@@ -10585,7 +10819,7 @@
             <a:endParaRPr/>
           </a:p>
           <a:p>
-            <a:pPr indent="0" lvl="0" marL="0" rtl="0" algn="l">
+            <a:pPr marL="0" lvl="0" indent="0" algn="l" rtl="0">
               <a:spcBef>
                 <a:spcPts val="1600"/>
               </a:spcBef>
@@ -10622,12 +10856,12 @@
           </a:ln>
         </p:spPr>
         <p:txBody>
-          <a:bodyPr anchorCtr="0" anchor="t" bIns="91425" lIns="91425" spcFirstLastPara="1" rIns="91425" wrap="square" tIns="91425">
+          <a:bodyPr spcFirstLastPara="1" wrap="square" lIns="91425" tIns="91425" rIns="91425" bIns="91425" anchor="t" anchorCtr="0">
             <a:noAutofit/>
           </a:bodyPr>
           <a:lstStyle/>
           <a:p>
-            <a:pPr indent="0" lvl="0" marL="0" rtl="0" algn="l">
+            <a:pPr marL="0" lvl="0" indent="0" algn="l" rtl="0">
               <a:spcBef>
                 <a:spcPts val="0"/>
               </a:spcBef>
@@ -10643,22 +10877,19 @@
             <a:endParaRPr/>
           </a:p>
           <a:p>
-            <a:pPr indent="0" lvl="0" marL="0" rtl="0" algn="l">
-              <a:spcBef>
-                <a:spcPts val="0"/>
-              </a:spcBef>
-              <a:spcAft>
-                <a:spcPts val="0"/>
-              </a:spcAft>
-              <a:buNone/>
-            </a:pPr>
-            <a:r>
-              <a:t/>
-            </a:r>
-            <a:endParaRPr/>
-          </a:p>
-          <a:p>
-            <a:pPr indent="0" lvl="0" marL="0" rtl="0" algn="l">
+            <a:pPr marL="0" lvl="0" indent="0" algn="l" rtl="0">
+              <a:spcBef>
+                <a:spcPts val="0"/>
+              </a:spcBef>
+              <a:spcAft>
+                <a:spcPts val="0"/>
+              </a:spcAft>
+              <a:buNone/>
+            </a:pPr>
+            <a:endParaRPr/>
+          </a:p>
+          <a:p>
+            <a:pPr marL="0" lvl="0" indent="0" algn="l" rtl="0">
               <a:spcBef>
                 <a:spcPts val="0"/>
               </a:spcBef>
@@ -10674,7 +10905,7 @@
             <a:endParaRPr/>
           </a:p>
           <a:p>
-            <a:pPr indent="0" lvl="0" marL="0" rtl="0" algn="l">
+            <a:pPr marL="0" lvl="0" indent="0" algn="l" rtl="0">
               <a:spcBef>
                 <a:spcPts val="0"/>
               </a:spcBef>
@@ -10690,7 +10921,7 @@
             <a:endParaRPr/>
           </a:p>
           <a:p>
-            <a:pPr indent="0" lvl="0" marL="0" rtl="0" algn="l">
+            <a:pPr marL="0" lvl="0" indent="0" algn="l" rtl="0">
               <a:spcBef>
                 <a:spcPts val="0"/>
               </a:spcBef>
@@ -10706,7 +10937,7 @@
             <a:endParaRPr/>
           </a:p>
           <a:p>
-            <a:pPr indent="0" lvl="0" marL="0" rtl="0" algn="l">
+            <a:pPr marL="0" lvl="0" indent="0" algn="l" rtl="0">
               <a:spcBef>
                 <a:spcPts val="0"/>
               </a:spcBef>
@@ -10722,22 +10953,19 @@
             <a:endParaRPr/>
           </a:p>
           <a:p>
-            <a:pPr indent="0" lvl="0" marL="0" rtl="0" algn="l">
-              <a:spcBef>
-                <a:spcPts val="0"/>
-              </a:spcBef>
-              <a:spcAft>
-                <a:spcPts val="0"/>
-              </a:spcAft>
-              <a:buNone/>
-            </a:pPr>
-            <a:r>
-              <a:t/>
-            </a:r>
-            <a:endParaRPr/>
-          </a:p>
-          <a:p>
-            <a:pPr indent="0" lvl="0" marL="0" rtl="0" algn="l">
+            <a:pPr marL="0" lvl="0" indent="0" algn="l" rtl="0">
+              <a:spcBef>
+                <a:spcPts val="0"/>
+              </a:spcBef>
+              <a:spcAft>
+                <a:spcPts val="0"/>
+              </a:spcAft>
+              <a:buNone/>
+            </a:pPr>
+            <a:endParaRPr/>
+          </a:p>
+          <a:p>
+            <a:pPr marL="0" lvl="0" indent="0" algn="l" rtl="0">
               <a:spcBef>
                 <a:spcPts val="0"/>
               </a:spcBef>
@@ -10763,11 +10991,11 @@
 </file>
 
 <file path=ppt/slides/slide8.xml><?xml version="1.0" encoding="utf-8"?>
-<p:sld xmlns:a="http://schemas.openxmlformats.org/drawingml/2006/main" xmlns:r="http://schemas.openxmlformats.org/officeDocument/2006/relationships" xmlns:mc="http://schemas.openxmlformats.org/markup-compatibility/2006" xmlns:mv="urn:schemas-microsoft-com:mac:vml" xmlns:p="http://schemas.openxmlformats.org/presentationml/2006/main" xmlns:c="http://schemas.openxmlformats.org/drawingml/2006/chart" xmlns:dgm="http://schemas.openxmlformats.org/drawingml/2006/diagram" xmlns:o="urn:schemas-microsoft-com:office:office" xmlns:v="urn:schemas-microsoft-com:vml" xmlns:pvml="urn:schemas-microsoft-com:office:powerpoint" xmlns:com="http://schemas.openxmlformats.org/drawingml/2006/compatibility" xmlns:p14="http://schemas.microsoft.com/office/powerpoint/2010/main" xmlns:p15="http://schemas.microsoft.com/office/powerpoint/2012/main" xmlns:ahyp="http://schemas.microsoft.com/office/drawing/2018/hyperlinkcolor">
+<p:sld xmlns:a="http://schemas.openxmlformats.org/drawingml/2006/main" xmlns:r="http://schemas.openxmlformats.org/officeDocument/2006/relationships" xmlns:p="http://schemas.openxmlformats.org/presentationml/2006/main">
   <p:cSld>
     <p:spTree>
       <p:nvGrpSpPr>
-        <p:cNvPr id="96" name="Shape 96"/>
+        <p:cNvPr id="1" name="Shape 96"/>
         <p:cNvGrpSpPr/>
         <p:nvPr/>
       </p:nvGrpSpPr>
@@ -10782,7 +11010,9 @@
       <p:sp>
         <p:nvSpPr>
           <p:cNvPr id="97" name="Google Shape;97;p20"/>
-          <p:cNvSpPr txBox="1"/>
+          <p:cNvSpPr txBox="1">
+            <a:spLocks noGrp="1"/>
+          </p:cNvSpPr>
           <p:nvPr>
             <p:ph type="title"/>
           </p:nvPr>
@@ -10797,23 +11027,20 @@
           </a:prstGeom>
         </p:spPr>
         <p:txBody>
-          <a:bodyPr anchorCtr="0" anchor="t" bIns="91425" lIns="91425" spcFirstLastPara="1" rIns="91425" wrap="square" tIns="91425">
+          <a:bodyPr spcFirstLastPara="1" wrap="square" lIns="91425" tIns="91425" rIns="91425" bIns="91425" anchor="t" anchorCtr="0">
             <a:noAutofit/>
           </a:bodyPr>
           <a:lstStyle/>
           <a:p>
-            <a:pPr indent="0" lvl="0" marL="0" rtl="0" algn="l">
-              <a:spcBef>
-                <a:spcPts val="0"/>
-              </a:spcBef>
-              <a:spcAft>
-                <a:spcPts val="0"/>
-              </a:spcAft>
-              <a:buNone/>
-            </a:pPr>
-            <a:r>
-              <a:t/>
-            </a:r>
+            <a:pPr marL="0" lvl="0" indent="0" algn="l" rtl="0">
+              <a:spcBef>
+                <a:spcPts val="0"/>
+              </a:spcBef>
+              <a:spcAft>
+                <a:spcPts val="0"/>
+              </a:spcAft>
+              <a:buNone/>
+            </a:pPr>
             <a:endParaRPr/>
           </a:p>
         </p:txBody>
@@ -10821,9 +11048,11 @@
       <p:sp>
         <p:nvSpPr>
           <p:cNvPr id="98" name="Google Shape;98;p20"/>
-          <p:cNvSpPr txBox="1"/>
-          <p:nvPr>
-            <p:ph idx="1" type="body"/>
+          <p:cNvSpPr txBox="1">
+            <a:spLocks noGrp="1"/>
+          </p:cNvSpPr>
+          <p:nvPr>
+            <p:ph type="body" idx="1"/>
           </p:nvPr>
         </p:nvSpPr>
         <p:spPr>
@@ -10836,12 +11065,12 @@
           </a:prstGeom>
         </p:spPr>
         <p:txBody>
-          <a:bodyPr anchorCtr="0" anchor="t" bIns="91425" lIns="91425" spcFirstLastPara="1" rIns="91425" wrap="square" tIns="91425">
+          <a:bodyPr spcFirstLastPara="1" wrap="square" lIns="91425" tIns="91425" rIns="91425" bIns="91425" anchor="t" anchorCtr="0">
             <a:noAutofit/>
           </a:bodyPr>
           <a:lstStyle/>
           <a:p>
-            <a:pPr indent="0" lvl="0" marL="0" rtl="0" algn="l">
+            <a:pPr marL="0" lvl="0" indent="0" algn="l" rtl="0">
               <a:spcBef>
                 <a:spcPts val="0"/>
               </a:spcBef>
@@ -10850,9 +11079,6 @@
               </a:spcAft>
               <a:buNone/>
             </a:pPr>
-            <a:r>
-              <a:t/>
-            </a:r>
             <a:endParaRPr/>
           </a:p>
         </p:txBody>
@@ -10894,11 +11120,11 @@
 </file>
 
 <file path=ppt/slides/slide9.xml><?xml version="1.0" encoding="utf-8"?>
-<p:sld xmlns:a="http://schemas.openxmlformats.org/drawingml/2006/main" xmlns:r="http://schemas.openxmlformats.org/officeDocument/2006/relationships" xmlns:mc="http://schemas.openxmlformats.org/markup-compatibility/2006" xmlns:mv="urn:schemas-microsoft-com:mac:vml" xmlns:p="http://schemas.openxmlformats.org/presentationml/2006/main" xmlns:c="http://schemas.openxmlformats.org/drawingml/2006/chart" xmlns:dgm="http://schemas.openxmlformats.org/drawingml/2006/diagram" xmlns:o="urn:schemas-microsoft-com:office:office" xmlns:v="urn:schemas-microsoft-com:vml" xmlns:pvml="urn:schemas-microsoft-com:office:powerpoint" xmlns:com="http://schemas.openxmlformats.org/drawingml/2006/compatibility" xmlns:p14="http://schemas.microsoft.com/office/powerpoint/2010/main" xmlns:p15="http://schemas.microsoft.com/office/powerpoint/2012/main" xmlns:ahyp="http://schemas.microsoft.com/office/drawing/2018/hyperlinkcolor">
+<p:sld xmlns:a="http://schemas.openxmlformats.org/drawingml/2006/main" xmlns:r="http://schemas.openxmlformats.org/officeDocument/2006/relationships" xmlns:p="http://schemas.openxmlformats.org/presentationml/2006/main">
   <p:cSld>
     <p:spTree>
       <p:nvGrpSpPr>
-        <p:cNvPr id="103" name="Shape 103"/>
+        <p:cNvPr id="1" name="Shape 103"/>
         <p:cNvGrpSpPr/>
         <p:nvPr/>
       </p:nvGrpSpPr>
@@ -10913,7 +11139,9 @@
       <p:sp>
         <p:nvSpPr>
           <p:cNvPr id="104" name="Google Shape;104;p21"/>
-          <p:cNvSpPr txBox="1"/>
+          <p:cNvSpPr txBox="1">
+            <a:spLocks noGrp="1"/>
+          </p:cNvSpPr>
           <p:nvPr>
             <p:ph type="title"/>
           </p:nvPr>
@@ -10928,23 +11156,20 @@
           </a:prstGeom>
         </p:spPr>
         <p:txBody>
-          <a:bodyPr anchorCtr="0" anchor="t" bIns="91425" lIns="91425" spcFirstLastPara="1" rIns="91425" wrap="square" tIns="91425">
+          <a:bodyPr spcFirstLastPara="1" wrap="square" lIns="91425" tIns="91425" rIns="91425" bIns="91425" anchor="t" anchorCtr="0">
             <a:noAutofit/>
           </a:bodyPr>
           <a:lstStyle/>
           <a:p>
-            <a:pPr indent="0" lvl="0" marL="0" rtl="0" algn="l">
-              <a:spcBef>
-                <a:spcPts val="0"/>
-              </a:spcBef>
-              <a:spcAft>
-                <a:spcPts val="0"/>
-              </a:spcAft>
-              <a:buNone/>
-            </a:pPr>
-            <a:r>
-              <a:t/>
-            </a:r>
+            <a:pPr marL="0" lvl="0" indent="0" algn="l" rtl="0">
+              <a:spcBef>
+                <a:spcPts val="0"/>
+              </a:spcBef>
+              <a:spcAft>
+                <a:spcPts val="0"/>
+              </a:spcAft>
+              <a:buNone/>
+            </a:pPr>
             <a:endParaRPr/>
           </a:p>
         </p:txBody>
@@ -10952,9 +11177,11 @@
       <p:sp>
         <p:nvSpPr>
           <p:cNvPr id="105" name="Google Shape;105;p21"/>
-          <p:cNvSpPr txBox="1"/>
-          <p:nvPr>
-            <p:ph idx="1" type="body"/>
+          <p:cNvSpPr txBox="1">
+            <a:spLocks noGrp="1"/>
+          </p:cNvSpPr>
+          <p:nvPr>
+            <p:ph type="body" idx="1"/>
           </p:nvPr>
         </p:nvSpPr>
         <p:spPr>
@@ -10967,12 +11194,12 @@
           </a:prstGeom>
         </p:spPr>
         <p:txBody>
-          <a:bodyPr anchorCtr="0" anchor="t" bIns="91425" lIns="91425" spcFirstLastPara="1" rIns="91425" wrap="square" tIns="91425">
+          <a:bodyPr spcFirstLastPara="1" wrap="square" lIns="91425" tIns="91425" rIns="91425" bIns="91425" anchor="t" anchorCtr="0">
             <a:noAutofit/>
           </a:bodyPr>
           <a:lstStyle/>
           <a:p>
-            <a:pPr indent="0" lvl="0" marL="0" rtl="0" algn="l">
+            <a:pPr marL="0" lvl="0" indent="0" algn="l" rtl="0">
               <a:spcBef>
                 <a:spcPts val="0"/>
               </a:spcBef>
@@ -10981,9 +11208,6 @@
               </a:spcAft>
               <a:buNone/>
             </a:pPr>
-            <a:r>
-              <a:t/>
-            </a:r>
             <a:endParaRPr/>
           </a:p>
         </p:txBody>
@@ -11025,7 +11249,7 @@
 </file>
 
 <file path=ppt/theme/theme1.xml><?xml version="1.0" encoding="utf-8"?>
-<a:theme xmlns:a="http://schemas.openxmlformats.org/drawingml/2006/main" xmlns:r="http://schemas.openxmlformats.org/officeDocument/2006/relationships" name="Simple Light">
+<a:theme xmlns:a="http://schemas.openxmlformats.org/drawingml/2006/main" name="Simple Light">
   <a:themeElements>
     <a:clrScheme name="Simple Light">
       <a:dk1>
@@ -11300,11 +11524,13 @@
       </a:bgFillStyleLst>
     </a:fmtScheme>
   </a:themeElements>
+  <a:objectDefaults/>
+  <a:extraClrSchemeLst/>
 </a:theme>
 </file>
 
 <file path=ppt/theme/theme2.xml><?xml version="1.0" encoding="utf-8"?>
-<a:theme xmlns:a="http://schemas.openxmlformats.org/drawingml/2006/main" xmlns:r="http://schemas.openxmlformats.org/officeDocument/2006/relationships">
+<a:theme xmlns:a="http://schemas.openxmlformats.org/drawingml/2006/main">
   <a:themeElements>
     <a:clrScheme name="Default">
       <a:dk1>
@@ -11579,5 +11805,7 @@
       </a:bgFillStyleLst>
     </a:fmtScheme>
   </a:themeElements>
+  <a:objectDefaults/>
+  <a:extraClrSchemeLst/>
 </a:theme>
 </file>